--- a/capstone_project/Analysis of Passwords exposed in multiple Data Breaches.pptx
+++ b/capstone_project/Analysis of Passwords exposed in multiple Data Breaches.pptx
@@ -6,13 +6,15 @@
   </p:sldMasterIdLst>
   <p:sldIdLst>
     <p:sldId id="256" r:id="rId2"/>
-    <p:sldId id="257" r:id="rId3"/>
-    <p:sldId id="258" r:id="rId4"/>
-    <p:sldId id="259" r:id="rId5"/>
-    <p:sldId id="261" r:id="rId6"/>
-    <p:sldId id="260" r:id="rId7"/>
-    <p:sldId id="262" r:id="rId8"/>
-    <p:sldId id="263" r:id="rId9"/>
+    <p:sldId id="265" r:id="rId3"/>
+    <p:sldId id="257" r:id="rId4"/>
+    <p:sldId id="258" r:id="rId5"/>
+    <p:sldId id="259" r:id="rId6"/>
+    <p:sldId id="261" r:id="rId7"/>
+    <p:sldId id="260" r:id="rId8"/>
+    <p:sldId id="262" r:id="rId9"/>
+    <p:sldId id="264" r:id="rId10"/>
+    <p:sldId id="263" r:id="rId11"/>
   </p:sldIdLst>
   <p:sldSz cx="12192000" cy="6858000"/>
   <p:notesSz cx="6858000" cy="9144000"/>
@@ -122,7 +124,7 @@
 <file path=ppt/revisionInfo.xml><?xml version="1.0" encoding="utf-8"?>
 <p1510:revInfo xmlns:a="http://schemas.openxmlformats.org/drawingml/2006/main" xmlns:r="http://schemas.openxmlformats.org/officeDocument/2006/relationships" xmlns:p1510="http://schemas.microsoft.com/office/powerpoint/2015/10/main">
   <p1510:revLst>
-    <p1510:client id="{A78E6917-BB5D-4526-942C-CD3AED71766D}" v="2598" dt="2018-08-14T05:11:15.499"/>
+    <p1510:client id="{A78E6917-BB5D-4526-942C-CD3AED71766D}" v="5994" dt="2018-08-22T07:31:16.701"/>
   </p1510:revLst>
 </p1510:revInfo>
 </file>
@@ -131,19 +133,27 @@
 <pc:chgInfo xmlns:a="http://schemas.openxmlformats.org/drawingml/2006/main" xmlns:r="http://schemas.openxmlformats.org/officeDocument/2006/relationships" xmlns:ac="http://schemas.microsoft.com/office/drawing/2013/main/command" xmlns:pc="http://schemas.microsoft.com/office/powerpoint/2013/main/command">
   <pc:docChgLst>
     <pc:chgData name="Ashwin Patil" userId="55232c039f474169" providerId="LiveId" clId="{A78E6917-BB5D-4526-942C-CD3AED71766D}"/>
-    <pc:docChg chg="undo custSel mod addSld delSld modSld">
-      <pc:chgData name="Ashwin Patil" userId="55232c039f474169" providerId="LiveId" clId="{A78E6917-BB5D-4526-942C-CD3AED71766D}" dt="2018-08-14T05:11:15.499" v="2589" actId="1076"/>
+    <pc:docChg chg="undo custSel mod addSld delSld modSld sldOrd">
+      <pc:chgData name="Ashwin Patil" userId="55232c039f474169" providerId="LiveId" clId="{A78E6917-BB5D-4526-942C-CD3AED71766D}" dt="2018-08-22T07:31:16.701" v="5985" actId="14100"/>
       <pc:docMkLst>
         <pc:docMk/>
       </pc:docMkLst>
       <pc:sldChg chg="modSp">
-        <pc:chgData name="Ashwin Patil" userId="55232c039f474169" providerId="LiveId" clId="{A78E6917-BB5D-4526-942C-CD3AED71766D}" dt="2018-08-14T05:10:18.386" v="2575" actId="14100"/>
+        <pc:chgData name="Ashwin Patil" userId="55232c039f474169" providerId="LiveId" clId="{A78E6917-BB5D-4526-942C-CD3AED71766D}" dt="2018-08-22T07:31:16.701" v="5985" actId="14100"/>
         <pc:sldMkLst>
           <pc:docMk/>
           <pc:sldMk cId="602292355" sldId="256"/>
         </pc:sldMkLst>
         <pc:spChg chg="mod">
-          <ac:chgData name="Ashwin Patil" userId="55232c039f474169" providerId="LiveId" clId="{A78E6917-BB5D-4526-942C-CD3AED71766D}" dt="2018-08-14T05:10:18.386" v="2575" actId="14100"/>
+          <ac:chgData name="Ashwin Patil" userId="55232c039f474169" providerId="LiveId" clId="{A78E6917-BB5D-4526-942C-CD3AED71766D}" dt="2018-08-22T07:31:16.701" v="5985" actId="14100"/>
+          <ac:spMkLst>
+            <pc:docMk/>
+            <pc:sldMk cId="602292355" sldId="256"/>
+            <ac:spMk id="2" creationId="{30F9AA1C-1D4D-464F-A50A-3C23B6315BEA}"/>
+          </ac:spMkLst>
+        </pc:spChg>
+        <pc:spChg chg="mod">
+          <ac:chgData name="Ashwin Patil" userId="55232c039f474169" providerId="LiveId" clId="{A78E6917-BB5D-4526-942C-CD3AED71766D}" dt="2018-08-22T07:31:11.637" v="5984" actId="14100"/>
           <ac:spMkLst>
             <pc:docMk/>
             <pc:sldMk cId="602292355" sldId="256"/>
@@ -151,14 +161,14 @@
           </ac:spMkLst>
         </pc:spChg>
       </pc:sldChg>
-      <pc:sldChg chg="addSp modSp">
-        <pc:chgData name="Ashwin Patil" userId="55232c039f474169" providerId="LiveId" clId="{A78E6917-BB5D-4526-942C-CD3AED71766D}" dt="2018-08-14T05:10:30.485" v="2583" actId="20577"/>
+      <pc:sldChg chg="addSp delSp modSp ord">
+        <pc:chgData name="Ashwin Patil" userId="55232c039f474169" providerId="LiveId" clId="{A78E6917-BB5D-4526-942C-CD3AED71766D}" dt="2018-08-22T07:30:31.747" v="5981" actId="20577"/>
         <pc:sldMkLst>
           <pc:docMk/>
           <pc:sldMk cId="2963278198" sldId="257"/>
         </pc:sldMkLst>
         <pc:spChg chg="mod">
-          <ac:chgData name="Ashwin Patil" userId="55232c039f474169" providerId="LiveId" clId="{A78E6917-BB5D-4526-942C-CD3AED71766D}" dt="2018-08-14T05:10:30.485" v="2583" actId="20577"/>
+          <ac:chgData name="Ashwin Patil" userId="55232c039f474169" providerId="LiveId" clId="{A78E6917-BB5D-4526-942C-CD3AED71766D}" dt="2018-08-21T07:29:25.092" v="2591" actId="207"/>
           <ac:spMkLst>
             <pc:docMk/>
             <pc:sldMk cId="2963278198" sldId="257"/>
@@ -166,7 +176,7 @@
           </ac:spMkLst>
         </pc:spChg>
         <pc:spChg chg="mod">
-          <ac:chgData name="Ashwin Patil" userId="55232c039f474169" providerId="LiveId" clId="{A78E6917-BB5D-4526-942C-CD3AED71766D}" dt="2018-07-31T07:38:30.718" v="792" actId="255"/>
+          <ac:chgData name="Ashwin Patil" userId="55232c039f474169" providerId="LiveId" clId="{A78E6917-BB5D-4526-942C-CD3AED71766D}" dt="2018-08-22T07:30:31.747" v="5981" actId="20577"/>
           <ac:spMkLst>
             <pc:docMk/>
             <pc:sldMk cId="2963278198" sldId="257"/>
@@ -174,15 +184,15 @@
           </ac:spMkLst>
         </pc:spChg>
         <pc:spChg chg="add mod">
-          <ac:chgData name="Ashwin Patil" userId="55232c039f474169" providerId="LiveId" clId="{A78E6917-BB5D-4526-942C-CD3AED71766D}" dt="2018-07-31T07:37:26.293" v="782" actId="1076"/>
+          <ac:chgData name="Ashwin Patil" userId="55232c039f474169" providerId="LiveId" clId="{A78E6917-BB5D-4526-942C-CD3AED71766D}" dt="2018-08-21T07:41:07.988" v="3017" actId="1076"/>
           <ac:spMkLst>
             <pc:docMk/>
             <pc:sldMk cId="2963278198" sldId="257"/>
             <ac:spMk id="5" creationId="{A4299822-4A38-47E5-8328-EF483201A84E}"/>
           </ac:spMkLst>
         </pc:spChg>
-        <pc:picChg chg="add mod">
-          <ac:chgData name="Ashwin Patil" userId="55232c039f474169" providerId="LiveId" clId="{A78E6917-BB5D-4526-942C-CD3AED71766D}" dt="2018-07-31T07:19:17.711" v="12" actId="1076"/>
+        <pc:picChg chg="add del mod">
+          <ac:chgData name="Ashwin Patil" userId="55232c039f474169" providerId="LiveId" clId="{A78E6917-BB5D-4526-942C-CD3AED71766D}" dt="2018-08-22T07:16:36.842" v="5217" actId="14100"/>
           <ac:picMkLst>
             <pc:docMk/>
             <pc:sldMk cId="2963278198" sldId="257"/>
@@ -191,13 +201,13 @@
         </pc:picChg>
       </pc:sldChg>
       <pc:sldChg chg="addSp delSp modSp mod setBg setClrOvrMap">
-        <pc:chgData name="Ashwin Patil" userId="55232c039f474169" providerId="LiveId" clId="{A78E6917-BB5D-4526-942C-CD3AED71766D}" dt="2018-08-14T05:09:05.593" v="2560" actId="26606"/>
+        <pc:chgData name="Ashwin Patil" userId="55232c039f474169" providerId="LiveId" clId="{A78E6917-BB5D-4526-942C-CD3AED71766D}" dt="2018-08-21T07:40:23.391" v="3012" actId="26606"/>
         <pc:sldMkLst>
           <pc:docMk/>
           <pc:sldMk cId="469454933" sldId="258"/>
         </pc:sldMkLst>
         <pc:spChg chg="mod">
-          <ac:chgData name="Ashwin Patil" userId="55232c039f474169" providerId="LiveId" clId="{A78E6917-BB5D-4526-942C-CD3AED71766D}" dt="2018-08-14T05:09:05.593" v="2560" actId="26606"/>
+          <ac:chgData name="Ashwin Patil" userId="55232c039f474169" providerId="LiveId" clId="{A78E6917-BB5D-4526-942C-CD3AED71766D}" dt="2018-08-21T07:40:23.391" v="3012" actId="26606"/>
           <ac:spMkLst>
             <pc:docMk/>
             <pc:sldMk cId="469454933" sldId="258"/>
@@ -205,7 +215,7 @@
           </ac:spMkLst>
         </pc:spChg>
         <pc:spChg chg="mod">
-          <ac:chgData name="Ashwin Patil" userId="55232c039f474169" providerId="LiveId" clId="{A78E6917-BB5D-4526-942C-CD3AED71766D}" dt="2018-08-14T05:09:05.593" v="2560" actId="26606"/>
+          <ac:chgData name="Ashwin Patil" userId="55232c039f474169" providerId="LiveId" clId="{A78E6917-BB5D-4526-942C-CD3AED71766D}" dt="2018-08-21T07:40:23.391" v="3012" actId="26606"/>
           <ac:spMkLst>
             <pc:docMk/>
             <pc:sldMk cId="469454933" sldId="258"/>
@@ -388,31 +398,71 @@
             <ac:spMk id="38" creationId="{6A681326-1C9D-44A3-A627-3871BDAE4127}"/>
           </ac:spMkLst>
         </pc:spChg>
-        <pc:spChg chg="add">
-          <ac:chgData name="Ashwin Patil" userId="55232c039f474169" providerId="LiveId" clId="{A78E6917-BB5D-4526-942C-CD3AED71766D}" dt="2018-08-14T05:09:05.593" v="2560" actId="26606"/>
+        <pc:spChg chg="add del">
+          <ac:chgData name="Ashwin Patil" userId="55232c039f474169" providerId="LiveId" clId="{A78E6917-BB5D-4526-942C-CD3AED71766D}" dt="2018-08-21T07:40:23.391" v="3012" actId="26606"/>
           <ac:spMkLst>
             <pc:docMk/>
             <pc:sldMk cId="469454933" sldId="258"/>
             <ac:spMk id="40" creationId="{DDBA86CC-34C3-43C1-B328-62490FE69046}"/>
           </ac:spMkLst>
         </pc:spChg>
-        <pc:spChg chg="add">
-          <ac:chgData name="Ashwin Patil" userId="55232c039f474169" providerId="LiveId" clId="{A78E6917-BB5D-4526-942C-CD3AED71766D}" dt="2018-08-14T05:09:05.593" v="2560" actId="26606"/>
+        <pc:spChg chg="add del">
+          <ac:chgData name="Ashwin Patil" userId="55232c039f474169" providerId="LiveId" clId="{A78E6917-BB5D-4526-942C-CD3AED71766D}" dt="2018-08-21T07:40:23.391" v="3012" actId="26606"/>
           <ac:spMkLst>
             <pc:docMk/>
             <pc:sldMk cId="469454933" sldId="258"/>
             <ac:spMk id="41" creationId="{9CF4C9D6-90BC-48A0-91E8-0F0373CA11B5}"/>
           </ac:spMkLst>
         </pc:spChg>
+        <pc:spChg chg="add">
+          <ac:chgData name="Ashwin Patil" userId="55232c039f474169" providerId="LiveId" clId="{A78E6917-BB5D-4526-942C-CD3AED71766D}" dt="2018-08-21T07:40:23.391" v="3012" actId="26606"/>
+          <ac:spMkLst>
+            <pc:docMk/>
+            <pc:sldMk cId="469454933" sldId="258"/>
+            <ac:spMk id="46" creationId="{923E8915-D2AA-4327-A45A-972C3CA9574B}"/>
+          </ac:spMkLst>
+        </pc:spChg>
+        <pc:spChg chg="add">
+          <ac:chgData name="Ashwin Patil" userId="55232c039f474169" providerId="LiveId" clId="{A78E6917-BB5D-4526-942C-CD3AED71766D}" dt="2018-08-21T07:40:23.391" v="3012" actId="26606"/>
+          <ac:spMkLst>
+            <pc:docMk/>
+            <pc:sldMk cId="469454933" sldId="258"/>
+            <ac:spMk id="48" creationId="{8302FC3C-9804-4950-B721-5FD704BA6065}"/>
+          </ac:spMkLst>
+        </pc:spChg>
+        <pc:spChg chg="add">
+          <ac:chgData name="Ashwin Patil" userId="55232c039f474169" providerId="LiveId" clId="{A78E6917-BB5D-4526-942C-CD3AED71766D}" dt="2018-08-21T07:40:23.391" v="3012" actId="26606"/>
+          <ac:spMkLst>
+            <pc:docMk/>
+            <pc:sldMk cId="469454933" sldId="258"/>
+            <ac:spMk id="54" creationId="{F3798573-F27B-47EB-8EA4-7EE34954C2D6}"/>
+          </ac:spMkLst>
+        </pc:spChg>
+        <pc:picChg chg="add">
+          <ac:chgData name="Ashwin Patil" userId="55232c039f474169" providerId="LiveId" clId="{A78E6917-BB5D-4526-942C-CD3AED71766D}" dt="2018-08-21T07:40:23.391" v="3012" actId="26606"/>
+          <ac:picMkLst>
+            <pc:docMk/>
+            <pc:sldMk cId="469454933" sldId="258"/>
+            <ac:picMk id="52" creationId="{3BC6EBB2-9BDC-4075-BA6B-43A9FBF9C86C}"/>
+          </ac:picMkLst>
+        </pc:picChg>
+        <pc:cxnChg chg="add">
+          <ac:chgData name="Ashwin Patil" userId="55232c039f474169" providerId="LiveId" clId="{A78E6917-BB5D-4526-942C-CD3AED71766D}" dt="2018-08-21T07:40:23.391" v="3012" actId="26606"/>
+          <ac:cxnSpMkLst>
+            <pc:docMk/>
+            <pc:sldMk cId="469454933" sldId="258"/>
+            <ac:cxnSpMk id="50" creationId="{6B9695BD-ECF6-49CA-8877-8C493193C65D}"/>
+          </ac:cxnSpMkLst>
+        </pc:cxnChg>
       </pc:sldChg>
       <pc:sldChg chg="addSp delSp modSp mod setBg setClrOvrMap">
-        <pc:chgData name="Ashwin Patil" userId="55232c039f474169" providerId="LiveId" clId="{A78E6917-BB5D-4526-942C-CD3AED71766D}" dt="2018-08-14T05:09:35.322" v="2573" actId="26606"/>
+        <pc:chgData name="Ashwin Patil" userId="55232c039f474169" providerId="LiveId" clId="{A78E6917-BB5D-4526-942C-CD3AED71766D}" dt="2018-08-22T07:29:38.271" v="5920" actId="20577"/>
         <pc:sldMkLst>
           <pc:docMk/>
           <pc:sldMk cId="1894391586" sldId="259"/>
         </pc:sldMkLst>
         <pc:spChg chg="mod">
-          <ac:chgData name="Ashwin Patil" userId="55232c039f474169" providerId="LiveId" clId="{A78E6917-BB5D-4526-942C-CD3AED71766D}" dt="2018-08-14T05:09:35.322" v="2573" actId="26606"/>
+          <ac:chgData name="Ashwin Patil" userId="55232c039f474169" providerId="LiveId" clId="{A78E6917-BB5D-4526-942C-CD3AED71766D}" dt="2018-08-22T07:16:18.524" v="5216" actId="26606"/>
           <ac:spMkLst>
             <pc:docMk/>
             <pc:sldMk cId="1894391586" sldId="259"/>
@@ -499,28 +549,116 @@
             <ac:spMk id="16" creationId="{10B541F0-7F6E-402E-84D8-CF96EACA5FBC}"/>
           </ac:spMkLst>
         </pc:spChg>
-        <pc:spChg chg="add">
-          <ac:chgData name="Ashwin Patil" userId="55232c039f474169" providerId="LiveId" clId="{A78E6917-BB5D-4526-942C-CD3AED71766D}" dt="2018-08-14T05:09:35.322" v="2573" actId="26606"/>
+        <pc:spChg chg="add del">
+          <ac:chgData name="Ashwin Patil" userId="55232c039f474169" providerId="LiveId" clId="{A78E6917-BB5D-4526-942C-CD3AED71766D}" dt="2018-08-21T07:41:44.407" v="3019" actId="26606"/>
           <ac:spMkLst>
             <pc:docMk/>
             <pc:sldMk cId="1894391586" sldId="259"/>
             <ac:spMk id="22" creationId="{DDBA86CC-34C3-43C1-B328-62490FE69046}"/>
           </ac:spMkLst>
         </pc:spChg>
-        <pc:spChg chg="add">
-          <ac:chgData name="Ashwin Patil" userId="55232c039f474169" providerId="LiveId" clId="{A78E6917-BB5D-4526-942C-CD3AED71766D}" dt="2018-08-14T05:09:35.322" v="2573" actId="26606"/>
+        <pc:spChg chg="add del">
+          <ac:chgData name="Ashwin Patil" userId="55232c039f474169" providerId="LiveId" clId="{A78E6917-BB5D-4526-942C-CD3AED71766D}" dt="2018-08-21T07:41:44.407" v="3019" actId="26606"/>
           <ac:spMkLst>
             <pc:docMk/>
             <pc:sldMk cId="1894391586" sldId="259"/>
             <ac:spMk id="23" creationId="{9CF4C9D6-90BC-48A0-91E8-0F0373CA11B5}"/>
           </ac:spMkLst>
         </pc:spChg>
-        <pc:spChg chg="add">
-          <ac:chgData name="Ashwin Patil" userId="55232c039f474169" providerId="LiveId" clId="{A78E6917-BB5D-4526-942C-CD3AED71766D}" dt="2018-08-14T05:09:35.322" v="2573" actId="26606"/>
+        <pc:spChg chg="add del mod">
+          <ac:chgData name="Ashwin Patil" userId="55232c039f474169" providerId="LiveId" clId="{A78E6917-BB5D-4526-942C-CD3AED71766D}" dt="2018-08-22T07:29:38.271" v="5920" actId="20577"/>
           <ac:spMkLst>
             <pc:docMk/>
             <pc:sldMk cId="1894391586" sldId="259"/>
             <ac:spMk id="24" creationId="{EE625362-2C9C-4682-9E75-A46AF820D30F}"/>
+          </ac:spMkLst>
+        </pc:spChg>
+        <pc:spChg chg="add del">
+          <ac:chgData name="Ashwin Patil" userId="55232c039f474169" providerId="LiveId" clId="{A78E6917-BB5D-4526-942C-CD3AED71766D}" dt="2018-08-22T07:16:18.524" v="5216" actId="26606"/>
+          <ac:spMkLst>
+            <pc:docMk/>
+            <pc:sldMk cId="1894391586" sldId="259"/>
+            <ac:spMk id="29" creationId="{923E8915-D2AA-4327-A45A-972C3CA9574B}"/>
+          </ac:spMkLst>
+        </pc:spChg>
+        <pc:spChg chg="add del">
+          <ac:chgData name="Ashwin Patil" userId="55232c039f474169" providerId="LiveId" clId="{A78E6917-BB5D-4526-942C-CD3AED71766D}" dt="2018-08-22T07:16:18.524" v="5216" actId="26606"/>
+          <ac:spMkLst>
+            <pc:docMk/>
+            <pc:sldMk cId="1894391586" sldId="259"/>
+            <ac:spMk id="31" creationId="{8302FC3C-9804-4950-B721-5FD704BA6065}"/>
+          </ac:spMkLst>
+        </pc:spChg>
+        <pc:spChg chg="add del">
+          <ac:chgData name="Ashwin Patil" userId="55232c039f474169" providerId="LiveId" clId="{A78E6917-BB5D-4526-942C-CD3AED71766D}" dt="2018-08-22T07:16:18.524" v="5216" actId="26606"/>
+          <ac:spMkLst>
+            <pc:docMk/>
+            <pc:sldMk cId="1894391586" sldId="259"/>
+            <ac:spMk id="37" creationId="{F3798573-F27B-47EB-8EA4-7EE34954C2D6}"/>
+          </ac:spMkLst>
+        </pc:spChg>
+        <pc:spChg chg="add del">
+          <ac:chgData name="Ashwin Patil" userId="55232c039f474169" providerId="LiveId" clId="{A78E6917-BB5D-4526-942C-CD3AED71766D}" dt="2018-08-22T07:15:31.919" v="5208" actId="26606"/>
+          <ac:spMkLst>
+            <pc:docMk/>
+            <pc:sldMk cId="1894391586" sldId="259"/>
+            <ac:spMk id="41" creationId="{EE625362-2C9C-4682-9E75-A46AF820D30F}"/>
+          </ac:spMkLst>
+        </pc:spChg>
+        <pc:spChg chg="add del">
+          <ac:chgData name="Ashwin Patil" userId="55232c039f474169" providerId="LiveId" clId="{A78E6917-BB5D-4526-942C-CD3AED71766D}" dt="2018-08-22T07:15:31.919" v="5208" actId="26606"/>
+          <ac:spMkLst>
+            <pc:docMk/>
+            <pc:sldMk cId="1894391586" sldId="259"/>
+            <ac:spMk id="42" creationId="{923E8915-D2AA-4327-A45A-972C3CA9574B}"/>
+          </ac:spMkLst>
+        </pc:spChg>
+        <pc:spChg chg="add del">
+          <ac:chgData name="Ashwin Patil" userId="55232c039f474169" providerId="LiveId" clId="{A78E6917-BB5D-4526-942C-CD3AED71766D}" dt="2018-08-22T07:15:31.919" v="5208" actId="26606"/>
+          <ac:spMkLst>
+            <pc:docMk/>
+            <pc:sldMk cId="1894391586" sldId="259"/>
+            <ac:spMk id="44" creationId="{8302FC3C-9804-4950-B721-5FD704BA6065}"/>
+          </ac:spMkLst>
+        </pc:spChg>
+        <pc:spChg chg="add del">
+          <ac:chgData name="Ashwin Patil" userId="55232c039f474169" providerId="LiveId" clId="{A78E6917-BB5D-4526-942C-CD3AED71766D}" dt="2018-08-22T07:15:31.919" v="5208" actId="26606"/>
+          <ac:spMkLst>
+            <pc:docMk/>
+            <pc:sldMk cId="1894391586" sldId="259"/>
+            <ac:spMk id="50" creationId="{F3798573-F27B-47EB-8EA4-7EE34954C2D6}"/>
+          </ac:spMkLst>
+        </pc:spChg>
+        <pc:spChg chg="add del">
+          <ac:chgData name="Ashwin Patil" userId="55232c039f474169" providerId="LiveId" clId="{A78E6917-BB5D-4526-942C-CD3AED71766D}" dt="2018-08-22T07:16:18.026" v="5215" actId="26606"/>
+          <ac:spMkLst>
+            <pc:docMk/>
+            <pc:sldMk cId="1894391586" sldId="259"/>
+            <ac:spMk id="57" creationId="{F747F1B4-B831-4277-8AB0-32767F7EB7BF}"/>
+          </ac:spMkLst>
+        </pc:spChg>
+        <pc:spChg chg="add del">
+          <ac:chgData name="Ashwin Patil" userId="55232c039f474169" providerId="LiveId" clId="{A78E6917-BB5D-4526-942C-CD3AED71766D}" dt="2018-08-22T07:16:18.026" v="5215" actId="26606"/>
+          <ac:spMkLst>
+            <pc:docMk/>
+            <pc:sldMk cId="1894391586" sldId="259"/>
+            <ac:spMk id="59" creationId="{D80CFA21-AB7C-4BEB-9BFF-05764FBBF3C6}"/>
+          </ac:spMkLst>
+        </pc:spChg>
+        <pc:spChg chg="add del">
+          <ac:chgData name="Ashwin Patil" userId="55232c039f474169" providerId="LiveId" clId="{A78E6917-BB5D-4526-942C-CD3AED71766D}" dt="2018-08-22T07:16:18.026" v="5215" actId="26606"/>
+          <ac:spMkLst>
+            <pc:docMk/>
+            <pc:sldMk cId="1894391586" sldId="259"/>
+            <ac:spMk id="61" creationId="{12F7E335-851A-4CAE-B09F-E657819D4600}"/>
+          </ac:spMkLst>
+        </pc:spChg>
+        <pc:spChg chg="add del">
+          <ac:chgData name="Ashwin Patil" userId="55232c039f474169" providerId="LiveId" clId="{A78E6917-BB5D-4526-942C-CD3AED71766D}" dt="2018-08-22T07:16:18.026" v="5215" actId="26606"/>
+          <ac:spMkLst>
+            <pc:docMk/>
+            <pc:sldMk cId="1894391586" sldId="259"/>
+            <ac:spMk id="63" creationId="{10B541F0-7F6E-402E-84D8-CF96EACA5FBC}"/>
           </ac:spMkLst>
         </pc:spChg>
         <pc:graphicFrameChg chg="add del">
@@ -555,54 +693,63 @@
             <ac:graphicFrameMk id="20" creationId="{86ACADE7-0891-45EF-A839-1EC06A2103F2}"/>
           </ac:graphicFrameMkLst>
         </pc:graphicFrameChg>
-      </pc:sldChg>
-      <pc:sldChg chg="addSp delSp modSp del">
-        <pc:chgData name="Ashwin Patil" userId="55232c039f474169" providerId="LiveId" clId="{A78E6917-BB5D-4526-942C-CD3AED71766D}" dt="2018-08-14T04:47:23.678" v="1034" actId="2696"/>
-        <pc:sldMkLst>
-          <pc:docMk/>
-          <pc:sldMk cId="746408449" sldId="260"/>
-        </pc:sldMkLst>
-        <pc:spChg chg="mod">
-          <ac:chgData name="Ashwin Patil" userId="55232c039f474169" providerId="LiveId" clId="{A78E6917-BB5D-4526-942C-CD3AED71766D}" dt="2018-08-14T04:35:36.645" v="815" actId="14100"/>
-          <ac:spMkLst>
-            <pc:docMk/>
-            <pc:sldMk cId="746408449" sldId="260"/>
-            <ac:spMk id="2" creationId="{BE6594EB-2D11-41FD-84A1-2F026636F6C9}"/>
-          </ac:spMkLst>
-        </pc:spChg>
-        <pc:spChg chg="del">
-          <ac:chgData name="Ashwin Patil" userId="55232c039f474169" providerId="LiveId" clId="{A78E6917-BB5D-4526-942C-CD3AED71766D}" dt="2018-07-31T07:31:31.976" v="389" actId="478"/>
-          <ac:spMkLst>
-            <pc:docMk/>
-            <pc:sldMk cId="746408449" sldId="260"/>
-            <ac:spMk id="3" creationId="{0224D6A7-5917-4241-BDBB-4BD7800B83FD}"/>
-          </ac:spMkLst>
-        </pc:spChg>
-        <pc:picChg chg="add del mod">
-          <ac:chgData name="Ashwin Patil" userId="55232c039f474169" providerId="LiveId" clId="{A78E6917-BB5D-4526-942C-CD3AED71766D}" dt="2018-08-14T04:35:12.226" v="808" actId="478"/>
+        <pc:graphicFrameChg chg="add del">
+          <ac:chgData name="Ashwin Patil" userId="55232c039f474169" providerId="LiveId" clId="{A78E6917-BB5D-4526-942C-CD3AED71766D}" dt="2018-08-22T07:15:27.026" v="5206" actId="26606"/>
+          <ac:graphicFrameMkLst>
+            <pc:docMk/>
+            <pc:sldMk cId="1894391586" sldId="259"/>
+            <ac:graphicFrameMk id="39" creationId="{46EF29E8-E7B8-444C-BE02-8B37D0871B2D}"/>
+          </ac:graphicFrameMkLst>
+        </pc:graphicFrameChg>
+        <pc:graphicFrameChg chg="add del mod modGraphic">
+          <ac:chgData name="Ashwin Patil" userId="55232c039f474169" providerId="LiveId" clId="{A78E6917-BB5D-4526-942C-CD3AED71766D}" dt="2018-08-22T07:16:18.524" v="5216" actId="26606"/>
+          <ac:graphicFrameMkLst>
+            <pc:docMk/>
+            <pc:sldMk cId="1894391586" sldId="259"/>
+            <ac:graphicFrameMk id="52" creationId="{0424CF99-750B-48EE-991D-177BE26BFF60}"/>
+          </ac:graphicFrameMkLst>
+        </pc:graphicFrameChg>
+        <pc:picChg chg="add del">
+          <ac:chgData name="Ashwin Patil" userId="55232c039f474169" providerId="LiveId" clId="{A78E6917-BB5D-4526-942C-CD3AED71766D}" dt="2018-08-22T07:16:18.524" v="5216" actId="26606"/>
           <ac:picMkLst>
             <pc:docMk/>
-            <pc:sldMk cId="746408449" sldId="260"/>
-            <ac:picMk id="4" creationId="{9F0BFE21-41B3-4CF6-A089-611BEB7C0FE2}"/>
+            <pc:sldMk cId="1894391586" sldId="259"/>
+            <ac:picMk id="35" creationId="{3BC6EBB2-9BDC-4075-BA6B-43A9FBF9C86C}"/>
           </ac:picMkLst>
         </pc:picChg>
-        <pc:picChg chg="add del mod">
-          <ac:chgData name="Ashwin Patil" userId="55232c039f474169" providerId="LiveId" clId="{A78E6917-BB5D-4526-942C-CD3AED71766D}" dt="2018-08-14T04:35:13.572" v="809" actId="478"/>
+        <pc:picChg chg="add del">
+          <ac:chgData name="Ashwin Patil" userId="55232c039f474169" providerId="LiveId" clId="{A78E6917-BB5D-4526-942C-CD3AED71766D}" dt="2018-08-22T07:15:31.919" v="5208" actId="26606"/>
           <ac:picMkLst>
             <pc:docMk/>
-            <pc:sldMk cId="746408449" sldId="260"/>
-            <ac:picMk id="5" creationId="{6B67D512-7898-4167-8D6A-A1E6ED8C3A1A}"/>
+            <pc:sldMk cId="1894391586" sldId="259"/>
+            <ac:picMk id="48" creationId="{3BC6EBB2-9BDC-4075-BA6B-43A9FBF9C86C}"/>
           </ac:picMkLst>
         </pc:picChg>
+        <pc:cxnChg chg="add del">
+          <ac:chgData name="Ashwin Patil" userId="55232c039f474169" providerId="LiveId" clId="{A78E6917-BB5D-4526-942C-CD3AED71766D}" dt="2018-08-22T07:16:18.524" v="5216" actId="26606"/>
+          <ac:cxnSpMkLst>
+            <pc:docMk/>
+            <pc:sldMk cId="1894391586" sldId="259"/>
+            <ac:cxnSpMk id="33" creationId="{6B9695BD-ECF6-49CA-8877-8C493193C65D}"/>
+          </ac:cxnSpMkLst>
+        </pc:cxnChg>
+        <pc:cxnChg chg="add del">
+          <ac:chgData name="Ashwin Patil" userId="55232c039f474169" providerId="LiveId" clId="{A78E6917-BB5D-4526-942C-CD3AED71766D}" dt="2018-08-22T07:15:31.919" v="5208" actId="26606"/>
+          <ac:cxnSpMkLst>
+            <pc:docMk/>
+            <pc:sldMk cId="1894391586" sldId="259"/>
+            <ac:cxnSpMk id="46" creationId="{6B9695BD-ECF6-49CA-8877-8C493193C65D}"/>
+          </ac:cxnSpMkLst>
+        </pc:cxnChg>
       </pc:sldChg>
       <pc:sldChg chg="addSp modSp add">
-        <pc:chgData name="Ashwin Patil" userId="55232c039f474169" providerId="LiveId" clId="{A78E6917-BB5D-4526-942C-CD3AED71766D}" dt="2018-08-14T05:06:36.081" v="2506" actId="1076"/>
+        <pc:chgData name="Ashwin Patil" userId="55232c039f474169" providerId="LiveId" clId="{A78E6917-BB5D-4526-942C-CD3AED71766D}" dt="2018-08-22T07:24:13.899" v="5635" actId="1076"/>
         <pc:sldMkLst>
           <pc:docMk/>
           <pc:sldMk cId="1665664577" sldId="260"/>
         </pc:sldMkLst>
         <pc:spChg chg="mod">
-          <ac:chgData name="Ashwin Patil" userId="55232c039f474169" providerId="LiveId" clId="{A78E6917-BB5D-4526-942C-CD3AED71766D}" dt="2018-08-14T04:47:55.156" v="1054" actId="5793"/>
+          <ac:chgData name="Ashwin Patil" userId="55232c039f474169" providerId="LiveId" clId="{A78E6917-BB5D-4526-942C-CD3AED71766D}" dt="2018-08-21T07:29:50.359" v="2595" actId="207"/>
           <ac:spMkLst>
             <pc:docMk/>
             <pc:sldMk cId="1665664577" sldId="260"/>
@@ -610,7 +757,7 @@
           </ac:spMkLst>
         </pc:spChg>
         <pc:spChg chg="add mod">
-          <ac:chgData name="Ashwin Patil" userId="55232c039f474169" providerId="LiveId" clId="{A78E6917-BB5D-4526-942C-CD3AED71766D}" dt="2018-08-14T04:51:20.806" v="1259" actId="6549"/>
+          <ac:chgData name="Ashwin Patil" userId="55232c039f474169" providerId="LiveId" clId="{A78E6917-BB5D-4526-942C-CD3AED71766D}" dt="2018-08-22T07:23:42.713" v="5628" actId="27636"/>
           <ac:spMkLst>
             <pc:docMk/>
             <pc:sldMk cId="1665664577" sldId="260"/>
@@ -618,7 +765,7 @@
           </ac:spMkLst>
         </pc:spChg>
         <pc:spChg chg="add mod">
-          <ac:chgData name="Ashwin Patil" userId="55232c039f474169" providerId="LiveId" clId="{A78E6917-BB5D-4526-942C-CD3AED71766D}" dt="2018-08-14T05:06:36.081" v="2506" actId="1076"/>
+          <ac:chgData name="Ashwin Patil" userId="55232c039f474169" providerId="LiveId" clId="{A78E6917-BB5D-4526-942C-CD3AED71766D}" dt="2018-08-22T07:24:13.899" v="5635" actId="1076"/>
           <ac:spMkLst>
             <pc:docMk/>
             <pc:sldMk cId="1665664577" sldId="260"/>
@@ -643,7 +790,7 @@
         </pc:picChg>
       </pc:sldChg>
       <pc:sldChg chg="addSp delSp modSp">
-        <pc:chgData name="Ashwin Patil" userId="55232c039f474169" providerId="LiveId" clId="{A78E6917-BB5D-4526-942C-CD3AED71766D}" dt="2018-08-14T04:47:16.332" v="1033" actId="20577"/>
+        <pc:chgData name="Ashwin Patil" userId="55232c039f474169" providerId="LiveId" clId="{A78E6917-BB5D-4526-942C-CD3AED71766D}" dt="2018-08-22T07:22:54.834" v="5578" actId="207"/>
         <pc:sldMkLst>
           <pc:docMk/>
           <pc:sldMk cId="895877364" sldId="261"/>
@@ -665,7 +812,7 @@
           </ac:spMkLst>
         </pc:spChg>
         <pc:spChg chg="add mod">
-          <ac:chgData name="Ashwin Patil" userId="55232c039f474169" providerId="LiveId" clId="{A78E6917-BB5D-4526-942C-CD3AED71766D}" dt="2018-07-31T07:32:54.835" v="411" actId="1076"/>
+          <ac:chgData name="Ashwin Patil" userId="55232c039f474169" providerId="LiveId" clId="{A78E6917-BB5D-4526-942C-CD3AED71766D}" dt="2018-08-21T07:42:04.826" v="3020" actId="14100"/>
           <ac:spMkLst>
             <pc:docMk/>
             <pc:sldMk cId="895877364" sldId="261"/>
@@ -681,7 +828,7 @@
           </ac:spMkLst>
         </pc:spChg>
         <pc:spChg chg="add mod">
-          <ac:chgData name="Ashwin Patil" userId="55232c039f474169" providerId="LiveId" clId="{A78E6917-BB5D-4526-942C-CD3AED71766D}" dt="2018-08-14T04:46:25.574" v="926" actId="1076"/>
+          <ac:chgData name="Ashwin Patil" userId="55232c039f474169" providerId="LiveId" clId="{A78E6917-BB5D-4526-942C-CD3AED71766D}" dt="2018-08-22T07:22:49.085" v="5577" actId="20577"/>
           <ac:spMkLst>
             <pc:docMk/>
             <pc:sldMk cId="895877364" sldId="261"/>
@@ -689,7 +836,7 @@
           </ac:spMkLst>
         </pc:spChg>
         <pc:spChg chg="add mod">
-          <ac:chgData name="Ashwin Patil" userId="55232c039f474169" providerId="LiveId" clId="{A78E6917-BB5D-4526-942C-CD3AED71766D}" dt="2018-08-14T04:47:16.332" v="1033" actId="20577"/>
+          <ac:chgData name="Ashwin Patil" userId="55232c039f474169" providerId="LiveId" clId="{A78E6917-BB5D-4526-942C-CD3AED71766D}" dt="2018-08-22T07:22:54.834" v="5578" actId="207"/>
           <ac:spMkLst>
             <pc:docMk/>
             <pc:sldMk cId="895877364" sldId="261"/>
@@ -730,13 +877,13 @@
         </pc:picChg>
       </pc:sldChg>
       <pc:sldChg chg="addSp delSp modSp">
-        <pc:chgData name="Ashwin Patil" userId="55232c039f474169" providerId="LiveId" clId="{A78E6917-BB5D-4526-942C-CD3AED71766D}" dt="2018-08-14T05:11:15.499" v="2589" actId="1076"/>
+        <pc:chgData name="Ashwin Patil" userId="55232c039f474169" providerId="LiveId" clId="{A78E6917-BB5D-4526-942C-CD3AED71766D}" dt="2018-08-22T07:28:28.468" v="5831" actId="12"/>
         <pc:sldMkLst>
           <pc:docMk/>
           <pc:sldMk cId="3675621259" sldId="262"/>
         </pc:sldMkLst>
         <pc:spChg chg="mod">
-          <ac:chgData name="Ashwin Patil" userId="55232c039f474169" providerId="LiveId" clId="{A78E6917-BB5D-4526-942C-CD3AED71766D}" dt="2018-07-31T07:39:25.447" v="803" actId="14100"/>
+          <ac:chgData name="Ashwin Patil" userId="55232c039f474169" providerId="LiveId" clId="{A78E6917-BB5D-4526-942C-CD3AED71766D}" dt="2018-08-21T07:29:55.703" v="2596" actId="207"/>
           <ac:spMkLst>
             <pc:docMk/>
             <pc:sldMk cId="3675621259" sldId="262"/>
@@ -760,7 +907,7 @@
           </ac:spMkLst>
         </pc:spChg>
         <pc:spChg chg="add mod">
-          <ac:chgData name="Ashwin Patil" userId="55232c039f474169" providerId="LiveId" clId="{A78E6917-BB5D-4526-942C-CD3AED71766D}" dt="2018-08-14T05:11:02.899" v="2585" actId="1076"/>
+          <ac:chgData name="Ashwin Patil" userId="55232c039f474169" providerId="LiveId" clId="{A78E6917-BB5D-4526-942C-CD3AED71766D}" dt="2018-08-22T07:28:28.468" v="5831" actId="12"/>
           <ac:spMkLst>
             <pc:docMk/>
             <pc:sldMk cId="3675621259" sldId="262"/>
@@ -768,7 +915,7 @@
           </ac:spMkLst>
         </pc:spChg>
         <pc:spChg chg="add mod">
-          <ac:chgData name="Ashwin Patil" userId="55232c039f474169" providerId="LiveId" clId="{A78E6917-BB5D-4526-942C-CD3AED71766D}" dt="2018-08-14T04:56:41.963" v="1748" actId="1076"/>
+          <ac:chgData name="Ashwin Patil" userId="55232c039f474169" providerId="LiveId" clId="{A78E6917-BB5D-4526-942C-CD3AED71766D}" dt="2018-08-22T07:24:47.193" v="5645" actId="207"/>
           <ac:spMkLst>
             <pc:docMk/>
             <pc:sldMk cId="3675621259" sldId="262"/>
@@ -824,14 +971,14 @@
           </ac:picMkLst>
         </pc:picChg>
       </pc:sldChg>
-      <pc:sldChg chg="addSp delSp modSp add">
-        <pc:chgData name="Ashwin Patil" userId="55232c039f474169" providerId="LiveId" clId="{A78E6917-BB5D-4526-942C-CD3AED71766D}" dt="2018-08-14T05:06:17.825" v="2504" actId="20577"/>
+      <pc:sldChg chg="addSp delSp modSp add mod setBg setClrOvrMap">
+        <pc:chgData name="Ashwin Patil" userId="55232c039f474169" providerId="LiveId" clId="{A78E6917-BB5D-4526-942C-CD3AED71766D}" dt="2018-08-22T07:28:10.966" v="5829" actId="12"/>
         <pc:sldMkLst>
           <pc:docMk/>
           <pc:sldMk cId="690386882" sldId="263"/>
         </pc:sldMkLst>
         <pc:spChg chg="mod">
-          <ac:chgData name="Ashwin Patil" userId="55232c039f474169" providerId="LiveId" clId="{A78E6917-BB5D-4526-942C-CD3AED71766D}" dt="2018-07-31T07:35:46.469" v="764" actId="20577"/>
+          <ac:chgData name="Ashwin Patil" userId="55232c039f474169" providerId="LiveId" clId="{A78E6917-BB5D-4526-942C-CD3AED71766D}" dt="2018-08-22T07:17:47.117" v="5255" actId="26606"/>
           <ac:spMkLst>
             <pc:docMk/>
             <pc:sldMk cId="690386882" sldId="263"/>
@@ -846,14 +993,596 @@
             <ac:spMk id="3" creationId="{18E82480-3834-4E52-ADC4-6CB05A9381FC}"/>
           </ac:spMkLst>
         </pc:spChg>
-        <pc:spChg chg="add mod">
-          <ac:chgData name="Ashwin Patil" userId="55232c039f474169" providerId="LiveId" clId="{A78E6917-BB5D-4526-942C-CD3AED71766D}" dt="2018-08-14T05:06:17.825" v="2504" actId="20577"/>
+        <pc:spChg chg="add del mod">
+          <ac:chgData name="Ashwin Patil" userId="55232c039f474169" providerId="LiveId" clId="{A78E6917-BB5D-4526-942C-CD3AED71766D}" dt="2018-08-21T07:42:50.099" v="3037" actId="26606"/>
           <ac:spMkLst>
             <pc:docMk/>
             <pc:sldMk cId="690386882" sldId="263"/>
             <ac:spMk id="4" creationId="{BAB9AB21-6D60-4C74-9759-538E5C42203B}"/>
           </ac:spMkLst>
         </pc:spChg>
+        <pc:spChg chg="add del">
+          <ac:chgData name="Ashwin Patil" userId="55232c039f474169" providerId="LiveId" clId="{A78E6917-BB5D-4526-942C-CD3AED71766D}" dt="2018-08-21T07:42:43.090" v="3028" actId="26606"/>
+          <ac:spMkLst>
+            <pc:docMk/>
+            <pc:sldMk cId="690386882" sldId="263"/>
+            <ac:spMk id="7" creationId="{47AEA421-5F29-4BA7-9360-2501B5987921}"/>
+          </ac:spMkLst>
+        </pc:spChg>
+        <pc:spChg chg="add del">
+          <ac:chgData name="Ashwin Patil" userId="55232c039f474169" providerId="LiveId" clId="{A78E6917-BB5D-4526-942C-CD3AED71766D}" dt="2018-08-21T07:42:43.090" v="3028" actId="26606"/>
+          <ac:spMkLst>
+            <pc:docMk/>
+            <pc:sldMk cId="690386882" sldId="263"/>
+            <ac:spMk id="8" creationId="{9348F0CB-4904-4DEF-BDD4-ADEC2DCCCBD7}"/>
+          </ac:spMkLst>
+        </pc:spChg>
+        <pc:spChg chg="add del">
+          <ac:chgData name="Ashwin Patil" userId="55232c039f474169" providerId="LiveId" clId="{A78E6917-BB5D-4526-942C-CD3AED71766D}" dt="2018-08-21T07:42:33.660" v="3022" actId="26606"/>
+          <ac:spMkLst>
+            <pc:docMk/>
+            <pc:sldMk cId="690386882" sldId="263"/>
+            <ac:spMk id="9" creationId="{DDBA86CC-34C3-43C1-B328-62490FE69046}"/>
+          </ac:spMkLst>
+        </pc:spChg>
+        <pc:spChg chg="add del">
+          <ac:chgData name="Ashwin Patil" userId="55232c039f474169" providerId="LiveId" clId="{A78E6917-BB5D-4526-942C-CD3AED71766D}" dt="2018-08-21T07:42:33.660" v="3022" actId="26606"/>
+          <ac:spMkLst>
+            <pc:docMk/>
+            <pc:sldMk cId="690386882" sldId="263"/>
+            <ac:spMk id="11" creationId="{9CF4C9D6-90BC-48A0-91E8-0F0373CA11B5}"/>
+          </ac:spMkLst>
+        </pc:spChg>
+        <pc:spChg chg="add del">
+          <ac:chgData name="Ashwin Patil" userId="55232c039f474169" providerId="LiveId" clId="{A78E6917-BB5D-4526-942C-CD3AED71766D}" dt="2018-08-21T07:42:34.849" v="3024" actId="26606"/>
+          <ac:spMkLst>
+            <pc:docMk/>
+            <pc:sldMk cId="690386882" sldId="263"/>
+            <ac:spMk id="13" creationId="{74171A0C-99A8-498E-9F1F-86C734DB8FD8}"/>
+          </ac:spMkLst>
+        </pc:spChg>
+        <pc:spChg chg="add del">
+          <ac:chgData name="Ashwin Patil" userId="55232c039f474169" providerId="LiveId" clId="{A78E6917-BB5D-4526-942C-CD3AED71766D}" dt="2018-08-21T07:42:34.849" v="3024" actId="26606"/>
+          <ac:spMkLst>
+            <pc:docMk/>
+            <pc:sldMk cId="690386882" sldId="263"/>
+            <ac:spMk id="14" creationId="{270BDA80-627C-422A-AFFD-B7F1DC0F7734}"/>
+          </ac:spMkLst>
+        </pc:spChg>
+        <pc:spChg chg="add del">
+          <ac:chgData name="Ashwin Patil" userId="55232c039f474169" providerId="LiveId" clId="{A78E6917-BB5D-4526-942C-CD3AED71766D}" dt="2018-08-21T07:42:43.090" v="3028" actId="26606"/>
+          <ac:spMkLst>
+            <pc:docMk/>
+            <pc:sldMk cId="690386882" sldId="263"/>
+            <ac:spMk id="15" creationId="{1583E1B8-79B3-49BB-8704-58E4AB1AF213}"/>
+          </ac:spMkLst>
+        </pc:spChg>
+        <pc:spChg chg="add del">
+          <ac:chgData name="Ashwin Patil" userId="55232c039f474169" providerId="LiveId" clId="{A78E6917-BB5D-4526-942C-CD3AED71766D}" dt="2018-08-21T07:42:43.090" v="3028" actId="26606"/>
+          <ac:spMkLst>
+            <pc:docMk/>
+            <pc:sldMk cId="690386882" sldId="263"/>
+            <ac:spMk id="17" creationId="{7BB34D5F-2B87-438E-8236-69C6068D47A4}"/>
+          </ac:spMkLst>
+        </pc:spChg>
+        <pc:spChg chg="add del">
+          <ac:chgData name="Ashwin Patil" userId="55232c039f474169" providerId="LiveId" clId="{A78E6917-BB5D-4526-942C-CD3AED71766D}" dt="2018-08-21T07:42:44.248" v="3030" actId="26606"/>
+          <ac:spMkLst>
+            <pc:docMk/>
+            <pc:sldMk cId="690386882" sldId="263"/>
+            <ac:spMk id="19" creationId="{0D9B8FD4-CDEB-4EB4-B4DE-C89E11938958}"/>
+          </ac:spMkLst>
+        </pc:spChg>
+        <pc:spChg chg="add del">
+          <ac:chgData name="Ashwin Patil" userId="55232c039f474169" providerId="LiveId" clId="{A78E6917-BB5D-4526-942C-CD3AED71766D}" dt="2018-08-21T07:42:44.248" v="3030" actId="26606"/>
+          <ac:spMkLst>
+            <pc:docMk/>
+            <pc:sldMk cId="690386882" sldId="263"/>
+            <ac:spMk id="20" creationId="{5A2E3D1D-9E9F-4739-BA14-D4D7FA9FBDD1}"/>
+          </ac:spMkLst>
+        </pc:spChg>
+        <pc:spChg chg="add del">
+          <ac:chgData name="Ashwin Patil" userId="55232c039f474169" providerId="LiveId" clId="{A78E6917-BB5D-4526-942C-CD3AED71766D}" dt="2018-08-21T07:42:44.248" v="3030" actId="26606"/>
+          <ac:spMkLst>
+            <pc:docMk/>
+            <pc:sldMk cId="690386882" sldId="263"/>
+            <ac:spMk id="21" creationId="{1FFB365B-E9DC-4859-B8AB-CB83EEBE4E28}"/>
+          </ac:spMkLst>
+        </pc:spChg>
+        <pc:spChg chg="add del">
+          <ac:chgData name="Ashwin Patil" userId="55232c039f474169" providerId="LiveId" clId="{A78E6917-BB5D-4526-942C-CD3AED71766D}" dt="2018-08-21T07:42:44.248" v="3030" actId="26606"/>
+          <ac:spMkLst>
+            <pc:docMk/>
+            <pc:sldMk cId="690386882" sldId="263"/>
+            <ac:spMk id="22" creationId="{8ADAB9C8-EB37-4914-A699-C716FC8FE4FE}"/>
+          </ac:spMkLst>
+        </pc:spChg>
+        <pc:spChg chg="add del">
+          <ac:chgData name="Ashwin Patil" userId="55232c039f474169" providerId="LiveId" clId="{A78E6917-BB5D-4526-942C-CD3AED71766D}" dt="2018-08-21T07:42:44.248" v="3030" actId="26606"/>
+          <ac:spMkLst>
+            <pc:docMk/>
+            <pc:sldMk cId="690386882" sldId="263"/>
+            <ac:spMk id="23" creationId="{BAB9AB21-6D60-4C74-9759-538E5C42203B}"/>
+          </ac:spMkLst>
+        </pc:spChg>
+        <pc:spChg chg="add del">
+          <ac:chgData name="Ashwin Patil" userId="55232c039f474169" providerId="LiveId" clId="{A78E6917-BB5D-4526-942C-CD3AED71766D}" dt="2018-08-21T07:42:46.457" v="3032" actId="26606"/>
+          <ac:spMkLst>
+            <pc:docMk/>
+            <pc:sldMk cId="690386882" sldId="263"/>
+            <ac:spMk id="25" creationId="{DDBA86CC-34C3-43C1-B328-62490FE69046}"/>
+          </ac:spMkLst>
+        </pc:spChg>
+        <pc:spChg chg="add del">
+          <ac:chgData name="Ashwin Patil" userId="55232c039f474169" providerId="LiveId" clId="{A78E6917-BB5D-4526-942C-CD3AED71766D}" dt="2018-08-21T07:42:46.457" v="3032" actId="26606"/>
+          <ac:spMkLst>
+            <pc:docMk/>
+            <pc:sldMk cId="690386882" sldId="263"/>
+            <ac:spMk id="26" creationId="{9CF4C9D6-90BC-48A0-91E8-0F0373CA11B5}"/>
+          </ac:spMkLst>
+        </pc:spChg>
+        <pc:spChg chg="add del">
+          <ac:chgData name="Ashwin Patil" userId="55232c039f474169" providerId="LiveId" clId="{A78E6917-BB5D-4526-942C-CD3AED71766D}" dt="2018-08-21T07:42:46.457" v="3032" actId="26606"/>
+          <ac:spMkLst>
+            <pc:docMk/>
+            <pc:sldMk cId="690386882" sldId="263"/>
+            <ac:spMk id="27" creationId="{BAB9AB21-6D60-4C74-9759-538E5C42203B}"/>
+          </ac:spMkLst>
+        </pc:spChg>
+        <pc:spChg chg="add del">
+          <ac:chgData name="Ashwin Patil" userId="55232c039f474169" providerId="LiveId" clId="{A78E6917-BB5D-4526-942C-CD3AED71766D}" dt="2018-08-21T07:42:49.282" v="3034" actId="26606"/>
+          <ac:spMkLst>
+            <pc:docMk/>
+            <pc:sldMk cId="690386882" sldId="263"/>
+            <ac:spMk id="29" creationId="{052BEFF1-896C-45B1-B02C-96A6A1BC389A}"/>
+          </ac:spMkLst>
+        </pc:spChg>
+        <pc:spChg chg="add del">
+          <ac:chgData name="Ashwin Patil" userId="55232c039f474169" providerId="LiveId" clId="{A78E6917-BB5D-4526-942C-CD3AED71766D}" dt="2018-08-21T07:42:49.282" v="3034" actId="26606"/>
+          <ac:spMkLst>
+            <pc:docMk/>
+            <pc:sldMk cId="690386882" sldId="263"/>
+            <ac:spMk id="30" creationId="{BB237A14-61B1-4C00-A670-5D8D68A8668E}"/>
+          </ac:spMkLst>
+        </pc:spChg>
+        <pc:spChg chg="add del">
+          <ac:chgData name="Ashwin Patil" userId="55232c039f474169" providerId="LiveId" clId="{A78E6917-BB5D-4526-942C-CD3AED71766D}" dt="2018-08-21T07:42:49.282" v="3034" actId="26606"/>
+          <ac:spMkLst>
+            <pc:docMk/>
+            <pc:sldMk cId="690386882" sldId="263"/>
+            <ac:spMk id="31" creationId="{8598F259-6F54-47A3-8D13-1603D786A328}"/>
+          </ac:spMkLst>
+        </pc:spChg>
+        <pc:spChg chg="add del">
+          <ac:chgData name="Ashwin Patil" userId="55232c039f474169" providerId="LiveId" clId="{A78E6917-BB5D-4526-942C-CD3AED71766D}" dt="2018-08-21T07:42:49.282" v="3034" actId="26606"/>
+          <ac:spMkLst>
+            <pc:docMk/>
+            <pc:sldMk cId="690386882" sldId="263"/>
+            <ac:spMk id="32" creationId="{0BA768A8-4FED-4ED8-9E46-6BE72188ECD2}"/>
+          </ac:spMkLst>
+        </pc:spChg>
+        <pc:spChg chg="add del">
+          <ac:chgData name="Ashwin Patil" userId="55232c039f474169" providerId="LiveId" clId="{A78E6917-BB5D-4526-942C-CD3AED71766D}" dt="2018-08-21T07:42:49.282" v="3034" actId="26606"/>
+          <ac:spMkLst>
+            <pc:docMk/>
+            <pc:sldMk cId="690386882" sldId="263"/>
+            <ac:spMk id="33" creationId="{BAB9AB21-6D60-4C74-9759-538E5C42203B}"/>
+          </ac:spMkLst>
+        </pc:spChg>
+        <pc:spChg chg="add del">
+          <ac:chgData name="Ashwin Patil" userId="55232c039f474169" providerId="LiveId" clId="{A78E6917-BB5D-4526-942C-CD3AED71766D}" dt="2018-08-21T07:42:50.037" v="3036" actId="26606"/>
+          <ac:spMkLst>
+            <pc:docMk/>
+            <pc:sldMk cId="690386882" sldId="263"/>
+            <ac:spMk id="35" creationId="{74CD14DB-BB81-479F-A1FC-1C75640E9F84}"/>
+          </ac:spMkLst>
+        </pc:spChg>
+        <pc:spChg chg="add del">
+          <ac:chgData name="Ashwin Patil" userId="55232c039f474169" providerId="LiveId" clId="{A78E6917-BB5D-4526-942C-CD3AED71766D}" dt="2018-08-21T07:42:50.037" v="3036" actId="26606"/>
+          <ac:spMkLst>
+            <pc:docMk/>
+            <pc:sldMk cId="690386882" sldId="263"/>
+            <ac:spMk id="36" creationId="{C943A91B-7CA7-4592-A975-73B1BF8C4C74}"/>
+          </ac:spMkLst>
+        </pc:spChg>
+        <pc:spChg chg="add del">
+          <ac:chgData name="Ashwin Patil" userId="55232c039f474169" providerId="LiveId" clId="{A78E6917-BB5D-4526-942C-CD3AED71766D}" dt="2018-08-21T07:42:50.037" v="3036" actId="26606"/>
+          <ac:spMkLst>
+            <pc:docMk/>
+            <pc:sldMk cId="690386882" sldId="263"/>
+            <ac:spMk id="37" creationId="{EC471314-E46A-414B-8D91-74880E84F187}"/>
+          </ac:spMkLst>
+        </pc:spChg>
+        <pc:spChg chg="add del">
+          <ac:chgData name="Ashwin Patil" userId="55232c039f474169" providerId="LiveId" clId="{A78E6917-BB5D-4526-942C-CD3AED71766D}" dt="2018-08-21T07:42:50.037" v="3036" actId="26606"/>
+          <ac:spMkLst>
+            <pc:docMk/>
+            <pc:sldMk cId="690386882" sldId="263"/>
+            <ac:spMk id="38" creationId="{6A681326-1C9D-44A3-A627-3871BDAE4127}"/>
+          </ac:spMkLst>
+        </pc:spChg>
+        <pc:spChg chg="add del">
+          <ac:chgData name="Ashwin Patil" userId="55232c039f474169" providerId="LiveId" clId="{A78E6917-BB5D-4526-942C-CD3AED71766D}" dt="2018-08-21T07:42:50.037" v="3036" actId="26606"/>
+          <ac:spMkLst>
+            <pc:docMk/>
+            <pc:sldMk cId="690386882" sldId="263"/>
+            <ac:spMk id="39" creationId="{BAB9AB21-6D60-4C74-9759-538E5C42203B}"/>
+          </ac:spMkLst>
+        </pc:spChg>
+        <pc:spChg chg="add del">
+          <ac:chgData name="Ashwin Patil" userId="55232c039f474169" providerId="LiveId" clId="{A78E6917-BB5D-4526-942C-CD3AED71766D}" dt="2018-08-22T07:14:53.531" v="5204" actId="26606"/>
+          <ac:spMkLst>
+            <pc:docMk/>
+            <pc:sldMk cId="690386882" sldId="263"/>
+            <ac:spMk id="41" creationId="{923E8915-D2AA-4327-A45A-972C3CA9574B}"/>
+          </ac:spMkLst>
+        </pc:spChg>
+        <pc:spChg chg="add del">
+          <ac:chgData name="Ashwin Patil" userId="55232c039f474169" providerId="LiveId" clId="{A78E6917-BB5D-4526-942C-CD3AED71766D}" dt="2018-08-22T07:14:53.531" v="5204" actId="26606"/>
+          <ac:spMkLst>
+            <pc:docMk/>
+            <pc:sldMk cId="690386882" sldId="263"/>
+            <ac:spMk id="42" creationId="{8302FC3C-9804-4950-B721-5FD704BA6065}"/>
+          </ac:spMkLst>
+        </pc:spChg>
+        <pc:spChg chg="add mod">
+          <ac:chgData name="Ashwin Patil" userId="55232c039f474169" providerId="LiveId" clId="{A78E6917-BB5D-4526-942C-CD3AED71766D}" dt="2018-08-22T07:28:10.966" v="5829" actId="12"/>
+          <ac:spMkLst>
+            <pc:docMk/>
+            <pc:sldMk cId="690386882" sldId="263"/>
+            <ac:spMk id="44" creationId="{BAB9AB21-6D60-4C74-9759-538E5C42203B}"/>
+          </ac:spMkLst>
+        </pc:spChg>
+        <pc:spChg chg="add del">
+          <ac:chgData name="Ashwin Patil" userId="55232c039f474169" providerId="LiveId" clId="{A78E6917-BB5D-4526-942C-CD3AED71766D}" dt="2018-08-22T07:14:53.531" v="5204" actId="26606"/>
+          <ac:spMkLst>
+            <pc:docMk/>
+            <pc:sldMk cId="690386882" sldId="263"/>
+            <ac:spMk id="46" creationId="{F3798573-F27B-47EB-8EA4-7EE34954C2D6}"/>
+          </ac:spMkLst>
+        </pc:spChg>
+        <pc:spChg chg="add del">
+          <ac:chgData name="Ashwin Patil" userId="55232c039f474169" providerId="LiveId" clId="{A78E6917-BB5D-4526-942C-CD3AED71766D}" dt="2018-08-22T07:17:42.141" v="5250" actId="26606"/>
+          <ac:spMkLst>
+            <pc:docMk/>
+            <pc:sldMk cId="690386882" sldId="263"/>
+            <ac:spMk id="47" creationId="{107C2F65-00C4-451C-8BFA-E765DEC17168}"/>
+          </ac:spMkLst>
+        </pc:spChg>
+        <pc:spChg chg="add del">
+          <ac:chgData name="Ashwin Patil" userId="55232c039f474169" providerId="LiveId" clId="{A78E6917-BB5D-4526-942C-CD3AED71766D}" dt="2018-08-22T07:17:42.141" v="5250" actId="26606"/>
+          <ac:spMkLst>
+            <pc:docMk/>
+            <pc:sldMk cId="690386882" sldId="263"/>
+            <ac:spMk id="48" creationId="{50DDF752-B2A6-49DC-B474-8E1F71AFF1DF}"/>
+          </ac:spMkLst>
+        </pc:spChg>
+        <pc:spChg chg="add del">
+          <ac:chgData name="Ashwin Patil" userId="55232c039f474169" providerId="LiveId" clId="{A78E6917-BB5D-4526-942C-CD3AED71766D}" dt="2018-08-22T07:17:42.141" v="5250" actId="26606"/>
+          <ac:spMkLst>
+            <pc:docMk/>
+            <pc:sldMk cId="690386882" sldId="263"/>
+            <ac:spMk id="49" creationId="{20331F6A-DA09-422D-8CED-00C0B458583E}"/>
+          </ac:spMkLst>
+        </pc:spChg>
+        <pc:spChg chg="add del">
+          <ac:chgData name="Ashwin Patil" userId="55232c039f474169" providerId="LiveId" clId="{A78E6917-BB5D-4526-942C-CD3AED71766D}" dt="2018-08-22T07:14:53.479" v="5203" actId="26606"/>
+          <ac:spMkLst>
+            <pc:docMk/>
+            <pc:sldMk cId="690386882" sldId="263"/>
+            <ac:spMk id="51" creationId="{DDBA86CC-34C3-43C1-B328-62490FE69046}"/>
+          </ac:spMkLst>
+        </pc:spChg>
+        <pc:spChg chg="add del">
+          <ac:chgData name="Ashwin Patil" userId="55232c039f474169" providerId="LiveId" clId="{A78E6917-BB5D-4526-942C-CD3AED71766D}" dt="2018-08-22T07:17:44.118" v="5252" actId="26606"/>
+          <ac:spMkLst>
+            <pc:docMk/>
+            <pc:sldMk cId="690386882" sldId="263"/>
+            <ac:spMk id="52" creationId="{052BEFF1-896C-45B1-B02C-96A6A1BC389A}"/>
+          </ac:spMkLst>
+        </pc:spChg>
+        <pc:spChg chg="add del">
+          <ac:chgData name="Ashwin Patil" userId="55232c039f474169" providerId="LiveId" clId="{A78E6917-BB5D-4526-942C-CD3AED71766D}" dt="2018-08-22T07:14:53.479" v="5203" actId="26606"/>
+          <ac:spMkLst>
+            <pc:docMk/>
+            <pc:sldMk cId="690386882" sldId="263"/>
+            <ac:spMk id="53" creationId="{9CF4C9D6-90BC-48A0-91E8-0F0373CA11B5}"/>
+          </ac:spMkLst>
+        </pc:spChg>
+        <pc:spChg chg="add del">
+          <ac:chgData name="Ashwin Patil" userId="55232c039f474169" providerId="LiveId" clId="{A78E6917-BB5D-4526-942C-CD3AED71766D}" dt="2018-08-22T07:17:44.118" v="5252" actId="26606"/>
+          <ac:spMkLst>
+            <pc:docMk/>
+            <pc:sldMk cId="690386882" sldId="263"/>
+            <ac:spMk id="54" creationId="{BB237A14-61B1-4C00-A670-5D8D68A8668E}"/>
+          </ac:spMkLst>
+        </pc:spChg>
+        <pc:spChg chg="add del">
+          <ac:chgData name="Ashwin Patil" userId="55232c039f474169" providerId="LiveId" clId="{A78E6917-BB5D-4526-942C-CD3AED71766D}" dt="2018-08-22T07:17:44.118" v="5252" actId="26606"/>
+          <ac:spMkLst>
+            <pc:docMk/>
+            <pc:sldMk cId="690386882" sldId="263"/>
+            <ac:spMk id="55" creationId="{0BA768A8-4FED-4ED8-9E46-6BE72188ECD2}"/>
+          </ac:spMkLst>
+        </pc:spChg>
+        <pc:spChg chg="add del">
+          <ac:chgData name="Ashwin Patil" userId="55232c039f474169" providerId="LiveId" clId="{A78E6917-BB5D-4526-942C-CD3AED71766D}" dt="2018-08-22T07:17:44.118" v="5252" actId="26606"/>
+          <ac:spMkLst>
+            <pc:docMk/>
+            <pc:sldMk cId="690386882" sldId="263"/>
+            <ac:spMk id="56" creationId="{8598F259-6F54-47A3-8D13-1603D786A328}"/>
+          </ac:spMkLst>
+        </pc:spChg>
+        <pc:spChg chg="add">
+          <ac:chgData name="Ashwin Patil" userId="55232c039f474169" providerId="LiveId" clId="{A78E6917-BB5D-4526-942C-CD3AED71766D}" dt="2018-08-22T07:17:47.117" v="5255" actId="26606"/>
+          <ac:spMkLst>
+            <pc:docMk/>
+            <pc:sldMk cId="690386882" sldId="263"/>
+            <ac:spMk id="57" creationId="{F3798573-F27B-47EB-8EA4-7EE34954C2D6}"/>
+          </ac:spMkLst>
+        </pc:spChg>
+        <pc:spChg chg="add del">
+          <ac:chgData name="Ashwin Patil" userId="55232c039f474169" providerId="LiveId" clId="{A78E6917-BB5D-4526-942C-CD3AED71766D}" dt="2018-08-22T07:17:47.053" v="5254" actId="26606"/>
+          <ac:spMkLst>
+            <pc:docMk/>
+            <pc:sldMk cId="690386882" sldId="263"/>
+            <ac:spMk id="58" creationId="{DDBA86CC-34C3-43C1-B328-62490FE69046}"/>
+          </ac:spMkLst>
+        </pc:spChg>
+        <pc:spChg chg="add del">
+          <ac:chgData name="Ashwin Patil" userId="55232c039f474169" providerId="LiveId" clId="{A78E6917-BB5D-4526-942C-CD3AED71766D}" dt="2018-08-22T07:17:47.053" v="5254" actId="26606"/>
+          <ac:spMkLst>
+            <pc:docMk/>
+            <pc:sldMk cId="690386882" sldId="263"/>
+            <ac:spMk id="59" creationId="{9CF4C9D6-90BC-48A0-91E8-0F0373CA11B5}"/>
+          </ac:spMkLst>
+        </pc:spChg>
+        <pc:spChg chg="add">
+          <ac:chgData name="Ashwin Patil" userId="55232c039f474169" providerId="LiveId" clId="{A78E6917-BB5D-4526-942C-CD3AED71766D}" dt="2018-08-22T07:17:47.117" v="5255" actId="26606"/>
+          <ac:spMkLst>
+            <pc:docMk/>
+            <pc:sldMk cId="690386882" sldId="263"/>
+            <ac:spMk id="61" creationId="{923E8915-D2AA-4327-A45A-972C3CA9574B}"/>
+          </ac:spMkLst>
+        </pc:spChg>
+        <pc:spChg chg="add">
+          <ac:chgData name="Ashwin Patil" userId="55232c039f474169" providerId="LiveId" clId="{A78E6917-BB5D-4526-942C-CD3AED71766D}" dt="2018-08-22T07:17:47.117" v="5255" actId="26606"/>
+          <ac:spMkLst>
+            <pc:docMk/>
+            <pc:sldMk cId="690386882" sldId="263"/>
+            <ac:spMk id="62" creationId="{8302FC3C-9804-4950-B721-5FD704BA6065}"/>
+          </ac:spMkLst>
+        </pc:spChg>
+        <pc:graphicFrameChg chg="add del">
+          <ac:chgData name="Ashwin Patil" userId="55232c039f474169" providerId="LiveId" clId="{A78E6917-BB5D-4526-942C-CD3AED71766D}" dt="2018-08-21T07:42:43.090" v="3028" actId="26606"/>
+          <ac:graphicFrameMkLst>
+            <pc:docMk/>
+            <pc:sldMk cId="690386882" sldId="263"/>
+            <ac:graphicFrameMk id="6" creationId="{4FD7D2DE-CF4C-4A6F-AD02-B76FAF6D7313}"/>
+          </ac:graphicFrameMkLst>
+        </pc:graphicFrameChg>
+        <pc:picChg chg="add del">
+          <ac:chgData name="Ashwin Patil" userId="55232c039f474169" providerId="LiveId" clId="{A78E6917-BB5D-4526-942C-CD3AED71766D}" dt="2018-08-22T07:14:53.531" v="5204" actId="26606"/>
+          <ac:picMkLst>
+            <pc:docMk/>
+            <pc:sldMk cId="690386882" sldId="263"/>
+            <ac:picMk id="45" creationId="{3BC6EBB2-9BDC-4075-BA6B-43A9FBF9C86C}"/>
+          </ac:picMkLst>
+        </pc:picChg>
+        <pc:picChg chg="add">
+          <ac:chgData name="Ashwin Patil" userId="55232c039f474169" providerId="LiveId" clId="{A78E6917-BB5D-4526-942C-CD3AED71766D}" dt="2018-08-22T07:17:47.117" v="5255" actId="26606"/>
+          <ac:picMkLst>
+            <pc:docMk/>
+            <pc:sldMk cId="690386882" sldId="263"/>
+            <ac:picMk id="64" creationId="{3BC6EBB2-9BDC-4075-BA6B-43A9FBF9C86C}"/>
+          </ac:picMkLst>
+        </pc:picChg>
+        <pc:cxnChg chg="add del">
+          <ac:chgData name="Ashwin Patil" userId="55232c039f474169" providerId="LiveId" clId="{A78E6917-BB5D-4526-942C-CD3AED71766D}" dt="2018-08-22T07:14:53.531" v="5204" actId="26606"/>
+          <ac:cxnSpMkLst>
+            <pc:docMk/>
+            <pc:sldMk cId="690386882" sldId="263"/>
+            <ac:cxnSpMk id="43" creationId="{6B9695BD-ECF6-49CA-8877-8C493193C65D}"/>
+          </ac:cxnSpMkLst>
+        </pc:cxnChg>
+        <pc:cxnChg chg="add">
+          <ac:chgData name="Ashwin Patil" userId="55232c039f474169" providerId="LiveId" clId="{A78E6917-BB5D-4526-942C-CD3AED71766D}" dt="2018-08-22T07:17:47.117" v="5255" actId="26606"/>
+          <ac:cxnSpMkLst>
+            <pc:docMk/>
+            <pc:sldMk cId="690386882" sldId="263"/>
+            <ac:cxnSpMk id="63" creationId="{6B9695BD-ECF6-49CA-8877-8C493193C65D}"/>
+          </ac:cxnSpMkLst>
+        </pc:cxnChg>
+      </pc:sldChg>
+      <pc:sldChg chg="addSp delSp modSp add">
+        <pc:chgData name="Ashwin Patil" userId="55232c039f474169" providerId="LiveId" clId="{A78E6917-BB5D-4526-942C-CD3AED71766D}" dt="2018-08-22T07:28:20.510" v="5830" actId="12"/>
+        <pc:sldMkLst>
+          <pc:docMk/>
+          <pc:sldMk cId="3496860891" sldId="264"/>
+        </pc:sldMkLst>
+        <pc:spChg chg="mod">
+          <ac:chgData name="Ashwin Patil" userId="55232c039f474169" providerId="LiveId" clId="{A78E6917-BB5D-4526-942C-CD3AED71766D}" dt="2018-08-21T07:53:19.801" v="3533" actId="1076"/>
+          <ac:spMkLst>
+            <pc:docMk/>
+            <pc:sldMk cId="3496860891" sldId="264"/>
+            <ac:spMk id="2" creationId="{D359BC02-5361-42B8-A231-4E13FD1B5F22}"/>
+          </ac:spMkLst>
+        </pc:spChg>
+        <pc:spChg chg="add mod">
+          <ac:chgData name="Ashwin Patil" userId="55232c039f474169" providerId="LiveId" clId="{A78E6917-BB5D-4526-942C-CD3AED71766D}" dt="2018-08-21T08:15:50.293" v="3695" actId="14100"/>
+          <ac:spMkLst>
+            <pc:docMk/>
+            <pc:sldMk cId="3496860891" sldId="264"/>
+            <ac:spMk id="4" creationId="{6D282A8D-E864-42E0-8085-DFAC7D1C5DDB}"/>
+          </ac:spMkLst>
+        </pc:spChg>
+        <pc:spChg chg="add mod">
+          <ac:chgData name="Ashwin Patil" userId="55232c039f474169" providerId="LiveId" clId="{A78E6917-BB5D-4526-942C-CD3AED71766D}" dt="2018-08-22T07:03:52.344" v="5098" actId="14100"/>
+          <ac:spMkLst>
+            <pc:docMk/>
+            <pc:sldMk cId="3496860891" sldId="264"/>
+            <ac:spMk id="5" creationId="{A49FB791-4610-4D07-B024-A639D90E45C6}"/>
+          </ac:spMkLst>
+        </pc:spChg>
+        <pc:spChg chg="mod">
+          <ac:chgData name="Ashwin Patil" userId="55232c039f474169" providerId="LiveId" clId="{A78E6917-BB5D-4526-942C-CD3AED71766D}" dt="2018-08-22T07:28:20.510" v="5830" actId="12"/>
+          <ac:spMkLst>
+            <pc:docMk/>
+            <pc:sldMk cId="3496860891" sldId="264"/>
+            <ac:spMk id="6" creationId="{3B4F6A4A-1A13-4EFD-AAE8-2C2A1829B44B}"/>
+          </ac:spMkLst>
+        </pc:spChg>
+        <pc:spChg chg="del">
+          <ac:chgData name="Ashwin Patil" userId="55232c039f474169" providerId="LiveId" clId="{A78E6917-BB5D-4526-942C-CD3AED71766D}" dt="2018-08-21T07:30:41.713" v="2617" actId="478"/>
+          <ac:spMkLst>
+            <pc:docMk/>
+            <pc:sldMk cId="3496860891" sldId="264"/>
+            <ac:spMk id="9" creationId="{519FB9B3-A16E-4440-A0B2-3D2137494117}"/>
+          </ac:spMkLst>
+        </pc:spChg>
+        <pc:spChg chg="add del mod">
+          <ac:chgData name="Ashwin Patil" userId="55232c039f474169" providerId="LiveId" clId="{A78E6917-BB5D-4526-942C-CD3AED71766D}" dt="2018-08-21T08:08:24.945" v="3584" actId="478"/>
+          <ac:spMkLst>
+            <pc:docMk/>
+            <pc:sldMk cId="3496860891" sldId="264"/>
+            <ac:spMk id="10" creationId="{0CB66383-DF5B-4F33-B265-1CCA5E12E9AF}"/>
+          </ac:spMkLst>
+        </pc:spChg>
+        <pc:spChg chg="add del mod">
+          <ac:chgData name="Ashwin Patil" userId="55232c039f474169" providerId="LiveId" clId="{A78E6917-BB5D-4526-942C-CD3AED71766D}" dt="2018-08-21T08:11:47.597" v="3618" actId="478"/>
+          <ac:spMkLst>
+            <pc:docMk/>
+            <pc:sldMk cId="3496860891" sldId="264"/>
+            <ac:spMk id="14" creationId="{B3E9116D-075A-458E-8FFB-3DAC9DA6DE26}"/>
+          </ac:spMkLst>
+        </pc:spChg>
+        <pc:spChg chg="add mod">
+          <ac:chgData name="Ashwin Patil" userId="55232c039f474169" providerId="LiveId" clId="{A78E6917-BB5D-4526-942C-CD3AED71766D}" dt="2018-08-22T07:04:22.587" v="5111" actId="20577"/>
+          <ac:spMkLst>
+            <pc:docMk/>
+            <pc:sldMk cId="3496860891" sldId="264"/>
+            <ac:spMk id="15" creationId="{EFC2DA3E-D35E-47CF-9DF9-2161F7ADB3DC}"/>
+          </ac:spMkLst>
+        </pc:spChg>
+        <pc:spChg chg="add mod">
+          <ac:chgData name="Ashwin Patil" userId="55232c039f474169" providerId="LiveId" clId="{A78E6917-BB5D-4526-942C-CD3AED71766D}" dt="2018-08-22T07:04:17.590" v="5106" actId="20577"/>
+          <ac:spMkLst>
+            <pc:docMk/>
+            <pc:sldMk cId="3496860891" sldId="264"/>
+            <ac:spMk id="16" creationId="{D80CD180-306F-4870-9B2C-584EDF5BD7FE}"/>
+          </ac:spMkLst>
+        </pc:spChg>
+        <pc:spChg chg="add mod">
+          <ac:chgData name="Ashwin Patil" userId="55232c039f474169" providerId="LiveId" clId="{A78E6917-BB5D-4526-942C-CD3AED71766D}" dt="2018-08-22T07:04:26.905" v="5116" actId="20577"/>
+          <ac:spMkLst>
+            <pc:docMk/>
+            <pc:sldMk cId="3496860891" sldId="264"/>
+            <ac:spMk id="17" creationId="{EB2AD6C5-2A64-41BD-A9FA-17A930C066A0}"/>
+          </ac:spMkLst>
+        </pc:spChg>
+        <pc:spChg chg="add mod">
+          <ac:chgData name="Ashwin Patil" userId="55232c039f474169" providerId="LiveId" clId="{A78E6917-BB5D-4526-942C-CD3AED71766D}" dt="2018-08-22T07:04:33.795" v="5131" actId="20577"/>
+          <ac:spMkLst>
+            <pc:docMk/>
+            <pc:sldMk cId="3496860891" sldId="264"/>
+            <ac:spMk id="18" creationId="{72F30215-3D31-4F0A-8920-C911562AC01C}"/>
+          </ac:spMkLst>
+        </pc:spChg>
+        <pc:spChg chg="add mod">
+          <ac:chgData name="Ashwin Patil" userId="55232c039f474169" providerId="LiveId" clId="{A78E6917-BB5D-4526-942C-CD3AED71766D}" dt="2018-08-22T07:04:43.425" v="5132" actId="1076"/>
+          <ac:spMkLst>
+            <pc:docMk/>
+            <pc:sldMk cId="3496860891" sldId="264"/>
+            <ac:spMk id="19" creationId="{92EF3CB5-D11B-4E14-A009-5CD847276026}"/>
+          </ac:spMkLst>
+        </pc:spChg>
+        <pc:graphicFrameChg chg="del">
+          <ac:chgData name="Ashwin Patil" userId="55232c039f474169" providerId="LiveId" clId="{A78E6917-BB5D-4526-942C-CD3AED71766D}" dt="2018-08-21T07:30:37.620" v="2615" actId="478"/>
+          <ac:graphicFrameMkLst>
+            <pc:docMk/>
+            <pc:sldMk cId="3496860891" sldId="264"/>
+            <ac:graphicFrameMk id="11" creationId="{4C2A4921-1C6D-476A-AEF4-CA2B8B5E4850}"/>
+          </ac:graphicFrameMkLst>
+        </pc:graphicFrameChg>
+        <pc:picChg chg="del">
+          <ac:chgData name="Ashwin Patil" userId="55232c039f474169" providerId="LiveId" clId="{A78E6917-BB5D-4526-942C-CD3AED71766D}" dt="2018-08-21T07:30:39.188" v="2616" actId="478"/>
+          <ac:picMkLst>
+            <pc:docMk/>
+            <pc:sldMk cId="3496860891" sldId="264"/>
+            <ac:picMk id="8" creationId="{7FA19D18-5798-40F1-9E2D-14F840AF0801}"/>
+          </ac:picMkLst>
+        </pc:picChg>
+        <pc:cxnChg chg="add mod">
+          <ac:chgData name="Ashwin Patil" userId="55232c039f474169" providerId="LiveId" clId="{A78E6917-BB5D-4526-942C-CD3AED71766D}" dt="2018-08-21T08:16:12.899" v="3699" actId="1076"/>
+          <ac:cxnSpMkLst>
+            <pc:docMk/>
+            <pc:sldMk cId="3496860891" sldId="264"/>
+            <ac:cxnSpMk id="12" creationId="{E5E1F931-45EB-4A47-81B6-33ABF1E0C806}"/>
+          </ac:cxnSpMkLst>
+        </pc:cxnChg>
+      </pc:sldChg>
+      <pc:sldChg chg="addSp modSp add mod setBg">
+        <pc:chgData name="Ashwin Patil" userId="55232c039f474169" providerId="LiveId" clId="{A78E6917-BB5D-4526-942C-CD3AED71766D}" dt="2018-08-22T07:30:50.970" v="5983" actId="12"/>
+        <pc:sldMkLst>
+          <pc:docMk/>
+          <pc:sldMk cId="2844164881" sldId="265"/>
+        </pc:sldMkLst>
+        <pc:spChg chg="mod">
+          <ac:chgData name="Ashwin Patil" userId="55232c039f474169" providerId="LiveId" clId="{A78E6917-BB5D-4526-942C-CD3AED71766D}" dt="2018-08-21T07:47:19.633" v="3363" actId="26606"/>
+          <ac:spMkLst>
+            <pc:docMk/>
+            <pc:sldMk cId="2844164881" sldId="265"/>
+            <ac:spMk id="2" creationId="{BFB3650B-CF3C-4480-A395-9A1E450F95A2}"/>
+          </ac:spMkLst>
+        </pc:spChg>
+        <pc:spChg chg="mod">
+          <ac:chgData name="Ashwin Patil" userId="55232c039f474169" providerId="LiveId" clId="{A78E6917-BB5D-4526-942C-CD3AED71766D}" dt="2018-08-22T07:30:50.970" v="5983" actId="12"/>
+          <ac:spMkLst>
+            <pc:docMk/>
+            <pc:sldMk cId="2844164881" sldId="265"/>
+            <ac:spMk id="3" creationId="{438787F4-C7FF-437D-95A8-644EEE3CA34B}"/>
+          </ac:spMkLst>
+        </pc:spChg>
+        <pc:spChg chg="add">
+          <ac:chgData name="Ashwin Patil" userId="55232c039f474169" providerId="LiveId" clId="{A78E6917-BB5D-4526-942C-CD3AED71766D}" dt="2018-08-21T07:47:19.633" v="3363" actId="26606"/>
+          <ac:spMkLst>
+            <pc:docMk/>
+            <pc:sldMk cId="2844164881" sldId="265"/>
+            <ac:spMk id="8" creationId="{923E8915-D2AA-4327-A45A-972C3CA9574B}"/>
+          </ac:spMkLst>
+        </pc:spChg>
+        <pc:spChg chg="add">
+          <ac:chgData name="Ashwin Patil" userId="55232c039f474169" providerId="LiveId" clId="{A78E6917-BB5D-4526-942C-CD3AED71766D}" dt="2018-08-21T07:47:19.633" v="3363" actId="26606"/>
+          <ac:spMkLst>
+            <pc:docMk/>
+            <pc:sldMk cId="2844164881" sldId="265"/>
+            <ac:spMk id="10" creationId="{8302FC3C-9804-4950-B721-5FD704BA6065}"/>
+          </ac:spMkLst>
+        </pc:spChg>
+        <pc:spChg chg="add">
+          <ac:chgData name="Ashwin Patil" userId="55232c039f474169" providerId="LiveId" clId="{A78E6917-BB5D-4526-942C-CD3AED71766D}" dt="2018-08-21T07:47:19.633" v="3363" actId="26606"/>
+          <ac:spMkLst>
+            <pc:docMk/>
+            <pc:sldMk cId="2844164881" sldId="265"/>
+            <ac:spMk id="16" creationId="{F3798573-F27B-47EB-8EA4-7EE34954C2D6}"/>
+          </ac:spMkLst>
+        </pc:spChg>
+        <pc:picChg chg="add">
+          <ac:chgData name="Ashwin Patil" userId="55232c039f474169" providerId="LiveId" clId="{A78E6917-BB5D-4526-942C-CD3AED71766D}" dt="2018-08-21T07:47:19.633" v="3363" actId="26606"/>
+          <ac:picMkLst>
+            <pc:docMk/>
+            <pc:sldMk cId="2844164881" sldId="265"/>
+            <ac:picMk id="14" creationId="{3BC6EBB2-9BDC-4075-BA6B-43A9FBF9C86C}"/>
+          </ac:picMkLst>
+        </pc:picChg>
+        <pc:cxnChg chg="add">
+          <ac:chgData name="Ashwin Patil" userId="55232c039f474169" providerId="LiveId" clId="{A78E6917-BB5D-4526-942C-CD3AED71766D}" dt="2018-08-21T07:47:19.633" v="3363" actId="26606"/>
+          <ac:cxnSpMkLst>
+            <pc:docMk/>
+            <pc:sldMk cId="2844164881" sldId="265"/>
+            <ac:cxnSpMk id="12" creationId="{6B9695BD-ECF6-49CA-8877-8C493193C65D}"/>
+          </ac:cxnSpMkLst>
+        </pc:cxnChg>
       </pc:sldChg>
     </pc:docChg>
   </pc:docChgLst>
@@ -1046,7 +1775,7 @@
           <a:p>
             <a:fld id="{4AAD347D-5ACD-4C99-B74B-A9C85AD731AF}" type="datetimeFigureOut">
               <a:rPr lang="en-US" dirty="0"/>
-              <a:t>8/13/2018</a:t>
+              <a:t>8/21/2018</a:t>
             </a:fld>
             <a:endParaRPr lang="en-US" dirty="0"/>
           </a:p>
@@ -1316,7 +2045,7 @@
           <a:p>
             <a:fld id="{4509A250-FF31-4206-8172-F9D3106AACB1}" type="datetimeFigureOut">
               <a:rPr lang="en-US" dirty="0"/>
-              <a:t>8/13/2018</a:t>
+              <a:t>8/21/2018</a:t>
             </a:fld>
             <a:endParaRPr lang="en-US" dirty="0"/>
           </a:p>
@@ -1505,7 +2234,7 @@
           <a:p>
             <a:fld id="{4509A250-FF31-4206-8172-F9D3106AACB1}" type="datetimeFigureOut">
               <a:rPr lang="en-US" dirty="0"/>
-              <a:t>8/13/2018</a:t>
+              <a:t>8/21/2018</a:t>
             </a:fld>
             <a:endParaRPr lang="en-US" dirty="0"/>
           </a:p>
@@ -1773,7 +2502,7 @@
           <a:p>
             <a:fld id="{4509A250-FF31-4206-8172-F9D3106AACB1}" type="datetimeFigureOut">
               <a:rPr lang="en-US" dirty="0"/>
-              <a:t>8/13/2018</a:t>
+              <a:t>8/21/2018</a:t>
             </a:fld>
             <a:endParaRPr lang="en-US" dirty="0"/>
           </a:p>
@@ -2109,7 +2838,7 @@
           <a:p>
             <a:fld id="{4509A250-FF31-4206-8172-F9D3106AACB1}" type="datetimeFigureOut">
               <a:rPr lang="en-US" dirty="0"/>
-              <a:t>8/13/2018</a:t>
+              <a:t>8/21/2018</a:t>
             </a:fld>
             <a:endParaRPr lang="en-US" dirty="0"/>
           </a:p>
@@ -2727,7 +3456,7 @@
           <a:p>
             <a:fld id="{4509A250-FF31-4206-8172-F9D3106AACB1}" type="datetimeFigureOut">
               <a:rPr lang="en-US" dirty="0"/>
-              <a:t>8/13/2018</a:t>
+              <a:t>8/21/2018</a:t>
             </a:fld>
             <a:endParaRPr lang="en-US" dirty="0"/>
           </a:p>
@@ -3582,7 +4311,7 @@
           <a:p>
             <a:fld id="{4509A250-FF31-4206-8172-F9D3106AACB1}" type="datetimeFigureOut">
               <a:rPr lang="en-US" dirty="0"/>
-              <a:t>8/13/2018</a:t>
+              <a:t>8/21/2018</a:t>
             </a:fld>
             <a:endParaRPr lang="en-US" dirty="0"/>
           </a:p>
@@ -3747,7 +4476,7 @@
           <a:p>
             <a:fld id="{4509A250-FF31-4206-8172-F9D3106AACB1}" type="datetimeFigureOut">
               <a:rPr lang="en-US" dirty="0"/>
-              <a:t>8/13/2018</a:t>
+              <a:t>8/21/2018</a:t>
             </a:fld>
             <a:endParaRPr lang="en-US" dirty="0"/>
           </a:p>
@@ -3922,7 +4651,7 @@
           <a:p>
             <a:fld id="{4509A250-FF31-4206-8172-F9D3106AACB1}" type="datetimeFigureOut">
               <a:rPr lang="en-US" dirty="0"/>
-              <a:t>8/13/2018</a:t>
+              <a:t>8/21/2018</a:t>
             </a:fld>
             <a:endParaRPr lang="en-US" dirty="0"/>
           </a:p>
@@ -4087,7 +4816,7 @@
           <a:p>
             <a:fld id="{4509A250-FF31-4206-8172-F9D3106AACB1}" type="datetimeFigureOut">
               <a:rPr lang="en-US" dirty="0"/>
-              <a:t>8/13/2018</a:t>
+              <a:t>8/21/2018</a:t>
             </a:fld>
             <a:endParaRPr lang="en-US" dirty="0"/>
           </a:p>
@@ -4329,7 +5058,7 @@
           <a:p>
             <a:fld id="{9796027F-7875-4030-9381-8BD8C4F21935}" type="datetimeFigureOut">
               <a:rPr lang="en-US" dirty="0"/>
-              <a:t>8/13/2018</a:t>
+              <a:t>8/21/2018</a:t>
             </a:fld>
             <a:endParaRPr lang="en-US" dirty="0"/>
           </a:p>
@@ -4616,7 +5345,7 @@
           <a:p>
             <a:fld id="{9796027F-7875-4030-9381-8BD8C4F21935}" type="datetimeFigureOut">
               <a:rPr lang="en-US" dirty="0"/>
-              <a:t>8/13/2018</a:t>
+              <a:t>8/21/2018</a:t>
             </a:fld>
             <a:endParaRPr lang="en-US" dirty="0"/>
           </a:p>
@@ -5055,7 +5784,7 @@
           <a:p>
             <a:fld id="{9796027F-7875-4030-9381-8BD8C4F21935}" type="datetimeFigureOut">
               <a:rPr lang="en-US" dirty="0"/>
-              <a:t>8/13/2018</a:t>
+              <a:t>8/21/2018</a:t>
             </a:fld>
             <a:endParaRPr lang="en-US" dirty="0"/>
           </a:p>
@@ -5168,7 +5897,7 @@
           <a:p>
             <a:fld id="{4509A250-FF31-4206-8172-F9D3106AACB1}" type="datetimeFigureOut">
               <a:rPr lang="en-US" dirty="0"/>
-              <a:t>8/13/2018</a:t>
+              <a:t>8/21/2018</a:t>
             </a:fld>
             <a:endParaRPr lang="en-US" dirty="0"/>
           </a:p>
@@ -5258,7 +5987,7 @@
           <a:p>
             <a:fld id="{4509A250-FF31-4206-8172-F9D3106AACB1}" type="datetimeFigureOut">
               <a:rPr lang="en-US" dirty="0"/>
-              <a:t>8/13/2018</a:t>
+              <a:t>8/21/2018</a:t>
             </a:fld>
             <a:endParaRPr lang="en-US" dirty="0"/>
           </a:p>
@@ -5532,7 +6261,7 @@
           <a:p>
             <a:fld id="{4509A250-FF31-4206-8172-F9D3106AACB1}" type="datetimeFigureOut">
               <a:rPr lang="en-US" dirty="0"/>
-              <a:t>8/13/2018</a:t>
+              <a:t>8/21/2018</a:t>
             </a:fld>
             <a:endParaRPr lang="en-US" dirty="0"/>
           </a:p>
@@ -5802,7 +6531,7 @@
           <a:p>
             <a:fld id="{4509A250-FF31-4206-8172-F9D3106AACB1}" type="datetimeFigureOut">
               <a:rPr lang="en-US" dirty="0"/>
-              <a:t>8/13/2018</a:t>
+              <a:t>8/21/2018</a:t>
             </a:fld>
             <a:endParaRPr lang="en-US" dirty="0"/>
           </a:p>
@@ -6226,7 +6955,7 @@
           <a:p>
             <a:fld id="{4AAD347D-5ACD-4C99-B74B-A9C85AD731AF}" type="datetimeFigureOut">
               <a:rPr lang="en-US" dirty="0"/>
-              <a:t>8/13/2018</a:t>
+              <a:t>8/21/2018</a:t>
             </a:fld>
             <a:endParaRPr lang="en-US" dirty="0"/>
           </a:p>
@@ -6768,8 +7497,8 @@
         </p:nvSpPr>
         <p:spPr>
           <a:xfrm>
-            <a:off x="1154955" y="617290"/>
-            <a:ext cx="8825658" cy="3329581"/>
+            <a:off x="1154955" y="2550253"/>
+            <a:ext cx="8825658" cy="1396618"/>
           </a:xfrm>
         </p:spPr>
         <p:txBody>
@@ -6808,8 +7537,8 @@
         </p:nvSpPr>
         <p:spPr>
           <a:xfrm>
-            <a:off x="9107718" y="5263941"/>
-            <a:ext cx="2238306" cy="567692"/>
+            <a:off x="8850385" y="5263941"/>
+            <a:ext cx="2495639" cy="567692"/>
           </a:xfrm>
         </p:spPr>
         <p:txBody>
@@ -6836,248 +7565,7 @@
 </p:sld>
 </file>
 
-<file path=ppt/slides/slide2.xml><?xml version="1.0" encoding="utf-8"?>
-<p:sld xmlns:a="http://schemas.openxmlformats.org/drawingml/2006/main" xmlns:r="http://schemas.openxmlformats.org/officeDocument/2006/relationships" xmlns:p="http://schemas.openxmlformats.org/presentationml/2006/main">
-  <p:cSld>
-    <p:spTree>
-      <p:nvGrpSpPr>
-        <p:cNvPr id="1" name=""/>
-        <p:cNvGrpSpPr/>
-        <p:nvPr/>
-      </p:nvGrpSpPr>
-      <p:grpSpPr>
-        <a:xfrm>
-          <a:off x="0" y="0"/>
-          <a:ext cx="0" cy="0"/>
-          <a:chOff x="0" y="0"/>
-          <a:chExt cx="0" cy="0"/>
-        </a:xfrm>
-      </p:grpSpPr>
-      <p:sp>
-        <p:nvSpPr>
-          <p:cNvPr id="2" name="Title 1">
-            <a:extLst>
-              <a:ext uri="{FF2B5EF4-FFF2-40B4-BE49-F238E27FC236}">
-                <a16:creationId xmlns:a16="http://schemas.microsoft.com/office/drawing/2014/main" id="{75CF3989-1A74-4590-A6D4-85FB9E800AB2}"/>
-              </a:ext>
-            </a:extLst>
-          </p:cNvPr>
-          <p:cNvSpPr>
-            <a:spLocks noGrp="1"/>
-          </p:cNvSpPr>
-          <p:nvPr>
-            <p:ph type="title"/>
-          </p:nvPr>
-        </p:nvSpPr>
-        <p:spPr/>
-        <p:txBody>
-          <a:bodyPr/>
-          <a:lstStyle/>
-          <a:p>
-            <a:r>
-              <a:rPr lang="en-US" dirty="0" err="1"/>
-              <a:t>DataSets</a:t>
-            </a:r>
-            <a:endParaRPr lang="en-US" dirty="0"/>
-          </a:p>
-        </p:txBody>
-      </p:sp>
-      <p:sp>
-        <p:nvSpPr>
-          <p:cNvPr id="3" name="Content Placeholder 2">
-            <a:extLst>
-              <a:ext uri="{FF2B5EF4-FFF2-40B4-BE49-F238E27FC236}">
-                <a16:creationId xmlns:a16="http://schemas.microsoft.com/office/drawing/2014/main" id="{218E9193-F22A-4025-9879-EA588B5EA71A}"/>
-              </a:ext>
-            </a:extLst>
-          </p:cNvPr>
-          <p:cNvSpPr>
-            <a:spLocks noGrp="1"/>
-          </p:cNvSpPr>
-          <p:nvPr>
-            <p:ph idx="1"/>
-          </p:nvPr>
-        </p:nvSpPr>
-        <p:spPr>
-          <a:xfrm>
-            <a:off x="1103313" y="2052918"/>
-            <a:ext cx="6323854" cy="2275801"/>
-          </a:xfrm>
-        </p:spPr>
-        <p:txBody>
-          <a:bodyPr>
-            <a:normAutofit/>
-          </a:bodyPr>
-          <a:lstStyle/>
-          <a:p>
-            <a:r>
-              <a:rPr lang="en-US" sz="1600" dirty="0">
-                <a:latin typeface="Calibri Light" panose="020F0302020204030204" pitchFamily="34" charset="0"/>
-                <a:cs typeface="Calibri Light" panose="020F0302020204030204" pitchFamily="34" charset="0"/>
-              </a:rPr>
-              <a:t>Original archive of 41 GB having 1981 files were found on various social media blogs with common </a:t>
-            </a:r>
-            <a:r>
-              <a:rPr lang="en-US" sz="1600" u="sng" dirty="0" err="1">
-                <a:latin typeface="Calibri Light" panose="020F0302020204030204" pitchFamily="34" charset="0"/>
-                <a:cs typeface="Calibri Light" panose="020F0302020204030204" pitchFamily="34" charset="0"/>
-                <a:hlinkClick r:id="rId2"/>
-              </a:rPr>
-              <a:t>Pastebin</a:t>
-            </a:r>
-            <a:r>
-              <a:rPr lang="en-US" sz="1600" u="sng" dirty="0">
-                <a:latin typeface="Calibri Light" panose="020F0302020204030204" pitchFamily="34" charset="0"/>
-                <a:cs typeface="Calibri Light" panose="020F0302020204030204" pitchFamily="34" charset="0"/>
-                <a:hlinkClick r:id="rId2"/>
-              </a:rPr>
-              <a:t> link</a:t>
-            </a:r>
-            <a:r>
-              <a:rPr lang="en-US" sz="1600" dirty="0">
-                <a:latin typeface="Calibri Light" panose="020F0302020204030204" pitchFamily="34" charset="0"/>
-                <a:cs typeface="Calibri Light" panose="020F0302020204030204" pitchFamily="34" charset="0"/>
-              </a:rPr>
-              <a:t> containing both compressed and uncompressed version of the archive</a:t>
-            </a:r>
-          </a:p>
-          <a:p>
-            <a:r>
-              <a:rPr lang="en-US" sz="1600" dirty="0">
-                <a:latin typeface="Calibri Light" panose="020F0302020204030204" pitchFamily="34" charset="0"/>
-                <a:cs typeface="Calibri Light" panose="020F0302020204030204" pitchFamily="34" charset="0"/>
-              </a:rPr>
-              <a:t>The data is structured in an alphabetic directory tree fragmented in 1,981 pieces to allow fast searches. </a:t>
-            </a:r>
-          </a:p>
-          <a:p>
-            <a:r>
-              <a:rPr lang="en-US" sz="1600" dirty="0">
-                <a:latin typeface="Calibri Light" panose="020F0302020204030204" pitchFamily="34" charset="0"/>
-                <a:cs typeface="Calibri Light" panose="020F0302020204030204" pitchFamily="34" charset="0"/>
-              </a:rPr>
-              <a:t>The dump includes search tools and insert scripts explained in a README file</a:t>
-            </a:r>
-          </a:p>
-        </p:txBody>
-      </p:sp>
-      <p:pic>
-        <p:nvPicPr>
-          <p:cNvPr id="4" name="Picture 3" descr="Dete is fragmented and sorted in two end three level directories ">
-            <a:extLst>
-              <a:ext uri="{FF2B5EF4-FFF2-40B4-BE49-F238E27FC236}">
-                <a16:creationId xmlns:a16="http://schemas.microsoft.com/office/drawing/2014/main" id="{2B299CA4-494C-430E-9DE4-6C7B3E8641ED}"/>
-              </a:ext>
-            </a:extLst>
-          </p:cNvPr>
-          <p:cNvPicPr/>
-          <p:nvPr/>
-        </p:nvPicPr>
-        <p:blipFill>
-          <a:blip r:embed="rId3">
-            <a:extLst>
-              <a:ext uri="{28A0092B-C50C-407E-A947-70E740481C1C}">
-                <a14:useLocalDpi xmlns:a14="http://schemas.microsoft.com/office/drawing/2010/main" val="0"/>
-              </a:ext>
-            </a:extLst>
-          </a:blip>
-          <a:srcRect/>
-          <a:stretch>
-            <a:fillRect/>
-          </a:stretch>
-        </p:blipFill>
-        <p:spPr bwMode="auto">
-          <a:xfrm>
-            <a:off x="7719708" y="2126613"/>
-            <a:ext cx="4176824" cy="3285758"/>
-          </a:xfrm>
-          <a:prstGeom prst="rect">
-            <a:avLst/>
-          </a:prstGeom>
-          <a:noFill/>
-          <a:ln>
-            <a:noFill/>
-          </a:ln>
-        </p:spPr>
-      </p:pic>
-      <p:sp>
-        <p:nvSpPr>
-          <p:cNvPr id="5" name="Rectangle 4">
-            <a:extLst>
-              <a:ext uri="{FF2B5EF4-FFF2-40B4-BE49-F238E27FC236}">
-                <a16:creationId xmlns:a16="http://schemas.microsoft.com/office/drawing/2014/main" id="{A4299822-4A38-47E5-8328-EF483201A84E}"/>
-              </a:ext>
-            </a:extLst>
-          </p:cNvPr>
-          <p:cNvSpPr/>
-          <p:nvPr/>
-        </p:nvSpPr>
-        <p:spPr>
-          <a:xfrm>
-            <a:off x="3125060" y="6306320"/>
-            <a:ext cx="8966272" cy="430887"/>
-          </a:xfrm>
-          <a:prstGeom prst="rect">
-            <a:avLst/>
-          </a:prstGeom>
-        </p:spPr>
-        <p:txBody>
-          <a:bodyPr wrap="square">
-            <a:spAutoFit/>
-          </a:bodyPr>
-          <a:lstStyle/>
-          <a:p>
-            <a:pPr fontAlgn="t">
-              <a:buFont typeface="+mj-lt"/>
-              <a:buAutoNum type="arabicPeriod"/>
-            </a:pPr>
-            <a:r>
-              <a:rPr lang="en-US" sz="1100" dirty="0">
-                <a:solidFill>
-                  <a:schemeClr val="accent2">
-                    <a:lumMod val="40000"/>
-                    <a:lumOff val="60000"/>
-                  </a:schemeClr>
-                </a:solidFill>
-                <a:latin typeface="Consolas" panose="020B0609020204030204" pitchFamily="49" charset="0"/>
-              </a:rPr>
-              <a:t>https://medium.com/4iqdelvedeep/1-4-billion-clear-text-credentials-discovered-in-a-single-database-3131d0a1ae14</a:t>
-            </a:r>
-          </a:p>
-          <a:p>
-            <a:pPr fontAlgn="t">
-              <a:buFont typeface="+mj-lt"/>
-              <a:buAutoNum type="arabicPeriod"/>
-            </a:pPr>
-            <a:r>
-              <a:rPr lang="en-US" sz="1100" dirty="0">
-                <a:solidFill>
-                  <a:schemeClr val="accent2">
-                    <a:lumMod val="40000"/>
-                    <a:lumOff val="60000"/>
-                  </a:schemeClr>
-                </a:solidFill>
-                <a:latin typeface="Consolas" panose="020B0609020204030204" pitchFamily="49" charset="0"/>
-              </a:rPr>
-              <a:t>https://www.reddit.com/r/pwned/comments/7hhqfo/combination_of_many_breaches/</a:t>
-            </a:r>
-          </a:p>
-        </p:txBody>
-      </p:sp>
-    </p:spTree>
-    <p:extLst>
-      <p:ext uri="{BB962C8B-B14F-4D97-AF65-F5344CB8AC3E}">
-        <p14:creationId xmlns:p14="http://schemas.microsoft.com/office/powerpoint/2010/main" val="2963278198"/>
-      </p:ext>
-    </p:extLst>
-  </p:cSld>
-  <p:clrMapOvr>
-    <a:masterClrMapping/>
-  </p:clrMapOvr>
-</p:sld>
-</file>
-
-<file path=ppt/slides/slide3.xml><?xml version="1.0" encoding="utf-8"?>
+<file path=ppt/slides/slide10.xml><?xml version="1.0" encoding="utf-8"?>
 <p:sld xmlns:a="http://schemas.openxmlformats.org/drawingml/2006/main" xmlns:r="http://schemas.openxmlformats.org/officeDocument/2006/relationships" xmlns:p="http://schemas.openxmlformats.org/presentationml/2006/main">
   <p:cSld>
     <p:bg>
@@ -7119,12 +7607,12 @@
           <a:chExt cx="0" cy="0"/>
         </a:xfrm>
       </p:grpSpPr>
-      <p:sp useBgFill="1">
-        <p:nvSpPr>
-          <p:cNvPr id="40" name="Rectangle 7">
+      <p:sp>
+        <p:nvSpPr>
+          <p:cNvPr id="61" name="Rectangle 48">
             <a:extLst>
               <a:ext uri="{FF2B5EF4-FFF2-40B4-BE49-F238E27FC236}">
-                <a16:creationId xmlns:a16="http://schemas.microsoft.com/office/drawing/2014/main" id="{DDBA86CC-34C3-43C1-B328-62490FE69046}"/>
+                <a16:creationId xmlns:a16="http://schemas.microsoft.com/office/drawing/2014/main" id="{923E8915-D2AA-4327-A45A-972C3CA9574B}"/>
               </a:ext>
               <a:ext uri="{C183D7F6-B498-43B3-948B-1728B52AA6E4}">
                 <adec:decorative xmlns:adec="http://schemas.microsoft.com/office/drawing/2017/decorative" val="1"/>
@@ -7144,12 +7632,15 @@
         </p:nvSpPr>
         <p:spPr>
           <a:xfrm>
-            <a:off x="1" y="0"/>
+            <a:off x="0" y="0"/>
             <a:ext cx="12192000" cy="6858000"/>
           </a:xfrm>
           <a:prstGeom prst="rect">
             <a:avLst/>
           </a:prstGeom>
+          <a:solidFill>
+            <a:schemeClr val="tx1"/>
+          </a:solidFill>
           <a:ln>
             <a:noFill/>
           </a:ln>
@@ -7160,8 +7651,8 @@
               <a:shade val="50000"/>
             </a:schemeClr>
           </a:lnRef>
-          <a:fillRef idx="1003">
-            <a:schemeClr val="dk2"/>
+          <a:fillRef idx="1">
+            <a:schemeClr val="accent1"/>
           </a:fillRef>
           <a:effectRef idx="0">
             <a:schemeClr val="accent1"/>
@@ -7179,52 +7670,12 @@
           </a:p>
         </p:txBody>
       </p:sp>
-      <p:sp>
-        <p:nvSpPr>
-          <p:cNvPr id="2" name="Title 1">
+      <p:sp useBgFill="1">
+        <p:nvSpPr>
+          <p:cNvPr id="62" name="Rectangle 50">
             <a:extLst>
               <a:ext uri="{FF2B5EF4-FFF2-40B4-BE49-F238E27FC236}">
-                <a16:creationId xmlns:a16="http://schemas.microsoft.com/office/drawing/2014/main" id="{F98AD30C-C2A3-424A-BDA6-4029351017A6}"/>
-              </a:ext>
-            </a:extLst>
-          </p:cNvPr>
-          <p:cNvSpPr>
-            <a:spLocks noGrp="1"/>
-          </p:cNvSpPr>
-          <p:nvPr>
-            <p:ph type="title"/>
-          </p:nvPr>
-        </p:nvSpPr>
-        <p:spPr>
-          <a:xfrm>
-            <a:off x="653143" y="1645920"/>
-            <a:ext cx="3522879" cy="4470821"/>
-          </a:xfrm>
-        </p:spPr>
-        <p:txBody>
-          <a:bodyPr>
-            <a:normAutofit/>
-          </a:bodyPr>
-          <a:lstStyle/>
-          <a:p>
-            <a:pPr algn="r"/>
-            <a:r>
-              <a:rPr lang="en-US">
-                <a:solidFill>
-                  <a:schemeClr val="tx1"/>
-                </a:solidFill>
-              </a:rPr>
-              <a:t>Data Cleaning and Preparation</a:t>
-            </a:r>
-          </a:p>
-        </p:txBody>
-      </p:sp>
-      <p:sp>
-        <p:nvSpPr>
-          <p:cNvPr id="41" name="Rectangle 9">
-            <a:extLst>
-              <a:ext uri="{FF2B5EF4-FFF2-40B4-BE49-F238E27FC236}">
-                <a16:creationId xmlns:a16="http://schemas.microsoft.com/office/drawing/2014/main" id="{9CF4C9D6-90BC-48A0-91E8-0F0373CA11B5}"/>
+                <a16:creationId xmlns:a16="http://schemas.microsoft.com/office/drawing/2014/main" id="{8302FC3C-9804-4950-B721-5FD704BA6065}"/>
               </a:ext>
               <a:ext uri="{C183D7F6-B498-43B3-948B-1728B52AA6E4}">
                 <adec:decorative xmlns:adec="http://schemas.microsoft.com/office/drawing/2017/decorative" val="1"/>
@@ -7242,42 +7693,769 @@
             </p:extLst>
           </p:nvPr>
         </p:nvSpPr>
+        <p:spPr bwMode="ltGray">
+          <a:xfrm>
+            <a:off x="0" y="0"/>
+            <a:ext cx="12188952" cy="6858000"/>
+          </a:xfrm>
+          <a:prstGeom prst="rect">
+            <a:avLst/>
+          </a:prstGeom>
+          <a:ln w="127000" cap="sq" cmpd="thinThick">
+            <a:noFill/>
+          </a:ln>
+        </p:spPr>
+        <p:style>
+          <a:lnRef idx="2">
+            <a:schemeClr val="accent1">
+              <a:shade val="50000"/>
+            </a:schemeClr>
+          </a:lnRef>
+          <a:fillRef idx="1">
+            <a:schemeClr val="accent1"/>
+          </a:fillRef>
+          <a:effectRef idx="0">
+            <a:schemeClr val="accent1"/>
+          </a:effectRef>
+          <a:fontRef idx="minor">
+            <a:schemeClr val="lt1"/>
+          </a:fontRef>
+        </p:style>
+        <p:txBody>
+          <a:bodyPr rtlCol="0" anchor="ctr"/>
+          <a:lstStyle/>
+          <a:p>
+            <a:pPr algn="ctr"/>
+            <a:endParaRPr lang="en-US"/>
+          </a:p>
+        </p:txBody>
+      </p:sp>
+      <p:sp>
+        <p:nvSpPr>
+          <p:cNvPr id="2" name="Title 1">
+            <a:extLst>
+              <a:ext uri="{FF2B5EF4-FFF2-40B4-BE49-F238E27FC236}">
+                <a16:creationId xmlns:a16="http://schemas.microsoft.com/office/drawing/2014/main" id="{A3F6D3CC-4459-445B-92D2-6641DA4A5DB4}"/>
+              </a:ext>
+            </a:extLst>
+          </p:cNvPr>
+          <p:cNvSpPr>
+            <a:spLocks noGrp="1"/>
+          </p:cNvSpPr>
+          <p:nvPr>
+            <p:ph type="title"/>
+          </p:nvPr>
+        </p:nvSpPr>
         <p:spPr>
           <a:xfrm>
-            <a:off x="10437812" y="0"/>
-            <a:ext cx="685800" cy="1143000"/>
+            <a:off x="806195" y="804672"/>
+            <a:ext cx="3521359" cy="5248656"/>
+          </a:xfrm>
+        </p:spPr>
+        <p:txBody>
+          <a:bodyPr anchor="ctr">
+            <a:normAutofit/>
+          </a:bodyPr>
+          <a:lstStyle/>
+          <a:p>
+            <a:pPr algn="ctr"/>
+            <a:r>
+              <a:rPr lang="en-US" dirty="0"/>
+              <a:t>Conclusion</a:t>
+            </a:r>
+          </a:p>
+        </p:txBody>
+      </p:sp>
+      <p:cxnSp>
+        <p:nvCxnSpPr>
+          <p:cNvPr id="63" name="Straight Connector 52">
+            <a:extLst>
+              <a:ext uri="{FF2B5EF4-FFF2-40B4-BE49-F238E27FC236}">
+                <a16:creationId xmlns:a16="http://schemas.microsoft.com/office/drawing/2014/main" id="{6B9695BD-ECF6-49CA-8877-8C493193C65D}"/>
+              </a:ext>
+              <a:ext uri="{C183D7F6-B498-43B3-948B-1728B52AA6E4}">
+                <adec:decorative xmlns:adec="http://schemas.microsoft.com/office/drawing/2017/decorative" val="1"/>
+              </a:ext>
+            </a:extLst>
+          </p:cNvPr>
+          <p:cNvCxnSpPr>
+            <a:cxnSpLocks noGrp="1" noRot="1" noChangeAspect="1" noMove="1" noResize="1" noEditPoints="1" noAdjustHandles="1" noChangeArrowheads="1" noChangeShapeType="1"/>
+          </p:cNvCxnSpPr>
+          <p:nvPr>
+            <p:extLst>
+              <p:ext uri="{386F3935-93C4-4BCD-93E2-E3B085C9AB24}">
+                <p16:designElem xmlns:p16="http://schemas.microsoft.com/office/powerpoint/2015/main" val="1"/>
+              </p:ext>
+            </p:extLst>
+          </p:nvPr>
+        </p:nvCxnSpPr>
+        <p:spPr>
+          <a:xfrm>
+            <a:off x="4654295" y="1828800"/>
+            <a:ext cx="0" cy="3200400"/>
+          </a:xfrm>
+          <a:prstGeom prst="line">
+            <a:avLst/>
+          </a:prstGeom>
+          <a:ln w="19050">
+            <a:solidFill>
+              <a:schemeClr val="bg2">
+                <a:lumMod val="60000"/>
+                <a:lumOff val="40000"/>
+              </a:schemeClr>
+            </a:solidFill>
+          </a:ln>
+        </p:spPr>
+        <p:style>
+          <a:lnRef idx="1">
+            <a:schemeClr val="accent1"/>
+          </a:lnRef>
+          <a:fillRef idx="0">
+            <a:schemeClr val="accent1"/>
+          </a:fillRef>
+          <a:effectRef idx="0">
+            <a:schemeClr val="accent1"/>
+          </a:effectRef>
+          <a:fontRef idx="minor">
+            <a:schemeClr val="tx1"/>
+          </a:fontRef>
+        </p:style>
+      </p:cxnSp>
+      <p:sp>
+        <p:nvSpPr>
+          <p:cNvPr id="44" name="Content Placeholder 2">
+            <a:extLst>
+              <a:ext uri="{FF2B5EF4-FFF2-40B4-BE49-F238E27FC236}">
+                <a16:creationId xmlns:a16="http://schemas.microsoft.com/office/drawing/2014/main" id="{BAB9AB21-6D60-4C74-9759-538E5C42203B}"/>
+              </a:ext>
+            </a:extLst>
+          </p:cNvPr>
+          <p:cNvSpPr>
+            <a:spLocks noGrp="1"/>
+          </p:cNvSpPr>
+          <p:nvPr>
+            <p:ph idx="1"/>
+          </p:nvPr>
+        </p:nvSpPr>
+        <p:spPr>
+          <a:xfrm>
+            <a:off x="4840452" y="804671"/>
+            <a:ext cx="6535340" cy="5248657"/>
+          </a:xfrm>
+        </p:spPr>
+        <p:txBody>
+          <a:bodyPr anchor="ctr">
+            <a:normAutofit fontScale="92500" lnSpcReduction="10000"/>
+          </a:bodyPr>
+          <a:lstStyle/>
+          <a:p>
+            <a:pPr>
+              <a:lnSpc>
+                <a:spcPct val="90000"/>
+              </a:lnSpc>
+              <a:buFont typeface="Wingdings" panose="05000000000000000000" pitchFamily="2" charset="2"/>
+              <a:buChar char="Ø"/>
+            </a:pPr>
+            <a:r>
+              <a:rPr lang="en-US" sz="1700" dirty="0">
+                <a:latin typeface="Calibri Light" panose="020F0302020204030204" pitchFamily="34" charset="0"/>
+                <a:cs typeface="Calibri Light" panose="020F0302020204030204" pitchFamily="34" charset="0"/>
+              </a:rPr>
+              <a:t>The breach compilation dataset had more than 200 Fortune 500 companies </a:t>
+            </a:r>
+            <a:r>
+              <a:rPr lang="en-US" sz="1700" dirty="0" err="1">
+                <a:latin typeface="Calibri Light" panose="020F0302020204030204" pitchFamily="34" charset="0"/>
+                <a:cs typeface="Calibri Light" panose="020F0302020204030204" pitchFamily="34" charset="0"/>
+              </a:rPr>
+              <a:t>EmailDomains</a:t>
+            </a:r>
+            <a:r>
+              <a:rPr lang="en-US" sz="1700" dirty="0">
+                <a:latin typeface="Calibri Light" panose="020F0302020204030204" pitchFamily="34" charset="0"/>
+                <a:cs typeface="Calibri Light" panose="020F0302020204030204" pitchFamily="34" charset="0"/>
+              </a:rPr>
+              <a:t> exposed with more than 20 sectors with majority of Financial sector companies.</a:t>
+            </a:r>
+          </a:p>
+          <a:p>
+            <a:pPr>
+              <a:lnSpc>
+                <a:spcPct val="90000"/>
+              </a:lnSpc>
+              <a:buFont typeface="Wingdings" panose="05000000000000000000" pitchFamily="2" charset="2"/>
+              <a:buChar char="Ø"/>
+            </a:pPr>
+            <a:r>
+              <a:rPr lang="en-US" sz="1700" dirty="0">
+                <a:latin typeface="Calibri Light" panose="020F0302020204030204" pitchFamily="34" charset="0"/>
+                <a:cs typeface="Calibri Light" panose="020F0302020204030204" pitchFamily="34" charset="0"/>
+              </a:rPr>
+              <a:t>Data wrangling can be used to derive password characteristics variables from the dataset</a:t>
+            </a:r>
+          </a:p>
+          <a:p>
+            <a:pPr>
+              <a:lnSpc>
+                <a:spcPct val="90000"/>
+              </a:lnSpc>
+              <a:buFont typeface="Wingdings" panose="05000000000000000000" pitchFamily="2" charset="2"/>
+              <a:buChar char="Ø"/>
+            </a:pPr>
+            <a:r>
+              <a:rPr lang="en-US" sz="1700" dirty="0">
+                <a:latin typeface="Calibri Light" panose="020F0302020204030204" pitchFamily="34" charset="0"/>
+                <a:cs typeface="Calibri Light" panose="020F0302020204030204" pitchFamily="34" charset="0"/>
+              </a:rPr>
+              <a:t>Password length of the entire dataset varied from 6 to 16 char length where as avg password length per sector was between 8 to 9.</a:t>
+            </a:r>
+          </a:p>
+          <a:p>
+            <a:pPr>
+              <a:lnSpc>
+                <a:spcPct val="90000"/>
+              </a:lnSpc>
+              <a:buFont typeface="Wingdings" panose="05000000000000000000" pitchFamily="2" charset="2"/>
+              <a:buChar char="Ø"/>
+            </a:pPr>
+            <a:r>
+              <a:rPr lang="en-US" sz="1700" dirty="0">
+                <a:latin typeface="Calibri Light" panose="020F0302020204030204" pitchFamily="34" charset="0"/>
+                <a:cs typeface="Calibri Light" panose="020F0302020204030204" pitchFamily="34" charset="0"/>
+              </a:rPr>
+              <a:t>By training sample UK and RU regional </a:t>
+            </a:r>
+            <a:r>
+              <a:rPr lang="en-US" sz="1700" dirty="0" err="1">
+                <a:latin typeface="Calibri Light" panose="020F0302020204030204" pitchFamily="34" charset="0"/>
+                <a:cs typeface="Calibri Light" panose="020F0302020204030204" pitchFamily="34" charset="0"/>
+              </a:rPr>
+              <a:t>emaildomains</a:t>
+            </a:r>
+            <a:r>
+              <a:rPr lang="en-US" sz="1700" dirty="0">
+                <a:latin typeface="Calibri Light" panose="020F0302020204030204" pitchFamily="34" charset="0"/>
+                <a:cs typeface="Calibri Light" panose="020F0302020204030204" pitchFamily="34" charset="0"/>
+              </a:rPr>
+              <a:t> dataset, one can try to predict the regions (UK/RU) based on password characteristics with 68% accuracy.</a:t>
+            </a:r>
+          </a:p>
+          <a:p>
+            <a:pPr>
+              <a:lnSpc>
+                <a:spcPct val="90000"/>
+              </a:lnSpc>
+              <a:buFont typeface="Wingdings" panose="05000000000000000000" pitchFamily="2" charset="2"/>
+              <a:buChar char="Ø"/>
+            </a:pPr>
+            <a:r>
+              <a:rPr lang="en-US" sz="1700" dirty="0">
+                <a:latin typeface="Calibri Light" panose="020F0302020204030204" pitchFamily="34" charset="0"/>
+                <a:cs typeface="Calibri Light" panose="020F0302020204030204" pitchFamily="34" charset="0"/>
+              </a:rPr>
+              <a:t>Public Email Services/Corporate sectors does not usually handle passwords in cleartext formats but this data analysis can be used in strengthening existing security controls/ regional attributions in case of any investigations where only password is known.</a:t>
+            </a:r>
+          </a:p>
+          <a:p>
+            <a:pPr>
+              <a:lnSpc>
+                <a:spcPct val="90000"/>
+              </a:lnSpc>
+              <a:buFont typeface="Wingdings" panose="05000000000000000000" pitchFamily="2" charset="2"/>
+              <a:buChar char="Ø"/>
+            </a:pPr>
+            <a:r>
+              <a:rPr lang="en-US" sz="1700" dirty="0">
+                <a:latin typeface="Calibri Light" panose="020F0302020204030204" pitchFamily="34" charset="0"/>
+                <a:cs typeface="Calibri Light" panose="020F0302020204030204" pitchFamily="34" charset="0"/>
+              </a:rPr>
+              <a:t>Project Code Repo : </a:t>
+            </a:r>
+          </a:p>
+          <a:p>
+            <a:pPr marL="0" indent="0">
+              <a:lnSpc>
+                <a:spcPct val="90000"/>
+              </a:lnSpc>
+              <a:buNone/>
+            </a:pPr>
+            <a:r>
+              <a:rPr lang="en-US" sz="1700" dirty="0">
+                <a:latin typeface="Calibri Light" panose="020F0302020204030204" pitchFamily="34" charset="0"/>
+                <a:cs typeface="Calibri Light" panose="020F0302020204030204" pitchFamily="34" charset="0"/>
+                <a:hlinkClick r:id="rId3"/>
+              </a:rPr>
+              <a:t>https://github.com/ashwin-patil/springboard-intro-to-datascience/tree/master/capstone_project</a:t>
+            </a:r>
+            <a:endParaRPr lang="en-US" sz="1700" dirty="0">
+              <a:latin typeface="Calibri Light" panose="020F0302020204030204" pitchFamily="34" charset="0"/>
+              <a:cs typeface="Calibri Light" panose="020F0302020204030204" pitchFamily="34" charset="0"/>
+            </a:endParaRPr>
+          </a:p>
+          <a:p>
+            <a:pPr>
+              <a:lnSpc>
+                <a:spcPct val="90000"/>
+              </a:lnSpc>
+              <a:buFont typeface="Wingdings" panose="05000000000000000000" pitchFamily="2" charset="2"/>
+              <a:buChar char="Ø"/>
+            </a:pPr>
+            <a:r>
+              <a:rPr lang="en-US" sz="1700" dirty="0">
+                <a:latin typeface="Calibri Light" panose="020F0302020204030204" pitchFamily="34" charset="0"/>
+                <a:cs typeface="Calibri Light" panose="020F0302020204030204" pitchFamily="34" charset="0"/>
+              </a:rPr>
+              <a:t>Detailed Technical Report : </a:t>
+            </a:r>
+          </a:p>
+          <a:p>
+            <a:pPr marL="0" indent="0">
+              <a:lnSpc>
+                <a:spcPct val="90000"/>
+              </a:lnSpc>
+              <a:buNone/>
+            </a:pPr>
+            <a:r>
+              <a:rPr lang="en-US" sz="1700" dirty="0">
+                <a:latin typeface="Calibri Light" panose="020F0302020204030204" pitchFamily="34" charset="0"/>
+                <a:cs typeface="Calibri Light" panose="020F0302020204030204" pitchFamily="34" charset="0"/>
+                <a:hlinkClick r:id="rId4"/>
+              </a:rPr>
+              <a:t>Analysis of Passwords from </a:t>
+            </a:r>
+            <a:r>
+              <a:rPr lang="en-US" sz="1700" dirty="0" err="1">
+                <a:latin typeface="Calibri Light" panose="020F0302020204030204" pitchFamily="34" charset="0"/>
+                <a:cs typeface="Calibri Light" panose="020F0302020204030204" pitchFamily="34" charset="0"/>
+                <a:hlinkClick r:id="rId4"/>
+              </a:rPr>
+              <a:t>BreachCompilation</a:t>
+            </a:r>
+            <a:r>
+              <a:rPr lang="en-US" sz="1700" dirty="0">
+                <a:latin typeface="Calibri Light" panose="020F0302020204030204" pitchFamily="34" charset="0"/>
+                <a:cs typeface="Calibri Light" panose="020F0302020204030204" pitchFamily="34" charset="0"/>
+                <a:hlinkClick r:id="rId4"/>
+              </a:rPr>
+              <a:t> Dataset</a:t>
+            </a:r>
+            <a:endParaRPr lang="en-US" sz="1700" dirty="0">
+              <a:latin typeface="Calibri Light" panose="020F0302020204030204" pitchFamily="34" charset="0"/>
+              <a:cs typeface="Calibri Light" panose="020F0302020204030204" pitchFamily="34" charset="0"/>
+            </a:endParaRPr>
+          </a:p>
+          <a:p>
+            <a:pPr marL="0" indent="0">
+              <a:lnSpc>
+                <a:spcPct val="90000"/>
+              </a:lnSpc>
+              <a:buNone/>
+            </a:pPr>
+            <a:endParaRPr lang="en-US" sz="1700" dirty="0">
+              <a:latin typeface="Calibri Light" panose="020F0302020204030204" pitchFamily="34" charset="0"/>
+              <a:cs typeface="Calibri Light" panose="020F0302020204030204" pitchFamily="34" charset="0"/>
+            </a:endParaRPr>
+          </a:p>
+        </p:txBody>
+      </p:sp>
+      <p:pic>
+        <p:nvPicPr>
+          <p:cNvPr id="64" name="Picture 54">
+            <a:extLst>
+              <a:ext uri="{FF2B5EF4-FFF2-40B4-BE49-F238E27FC236}">
+                <a16:creationId xmlns:a16="http://schemas.microsoft.com/office/drawing/2014/main" id="{3BC6EBB2-9BDC-4075-BA6B-43A9FBF9C86C}"/>
+              </a:ext>
+              <a:ext uri="{C183D7F6-B498-43B3-948B-1728B52AA6E4}">
+                <adec:decorative xmlns:adec="http://schemas.microsoft.com/office/drawing/2017/decorative" val="1"/>
+              </a:ext>
+            </a:extLst>
+          </p:cNvPr>
+          <p:cNvPicPr>
+            <a:picLocks noGrp="1" noRot="1" noChangeAspect="1" noMove="1" noResize="1" noEditPoints="1" noAdjustHandles="1" noChangeArrowheads="1" noChangeShapeType="1" noCrop="1"/>
+          </p:cNvPicPr>
+          <p:nvPr>
+            <p:extLst>
+              <p:ext uri="{386F3935-93C4-4BCD-93E2-E3B085C9AB24}">
+                <p16:designElem xmlns:p16="http://schemas.microsoft.com/office/powerpoint/2015/main" val="1"/>
+              </p:ext>
+            </p:extLst>
+          </p:nvPr>
+        </p:nvPicPr>
+        <p:blipFill rotWithShape="1">
+          <a:blip r:embed="rId5">
+            <a:extLst>
+              <a:ext uri="{28A0092B-C50C-407E-A947-70E740481C1C}">
+                <a14:useLocalDpi xmlns:a14="http://schemas.microsoft.com/office/drawing/2010/main" val="0"/>
+              </a:ext>
+            </a:extLst>
+          </a:blip>
+          <a:srcRect b="23320"/>
+          <a:stretch/>
+        </p:blipFill>
+        <p:spPr>
+          <a:xfrm>
+            <a:off x="8605878" y="6228080"/>
+            <a:ext cx="993734" cy="762000"/>
+          </a:xfrm>
+          <a:prstGeom prst="rect">
+            <a:avLst/>
+          </a:prstGeom>
+        </p:spPr>
+      </p:pic>
+      <p:sp>
+        <p:nvSpPr>
+          <p:cNvPr id="57" name="Freeform 5">
+            <a:extLst>
+              <a:ext uri="{FF2B5EF4-FFF2-40B4-BE49-F238E27FC236}">
+                <a16:creationId xmlns:a16="http://schemas.microsoft.com/office/drawing/2014/main" id="{F3798573-F27B-47EB-8EA4-7EE34954C2D6}"/>
+              </a:ext>
+              <a:ext uri="{C183D7F6-B498-43B3-948B-1728B52AA6E4}">
+                <adec:decorative xmlns:adec="http://schemas.microsoft.com/office/drawing/2017/decorative" val="1"/>
+              </a:ext>
+            </a:extLst>
+          </p:cNvPr>
+          <p:cNvSpPr>
+            <a:spLocks noGrp="1" noRot="1" noChangeAspect="1" noMove="1" noResize="1" noEditPoints="1" noAdjustHandles="1" noChangeArrowheads="1" noChangeShapeType="1" noTextEdit="1"/>
+          </p:cNvSpPr>
+          <p:nvPr>
+            <p:extLst>
+              <p:ext uri="{386F3935-93C4-4BCD-93E2-E3B085C9AB24}">
+                <p16:designElem xmlns:p16="http://schemas.microsoft.com/office/powerpoint/2015/main" val="1"/>
+              </p:ext>
+            </p:extLst>
+          </p:nvPr>
+        </p:nvSpPr>
+        <p:spPr bwMode="gray">
+          <a:xfrm>
+            <a:off x="-1588" y="0"/>
+            <a:ext cx="12192000" cy="6856413"/>
+          </a:xfrm>
+          <a:custGeom>
+            <a:avLst/>
+            <a:gdLst/>
+            <a:ahLst/>
+            <a:cxnLst/>
+            <a:rect l="0" t="0" r="r" b="b"/>
+            <a:pathLst>
+              <a:path w="15356" h="8638">
+                <a:moveTo>
+                  <a:pt x="0" y="0"/>
+                </a:moveTo>
+                <a:lnTo>
+                  <a:pt x="0" y="8638"/>
+                </a:lnTo>
+                <a:lnTo>
+                  <a:pt x="15356" y="8638"/>
+                </a:lnTo>
+                <a:lnTo>
+                  <a:pt x="15356" y="0"/>
+                </a:lnTo>
+                <a:lnTo>
+                  <a:pt x="0" y="0"/>
+                </a:lnTo>
+                <a:close/>
+                <a:moveTo>
+                  <a:pt x="14748" y="8038"/>
+                </a:moveTo>
+                <a:lnTo>
+                  <a:pt x="600" y="8038"/>
+                </a:lnTo>
+                <a:lnTo>
+                  <a:pt x="600" y="592"/>
+                </a:lnTo>
+                <a:lnTo>
+                  <a:pt x="14748" y="592"/>
+                </a:lnTo>
+                <a:lnTo>
+                  <a:pt x="14748" y="8038"/>
+                </a:lnTo>
+                <a:close/>
+              </a:path>
+            </a:pathLst>
+          </a:custGeom>
+          <a:solidFill>
+            <a:schemeClr val="tx1"/>
+          </a:solidFill>
+          <a:ln>
+            <a:noFill/>
+          </a:ln>
+        </p:spPr>
+      </p:sp>
+    </p:spTree>
+    <p:extLst>
+      <p:ext uri="{BB962C8B-B14F-4D97-AF65-F5344CB8AC3E}">
+        <p14:creationId xmlns:p14="http://schemas.microsoft.com/office/powerpoint/2010/main" val="690386882"/>
+      </p:ext>
+    </p:extLst>
+  </p:cSld>
+  <p:clrMapOvr>
+    <a:masterClrMapping/>
+  </p:clrMapOvr>
+</p:sld>
+</file>
+
+<file path=ppt/slides/slide2.xml><?xml version="1.0" encoding="utf-8"?>
+<p:sld xmlns:a="http://schemas.openxmlformats.org/drawingml/2006/main" xmlns:r="http://schemas.openxmlformats.org/officeDocument/2006/relationships" xmlns:p="http://schemas.openxmlformats.org/presentationml/2006/main">
+  <p:cSld>
+    <p:bg>
+      <p:bgPr>
+        <a:blipFill rotWithShape="1">
+          <a:blip r:embed="rId2">
+            <a:duotone>
+              <a:schemeClr val="bg2">
+                <a:shade val="69000"/>
+                <a:hueMod val="108000"/>
+                <a:satMod val="164000"/>
+                <a:lumMod val="74000"/>
+              </a:schemeClr>
+              <a:schemeClr val="bg2">
+                <a:tint val="96000"/>
+                <a:hueMod val="88000"/>
+                <a:satMod val="140000"/>
+                <a:lumMod val="132000"/>
+              </a:schemeClr>
+            </a:duotone>
+            <a:extLst/>
+          </a:blip>
+          <a:stretch/>
+        </a:blipFill>
+        <a:effectLst/>
+      </p:bgPr>
+    </p:bg>
+    <p:spTree>
+      <p:nvGrpSpPr>
+        <p:cNvPr id="1" name=""/>
+        <p:cNvGrpSpPr/>
+        <p:nvPr/>
+      </p:nvGrpSpPr>
+      <p:grpSpPr>
+        <a:xfrm>
+          <a:off x="0" y="0"/>
+          <a:ext cx="0" cy="0"/>
+          <a:chOff x="0" y="0"/>
+          <a:chExt cx="0" cy="0"/>
+        </a:xfrm>
+      </p:grpSpPr>
+      <p:sp>
+        <p:nvSpPr>
+          <p:cNvPr id="8" name="Rectangle 7">
+            <a:extLst>
+              <a:ext uri="{FF2B5EF4-FFF2-40B4-BE49-F238E27FC236}">
+                <a16:creationId xmlns:a16="http://schemas.microsoft.com/office/drawing/2014/main" id="{923E8915-D2AA-4327-A45A-972C3CA9574B}"/>
+              </a:ext>
+              <a:ext uri="{C183D7F6-B498-43B3-948B-1728B52AA6E4}">
+                <adec:decorative xmlns:adec="http://schemas.microsoft.com/office/drawing/2017/decorative" val="1"/>
+              </a:ext>
+            </a:extLst>
+          </p:cNvPr>
+          <p:cNvSpPr>
+            <a:spLocks noGrp="1" noRot="1" noChangeAspect="1" noMove="1" noResize="1" noEditPoints="1" noAdjustHandles="1" noChangeArrowheads="1" noChangeShapeType="1" noTextEdit="1"/>
+          </p:cNvSpPr>
+          <p:nvPr>
+            <p:extLst>
+              <p:ext uri="{386F3935-93C4-4BCD-93E2-E3B085C9AB24}">
+                <p16:designElem xmlns:p16="http://schemas.microsoft.com/office/powerpoint/2015/main" val="1"/>
+              </p:ext>
+            </p:extLst>
+          </p:nvPr>
+        </p:nvSpPr>
+        <p:spPr>
+          <a:xfrm>
+            <a:off x="0" y="0"/>
+            <a:ext cx="12192000" cy="6858000"/>
           </a:xfrm>
           <a:prstGeom prst="rect">
             <a:avLst/>
           </a:prstGeom>
           <a:solidFill>
-            <a:schemeClr val="accent1"/>
+            <a:schemeClr val="tx1"/>
           </a:solidFill>
           <a:ln>
             <a:noFill/>
           </a:ln>
         </p:spPr>
         <p:style>
-          <a:lnRef idx="1">
-            <a:schemeClr val="accent1"/>
+          <a:lnRef idx="2">
+            <a:schemeClr val="accent1">
+              <a:shade val="50000"/>
+            </a:schemeClr>
           </a:lnRef>
-          <a:fillRef idx="3">
+          <a:fillRef idx="1">
             <a:schemeClr val="accent1"/>
           </a:fillRef>
-          <a:effectRef idx="2">
+          <a:effectRef idx="0">
             <a:schemeClr val="accent1"/>
           </a:effectRef>
           <a:fontRef idx="minor">
             <a:schemeClr val="lt1"/>
           </a:fontRef>
         </p:style>
-      </p:sp>
+        <p:txBody>
+          <a:bodyPr rtlCol="0" anchor="ctr"/>
+          <a:lstStyle/>
+          <a:p>
+            <a:pPr algn="ctr"/>
+            <a:endParaRPr lang="en-US"/>
+          </a:p>
+        </p:txBody>
+      </p:sp>
+      <p:sp useBgFill="1">
+        <p:nvSpPr>
+          <p:cNvPr id="10" name="Rectangle 9">
+            <a:extLst>
+              <a:ext uri="{FF2B5EF4-FFF2-40B4-BE49-F238E27FC236}">
+                <a16:creationId xmlns:a16="http://schemas.microsoft.com/office/drawing/2014/main" id="{8302FC3C-9804-4950-B721-5FD704BA6065}"/>
+              </a:ext>
+              <a:ext uri="{C183D7F6-B498-43B3-948B-1728B52AA6E4}">
+                <adec:decorative xmlns:adec="http://schemas.microsoft.com/office/drawing/2017/decorative" val="1"/>
+              </a:ext>
+            </a:extLst>
+          </p:cNvPr>
+          <p:cNvSpPr>
+            <a:spLocks noGrp="1" noRot="1" noChangeAspect="1" noMove="1" noResize="1" noEditPoints="1" noAdjustHandles="1" noChangeArrowheads="1" noChangeShapeType="1" noTextEdit="1"/>
+          </p:cNvSpPr>
+          <p:nvPr>
+            <p:extLst>
+              <p:ext uri="{386F3935-93C4-4BCD-93E2-E3B085C9AB24}">
+                <p16:designElem xmlns:p16="http://schemas.microsoft.com/office/powerpoint/2015/main" val="1"/>
+              </p:ext>
+            </p:extLst>
+          </p:nvPr>
+        </p:nvSpPr>
+        <p:spPr bwMode="ltGray">
+          <a:xfrm>
+            <a:off x="0" y="0"/>
+            <a:ext cx="12188952" cy="6858000"/>
+          </a:xfrm>
+          <a:prstGeom prst="rect">
+            <a:avLst/>
+          </a:prstGeom>
+          <a:ln w="127000" cap="sq" cmpd="thinThick">
+            <a:noFill/>
+          </a:ln>
+        </p:spPr>
+        <p:style>
+          <a:lnRef idx="2">
+            <a:schemeClr val="accent1">
+              <a:shade val="50000"/>
+            </a:schemeClr>
+          </a:lnRef>
+          <a:fillRef idx="1">
+            <a:schemeClr val="accent1"/>
+          </a:fillRef>
+          <a:effectRef idx="0">
+            <a:schemeClr val="accent1"/>
+          </a:effectRef>
+          <a:fontRef idx="minor">
+            <a:schemeClr val="lt1"/>
+          </a:fontRef>
+        </p:style>
+        <p:txBody>
+          <a:bodyPr rtlCol="0" anchor="ctr"/>
+          <a:lstStyle/>
+          <a:p>
+            <a:pPr algn="ctr"/>
+            <a:endParaRPr lang="en-US"/>
+          </a:p>
+        </p:txBody>
+      </p:sp>
+      <p:sp>
+        <p:nvSpPr>
+          <p:cNvPr id="2" name="Title 1">
+            <a:extLst>
+              <a:ext uri="{FF2B5EF4-FFF2-40B4-BE49-F238E27FC236}">
+                <a16:creationId xmlns:a16="http://schemas.microsoft.com/office/drawing/2014/main" id="{BFB3650B-CF3C-4480-A395-9A1E450F95A2}"/>
+              </a:ext>
+            </a:extLst>
+          </p:cNvPr>
+          <p:cNvSpPr>
+            <a:spLocks noGrp="1"/>
+          </p:cNvSpPr>
+          <p:nvPr>
+            <p:ph type="title"/>
+          </p:nvPr>
+        </p:nvSpPr>
+        <p:spPr>
+          <a:xfrm>
+            <a:off x="806195" y="804672"/>
+            <a:ext cx="3521359" cy="5248656"/>
+          </a:xfrm>
+        </p:spPr>
+        <p:txBody>
+          <a:bodyPr anchor="ctr">
+            <a:normAutofit/>
+          </a:bodyPr>
+          <a:lstStyle/>
+          <a:p>
+            <a:pPr algn="ctr"/>
+            <a:r>
+              <a:rPr lang="en-US" dirty="0"/>
+              <a:t>Goals</a:t>
+            </a:r>
+          </a:p>
+        </p:txBody>
+      </p:sp>
+      <p:cxnSp>
+        <p:nvCxnSpPr>
+          <p:cNvPr id="12" name="Straight Connector 11">
+            <a:extLst>
+              <a:ext uri="{FF2B5EF4-FFF2-40B4-BE49-F238E27FC236}">
+                <a16:creationId xmlns:a16="http://schemas.microsoft.com/office/drawing/2014/main" id="{6B9695BD-ECF6-49CA-8877-8C493193C65D}"/>
+              </a:ext>
+              <a:ext uri="{C183D7F6-B498-43B3-948B-1728B52AA6E4}">
+                <adec:decorative xmlns:adec="http://schemas.microsoft.com/office/drawing/2017/decorative" val="1"/>
+              </a:ext>
+            </a:extLst>
+          </p:cNvPr>
+          <p:cNvCxnSpPr>
+            <a:cxnSpLocks noGrp="1" noRot="1" noChangeAspect="1" noMove="1" noResize="1" noEditPoints="1" noAdjustHandles="1" noChangeArrowheads="1" noChangeShapeType="1"/>
+          </p:cNvCxnSpPr>
+          <p:nvPr>
+            <p:extLst>
+              <p:ext uri="{386F3935-93C4-4BCD-93E2-E3B085C9AB24}">
+                <p16:designElem xmlns:p16="http://schemas.microsoft.com/office/powerpoint/2015/main" val="1"/>
+              </p:ext>
+            </p:extLst>
+          </p:nvPr>
+        </p:nvCxnSpPr>
+        <p:spPr>
+          <a:xfrm>
+            <a:off x="4654295" y="1828800"/>
+            <a:ext cx="0" cy="3200400"/>
+          </a:xfrm>
+          <a:prstGeom prst="line">
+            <a:avLst/>
+          </a:prstGeom>
+          <a:ln w="19050">
+            <a:solidFill>
+              <a:schemeClr val="bg2">
+                <a:lumMod val="60000"/>
+                <a:lumOff val="40000"/>
+              </a:schemeClr>
+            </a:solidFill>
+          </a:ln>
+        </p:spPr>
+        <p:style>
+          <a:lnRef idx="1">
+            <a:schemeClr val="accent1"/>
+          </a:lnRef>
+          <a:fillRef idx="0">
+            <a:schemeClr val="accent1"/>
+          </a:fillRef>
+          <a:effectRef idx="0">
+            <a:schemeClr val="accent1"/>
+          </a:effectRef>
+          <a:fontRef idx="minor">
+            <a:schemeClr val="tx1"/>
+          </a:fontRef>
+        </p:style>
+      </p:cxnSp>
       <p:sp>
         <p:nvSpPr>
           <p:cNvPr id="3" name="Content Placeholder 2">
             <a:extLst>
               <a:ext uri="{FF2B5EF4-FFF2-40B4-BE49-F238E27FC236}">
-                <a16:creationId xmlns:a16="http://schemas.microsoft.com/office/drawing/2014/main" id="{9106AF37-4FC5-4085-BE59-25BE5A28E7F3}"/>
+                <a16:creationId xmlns:a16="http://schemas.microsoft.com/office/drawing/2014/main" id="{438787F4-C7FF-437D-95A8-644EEE3CA34B}"/>
               </a:ext>
             </a:extLst>
           </p:cNvPr>
@@ -7290,8 +8468,317 @@
         </p:nvSpPr>
         <p:spPr>
           <a:xfrm>
-            <a:off x="4829164" y="1645920"/>
-            <a:ext cx="6294448" cy="4470821"/>
+            <a:off x="4981037" y="1465833"/>
+            <a:ext cx="6399930" cy="3924745"/>
+          </a:xfrm>
+        </p:spPr>
+        <p:txBody>
+          <a:bodyPr anchor="ctr">
+            <a:normAutofit/>
+          </a:bodyPr>
+          <a:lstStyle/>
+          <a:p>
+            <a:pPr>
+              <a:buFont typeface="Wingdings" panose="05000000000000000000" pitchFamily="2" charset="2"/>
+              <a:buChar char="Ø"/>
+            </a:pPr>
+            <a:r>
+              <a:rPr lang="en-US" sz="1600" dirty="0">
+                <a:solidFill>
+                  <a:schemeClr val="bg2">
+                    <a:lumMod val="40000"/>
+                    <a:lumOff val="60000"/>
+                  </a:schemeClr>
+                </a:solidFill>
+                <a:latin typeface="Calibri Light" panose="020F0302020204030204" pitchFamily="34" charset="0"/>
+                <a:cs typeface="Calibri Light" panose="020F0302020204030204" pitchFamily="34" charset="0"/>
+              </a:rPr>
+              <a:t>Problem statement </a:t>
+            </a:r>
+            <a:r>
+              <a:rPr lang="en-US" sz="1600" dirty="0">
+                <a:latin typeface="Calibri Light" panose="020F0302020204030204" pitchFamily="34" charset="0"/>
+                <a:cs typeface="Calibri Light" panose="020F0302020204030204" pitchFamily="34" charset="0"/>
+              </a:rPr>
+              <a:t>– Behavioral analysis of the password across various sectors and regions to understand common trends which are security risks.</a:t>
+            </a:r>
+          </a:p>
+          <a:p>
+            <a:pPr>
+              <a:buFont typeface="Wingdings" panose="05000000000000000000" pitchFamily="2" charset="2"/>
+              <a:buChar char="Ø"/>
+            </a:pPr>
+            <a:r>
+              <a:rPr lang="en-US" sz="1600" dirty="0">
+                <a:latin typeface="Calibri Light" panose="020F0302020204030204" pitchFamily="34" charset="0"/>
+                <a:cs typeface="Calibri Light" panose="020F0302020204030204" pitchFamily="34" charset="0"/>
+              </a:rPr>
+              <a:t>Data mining to analyze the password characteristics and character usage.</a:t>
+            </a:r>
+          </a:p>
+          <a:p>
+            <a:pPr>
+              <a:buFont typeface="Wingdings" panose="05000000000000000000" pitchFamily="2" charset="2"/>
+              <a:buChar char="Ø"/>
+            </a:pPr>
+            <a:r>
+              <a:rPr lang="en-US" sz="1600" dirty="0">
+                <a:latin typeface="Calibri Light" panose="020F0302020204030204" pitchFamily="34" charset="0"/>
+                <a:cs typeface="Calibri Light" panose="020F0302020204030204" pitchFamily="34" charset="0"/>
+              </a:rPr>
+              <a:t>Predictive Modelling to detect if Password is from specific region (e.g.UK or Russia).</a:t>
+            </a:r>
+          </a:p>
+          <a:p>
+            <a:pPr>
+              <a:buFont typeface="Wingdings" panose="05000000000000000000" pitchFamily="2" charset="2"/>
+              <a:buChar char="Ø"/>
+            </a:pPr>
+            <a:r>
+              <a:rPr lang="en-US" sz="1600" dirty="0">
+                <a:latin typeface="Calibri Light" panose="020F0302020204030204" pitchFamily="34" charset="0"/>
+                <a:cs typeface="Calibri Light" panose="020F0302020204030204" pitchFamily="34" charset="0"/>
+              </a:rPr>
+              <a:t>Analyze statistical significance and influence of password characteristics (alphanumeric, punctuation, password length) to the model prediction outcomes</a:t>
+            </a:r>
+          </a:p>
+          <a:p>
+            <a:pPr>
+              <a:buFont typeface="Wingdings" panose="05000000000000000000" pitchFamily="2" charset="2"/>
+              <a:buChar char="Ø"/>
+            </a:pPr>
+            <a:r>
+              <a:rPr lang="en-US" sz="1600" dirty="0">
+                <a:latin typeface="Calibri Light" panose="020F0302020204030204" pitchFamily="34" charset="0"/>
+                <a:cs typeface="Calibri Light" panose="020F0302020204030204" pitchFamily="34" charset="0"/>
+              </a:rPr>
+              <a:t>Business use-cases of the models and models usage.</a:t>
+            </a:r>
+          </a:p>
+          <a:p>
+            <a:pPr marL="0" indent="0">
+              <a:buNone/>
+            </a:pPr>
+            <a:endParaRPr lang="en-US" dirty="0"/>
+          </a:p>
+        </p:txBody>
+      </p:sp>
+      <p:pic>
+        <p:nvPicPr>
+          <p:cNvPr id="14" name="Picture 13">
+            <a:extLst>
+              <a:ext uri="{FF2B5EF4-FFF2-40B4-BE49-F238E27FC236}">
+                <a16:creationId xmlns:a16="http://schemas.microsoft.com/office/drawing/2014/main" id="{3BC6EBB2-9BDC-4075-BA6B-43A9FBF9C86C}"/>
+              </a:ext>
+              <a:ext uri="{C183D7F6-B498-43B3-948B-1728B52AA6E4}">
+                <adec:decorative xmlns:adec="http://schemas.microsoft.com/office/drawing/2017/decorative" val="1"/>
+              </a:ext>
+            </a:extLst>
+          </p:cNvPr>
+          <p:cNvPicPr>
+            <a:picLocks noGrp="1" noRot="1" noChangeAspect="1" noMove="1" noResize="1" noEditPoints="1" noAdjustHandles="1" noChangeArrowheads="1" noChangeShapeType="1" noCrop="1"/>
+          </p:cNvPicPr>
+          <p:nvPr>
+            <p:extLst>
+              <p:ext uri="{386F3935-93C4-4BCD-93E2-E3B085C9AB24}">
+                <p16:designElem xmlns:p16="http://schemas.microsoft.com/office/powerpoint/2015/main" val="1"/>
+              </p:ext>
+            </p:extLst>
+          </p:nvPr>
+        </p:nvPicPr>
+        <p:blipFill rotWithShape="1">
+          <a:blip r:embed="rId3">
+            <a:extLst>
+              <a:ext uri="{28A0092B-C50C-407E-A947-70E740481C1C}">
+                <a14:useLocalDpi xmlns:a14="http://schemas.microsoft.com/office/drawing/2010/main" val="0"/>
+              </a:ext>
+            </a:extLst>
+          </a:blip>
+          <a:srcRect b="23320"/>
+          <a:stretch/>
+        </p:blipFill>
+        <p:spPr>
+          <a:xfrm>
+            <a:off x="8605878" y="6228080"/>
+            <a:ext cx="993734" cy="762000"/>
+          </a:xfrm>
+          <a:prstGeom prst="rect">
+            <a:avLst/>
+          </a:prstGeom>
+        </p:spPr>
+      </p:pic>
+      <p:sp>
+        <p:nvSpPr>
+          <p:cNvPr id="16" name="Freeform 5">
+            <a:extLst>
+              <a:ext uri="{FF2B5EF4-FFF2-40B4-BE49-F238E27FC236}">
+                <a16:creationId xmlns:a16="http://schemas.microsoft.com/office/drawing/2014/main" id="{F3798573-F27B-47EB-8EA4-7EE34954C2D6}"/>
+              </a:ext>
+              <a:ext uri="{C183D7F6-B498-43B3-948B-1728B52AA6E4}">
+                <adec:decorative xmlns:adec="http://schemas.microsoft.com/office/drawing/2017/decorative" val="1"/>
+              </a:ext>
+            </a:extLst>
+          </p:cNvPr>
+          <p:cNvSpPr>
+            <a:spLocks noGrp="1" noRot="1" noChangeAspect="1" noMove="1" noResize="1" noEditPoints="1" noAdjustHandles="1" noChangeArrowheads="1" noChangeShapeType="1" noTextEdit="1"/>
+          </p:cNvSpPr>
+          <p:nvPr>
+            <p:extLst>
+              <p:ext uri="{386F3935-93C4-4BCD-93E2-E3B085C9AB24}">
+                <p16:designElem xmlns:p16="http://schemas.microsoft.com/office/powerpoint/2015/main" val="1"/>
+              </p:ext>
+            </p:extLst>
+          </p:nvPr>
+        </p:nvSpPr>
+        <p:spPr bwMode="gray">
+          <a:xfrm>
+            <a:off x="-1588" y="0"/>
+            <a:ext cx="12192000" cy="6856413"/>
+          </a:xfrm>
+          <a:custGeom>
+            <a:avLst/>
+            <a:gdLst/>
+            <a:ahLst/>
+            <a:cxnLst/>
+            <a:rect l="0" t="0" r="r" b="b"/>
+            <a:pathLst>
+              <a:path w="15356" h="8638">
+                <a:moveTo>
+                  <a:pt x="0" y="0"/>
+                </a:moveTo>
+                <a:lnTo>
+                  <a:pt x="0" y="8638"/>
+                </a:lnTo>
+                <a:lnTo>
+                  <a:pt x="15356" y="8638"/>
+                </a:lnTo>
+                <a:lnTo>
+                  <a:pt x="15356" y="0"/>
+                </a:lnTo>
+                <a:lnTo>
+                  <a:pt x="0" y="0"/>
+                </a:lnTo>
+                <a:close/>
+                <a:moveTo>
+                  <a:pt x="14748" y="8038"/>
+                </a:moveTo>
+                <a:lnTo>
+                  <a:pt x="600" y="8038"/>
+                </a:lnTo>
+                <a:lnTo>
+                  <a:pt x="600" y="592"/>
+                </a:lnTo>
+                <a:lnTo>
+                  <a:pt x="14748" y="592"/>
+                </a:lnTo>
+                <a:lnTo>
+                  <a:pt x="14748" y="8038"/>
+                </a:lnTo>
+                <a:close/>
+              </a:path>
+            </a:pathLst>
+          </a:custGeom>
+          <a:solidFill>
+            <a:schemeClr val="tx1"/>
+          </a:solidFill>
+          <a:ln>
+            <a:noFill/>
+          </a:ln>
+        </p:spPr>
+      </p:sp>
+    </p:spTree>
+    <p:extLst>
+      <p:ext uri="{BB962C8B-B14F-4D97-AF65-F5344CB8AC3E}">
+        <p14:creationId xmlns:p14="http://schemas.microsoft.com/office/powerpoint/2010/main" val="2844164881"/>
+      </p:ext>
+    </p:extLst>
+  </p:cSld>
+  <p:clrMapOvr>
+    <a:masterClrMapping/>
+  </p:clrMapOvr>
+</p:sld>
+</file>
+
+<file path=ppt/slides/slide3.xml><?xml version="1.0" encoding="utf-8"?>
+<p:sld xmlns:a="http://schemas.openxmlformats.org/drawingml/2006/main" xmlns:r="http://schemas.openxmlformats.org/officeDocument/2006/relationships" xmlns:p="http://schemas.openxmlformats.org/presentationml/2006/main">
+  <p:cSld>
+    <p:spTree>
+      <p:nvGrpSpPr>
+        <p:cNvPr id="1" name=""/>
+        <p:cNvGrpSpPr/>
+        <p:nvPr/>
+      </p:nvGrpSpPr>
+      <p:grpSpPr>
+        <a:xfrm>
+          <a:off x="0" y="0"/>
+          <a:ext cx="0" cy="0"/>
+          <a:chOff x="0" y="0"/>
+          <a:chExt cx="0" cy="0"/>
+        </a:xfrm>
+      </p:grpSpPr>
+      <p:sp>
+        <p:nvSpPr>
+          <p:cNvPr id="2" name="Title 1">
+            <a:extLst>
+              <a:ext uri="{FF2B5EF4-FFF2-40B4-BE49-F238E27FC236}">
+                <a16:creationId xmlns:a16="http://schemas.microsoft.com/office/drawing/2014/main" id="{75CF3989-1A74-4590-A6D4-85FB9E800AB2}"/>
+              </a:ext>
+            </a:extLst>
+          </p:cNvPr>
+          <p:cNvSpPr>
+            <a:spLocks noGrp="1"/>
+          </p:cNvSpPr>
+          <p:nvPr>
+            <p:ph type="title"/>
+          </p:nvPr>
+        </p:nvSpPr>
+        <p:spPr/>
+        <p:txBody>
+          <a:bodyPr/>
+          <a:lstStyle/>
+          <a:p>
+            <a:r>
+              <a:rPr lang="en-US" dirty="0" err="1">
+                <a:solidFill>
+                  <a:schemeClr val="bg2">
+                    <a:lumMod val="40000"/>
+                    <a:lumOff val="60000"/>
+                  </a:schemeClr>
+                </a:solidFill>
+              </a:rPr>
+              <a:t>DataSets</a:t>
+            </a:r>
+            <a:endParaRPr lang="en-US" dirty="0">
+              <a:solidFill>
+                <a:schemeClr val="bg2">
+                  <a:lumMod val="40000"/>
+                  <a:lumOff val="60000"/>
+                </a:schemeClr>
+              </a:solidFill>
+            </a:endParaRPr>
+          </a:p>
+        </p:txBody>
+      </p:sp>
+      <p:sp>
+        <p:nvSpPr>
+          <p:cNvPr id="3" name="Content Placeholder 2">
+            <a:extLst>
+              <a:ext uri="{FF2B5EF4-FFF2-40B4-BE49-F238E27FC236}">
+                <a16:creationId xmlns:a16="http://schemas.microsoft.com/office/drawing/2014/main" id="{218E9193-F22A-4025-9879-EA588B5EA71A}"/>
+              </a:ext>
+            </a:extLst>
+          </p:cNvPr>
+          <p:cNvSpPr>
+            <a:spLocks noGrp="1"/>
+          </p:cNvSpPr>
+          <p:nvPr>
+            <p:ph idx="1"/>
+          </p:nvPr>
+        </p:nvSpPr>
+        <p:spPr>
+          <a:xfrm>
+            <a:off x="1103313" y="2052918"/>
+            <a:ext cx="6323854" cy="2275801"/>
           </a:xfrm>
         </p:spPr>
         <p:txBody>
@@ -7305,103 +8792,163 @@
               <a:buChar char="Ø"/>
             </a:pPr>
             <a:r>
-              <a:rPr lang="en-US">
+              <a:rPr lang="en-US" sz="1600" dirty="0">
                 <a:latin typeface="Calibri Light" panose="020F0302020204030204" pitchFamily="34" charset="0"/>
                 <a:cs typeface="Calibri Light" panose="020F0302020204030204" pitchFamily="34" charset="0"/>
               </a:rPr>
-              <a:t>Out of the total 1986 files</a:t>
-            </a:r>
-          </a:p>
-          <a:p>
-            <a:pPr lvl="1">
+              <a:t>Original archive of 41 GB having 1981 files were found on various social media blogs with common </a:t>
+            </a:r>
+            <a:r>
+              <a:rPr lang="en-US" sz="1600" u="sng" dirty="0" err="1">
+                <a:latin typeface="Calibri Light" panose="020F0302020204030204" pitchFamily="34" charset="0"/>
+                <a:cs typeface="Calibri Light" panose="020F0302020204030204" pitchFamily="34" charset="0"/>
+                <a:hlinkClick r:id="rId2"/>
+              </a:rPr>
+              <a:t>Pastebin</a:t>
+            </a:r>
+            <a:r>
+              <a:rPr lang="en-US" sz="1600" u="sng" dirty="0">
+                <a:latin typeface="Calibri Light" panose="020F0302020204030204" pitchFamily="34" charset="0"/>
+                <a:cs typeface="Calibri Light" panose="020F0302020204030204" pitchFamily="34" charset="0"/>
+                <a:hlinkClick r:id="rId2"/>
+              </a:rPr>
+              <a:t> link</a:t>
+            </a:r>
+            <a:r>
+              <a:rPr lang="en-US" sz="1600" dirty="0">
+                <a:latin typeface="Calibri Light" panose="020F0302020204030204" pitchFamily="34" charset="0"/>
+                <a:cs typeface="Calibri Light" panose="020F0302020204030204" pitchFamily="34" charset="0"/>
+              </a:rPr>
+              <a:t> containing both compressed and uncompressed version of the archive</a:t>
+            </a:r>
+          </a:p>
+          <a:p>
+            <a:pPr>
               <a:buFont typeface="Wingdings" panose="05000000000000000000" pitchFamily="2" charset="2"/>
               <a:buChar char="Ø"/>
             </a:pPr>
             <a:r>
-              <a:rPr lang="en-US">
+              <a:rPr lang="en-US" sz="1600" dirty="0">
                 <a:latin typeface="Calibri Light" panose="020F0302020204030204" pitchFamily="34" charset="0"/>
                 <a:cs typeface="Calibri Light" panose="020F0302020204030204" pitchFamily="34" charset="0"/>
               </a:rPr>
-              <a:t>the total records- 1400553869 (1.4 Billion)</a:t>
-            </a:r>
-          </a:p>
-          <a:p>
-            <a:pPr lvl="1">
+              <a:t>The data is structured in an alphabetic directory tree fragmented in 1,981 pieces to allow fast searches. </a:t>
+            </a:r>
+          </a:p>
+          <a:p>
+            <a:pPr>
               <a:buFont typeface="Wingdings" panose="05000000000000000000" pitchFamily="2" charset="2"/>
               <a:buChar char="Ø"/>
             </a:pPr>
             <a:r>
-              <a:rPr lang="en-US">
+              <a:rPr lang="en-US" sz="1600" dirty="0">
                 <a:latin typeface="Calibri Light" panose="020F0302020204030204" pitchFamily="34" charset="0"/>
                 <a:cs typeface="Calibri Light" panose="020F0302020204030204" pitchFamily="34" charset="0"/>
               </a:rPr>
-              <a:t>no of duplicates -  202281 were found. (202K- 0.014 %)</a:t>
-            </a:r>
-          </a:p>
-          <a:p>
-            <a:pPr lvl="1">
-              <a:buFont typeface="Wingdings" panose="05000000000000000000" pitchFamily="2" charset="2"/>
-              <a:buChar char="Ø"/>
+              <a:t>The dump includes search tools and insert scripts to do faster searching of passwords/ emails.</a:t>
+            </a:r>
+          </a:p>
+        </p:txBody>
+      </p:sp>
+      <p:pic>
+        <p:nvPicPr>
+          <p:cNvPr id="4" name="Picture 3" descr="Dete is fragmented and sorted in two end three level directories ">
+            <a:extLst>
+              <a:ext uri="{FF2B5EF4-FFF2-40B4-BE49-F238E27FC236}">
+                <a16:creationId xmlns:a16="http://schemas.microsoft.com/office/drawing/2014/main" id="{2B299CA4-494C-430E-9DE4-6C7B3E8641ED}"/>
+              </a:ext>
+            </a:extLst>
+          </p:cNvPr>
+          <p:cNvPicPr/>
+          <p:nvPr/>
+        </p:nvPicPr>
+        <p:blipFill>
+          <a:blip r:embed="rId3">
+            <a:extLst>
+              <a:ext uri="{28A0092B-C50C-407E-A947-70E740481C1C}">
+                <a14:useLocalDpi xmlns:a14="http://schemas.microsoft.com/office/drawing/2010/main" val="0"/>
+              </a:ext>
+            </a:extLst>
+          </a:blip>
+          <a:srcRect/>
+          <a:stretch>
+            <a:fillRect/>
+          </a:stretch>
+        </p:blipFill>
+        <p:spPr bwMode="auto">
+          <a:xfrm>
+            <a:off x="7340367" y="2126613"/>
+            <a:ext cx="4556165" cy="3285758"/>
+          </a:xfrm>
+          <a:prstGeom prst="rect">
+            <a:avLst/>
+          </a:prstGeom>
+          <a:noFill/>
+          <a:ln>
+            <a:noFill/>
+          </a:ln>
+        </p:spPr>
+      </p:pic>
+      <p:sp>
+        <p:nvSpPr>
+          <p:cNvPr id="5" name="Rectangle 4">
+            <a:extLst>
+              <a:ext uri="{FF2B5EF4-FFF2-40B4-BE49-F238E27FC236}">
+                <a16:creationId xmlns:a16="http://schemas.microsoft.com/office/drawing/2014/main" id="{A4299822-4A38-47E5-8328-EF483201A84E}"/>
+              </a:ext>
+            </a:extLst>
+          </p:cNvPr>
+          <p:cNvSpPr/>
+          <p:nvPr/>
+        </p:nvSpPr>
+        <p:spPr>
+          <a:xfrm>
+            <a:off x="3125060" y="6306320"/>
+            <a:ext cx="8966272" cy="430887"/>
+          </a:xfrm>
+          <a:prstGeom prst="rect">
+            <a:avLst/>
+          </a:prstGeom>
+        </p:spPr>
+        <p:txBody>
+          <a:bodyPr wrap="square">
+            <a:spAutoFit/>
+          </a:bodyPr>
+          <a:lstStyle/>
+          <a:p>
+            <a:pPr fontAlgn="t">
+              <a:buFont typeface="+mj-lt"/>
+              <a:buAutoNum type="arabicPeriod"/>
             </a:pPr>
             <a:r>
-              <a:rPr lang="en-US">
-                <a:latin typeface="Calibri Light" panose="020F0302020204030204" pitchFamily="34" charset="0"/>
-                <a:cs typeface="Calibri Light" panose="020F0302020204030204" pitchFamily="34" charset="0"/>
+              <a:rPr lang="en-US" sz="1100" dirty="0">
+                <a:solidFill>
+                  <a:schemeClr val="accent2">
+                    <a:lumMod val="40000"/>
+                    <a:lumOff val="60000"/>
+                  </a:schemeClr>
+                </a:solidFill>
+                <a:latin typeface="Consolas" panose="020B0609020204030204" pitchFamily="49" charset="0"/>
               </a:rPr>
-              <a:t>647701 (647K- 0.04 %) Records found with same </a:t>
-            </a:r>
-            <a:r>
-              <a:rPr lang="en-US" err="1">
-                <a:latin typeface="Calibri Light" panose="020F0302020204030204" pitchFamily="34" charset="0"/>
-                <a:cs typeface="Calibri Light" panose="020F0302020204030204" pitchFamily="34" charset="0"/>
+              <a:t>https://medium.com/4iqdelvedeep/1-4-billion-clear-text-credentials-discovered-in-a-single-database-3131d0a1ae14</a:t>
+            </a:r>
+          </a:p>
+          <a:p>
+            <a:pPr fontAlgn="t">
+              <a:buFont typeface="+mj-lt"/>
+              <a:buAutoNum type="arabicPeriod"/>
+            </a:pPr>
+            <a:r>
+              <a:rPr lang="en-US" sz="1100" dirty="0">
+                <a:solidFill>
+                  <a:schemeClr val="accent2">
+                    <a:lumMod val="40000"/>
+                    <a:lumOff val="60000"/>
+                  </a:schemeClr>
+                </a:solidFill>
+                <a:latin typeface="Consolas" panose="020B0609020204030204" pitchFamily="49" charset="0"/>
               </a:rPr>
-              <a:t>EmailId</a:t>
-            </a:r>
-            <a:r>
-              <a:rPr lang="en-US">
-                <a:latin typeface="Calibri Light" panose="020F0302020204030204" pitchFamily="34" charset="0"/>
-                <a:cs typeface="Calibri Light" panose="020F0302020204030204" pitchFamily="34" charset="0"/>
-              </a:rPr>
-              <a:t> and Passwords</a:t>
-            </a:r>
-          </a:p>
-          <a:p>
-            <a:pPr lvl="1">
-              <a:buFont typeface="Wingdings" panose="05000000000000000000" pitchFamily="2" charset="2"/>
-              <a:buChar char="Ø"/>
-            </a:pPr>
-            <a:r>
-              <a:rPr lang="en-US">
-                <a:latin typeface="Calibri Light" panose="020F0302020204030204" pitchFamily="34" charset="0"/>
-                <a:cs typeface="Calibri Light" panose="020F0302020204030204" pitchFamily="34" charset="0"/>
-              </a:rPr>
-              <a:t>105 Files were found with Invalid data with all NULL chars inside text files – total Size- 1.93 GB (4.8 %) (Out of Scope for Analysis)</a:t>
-            </a:r>
-          </a:p>
-          <a:p>
-            <a:pPr lvl="1">
-              <a:buFont typeface="Wingdings" panose="05000000000000000000" pitchFamily="2" charset="2"/>
-              <a:buChar char="Ø"/>
-            </a:pPr>
-            <a:r>
-              <a:rPr lang="en-US">
-                <a:latin typeface="Calibri Light" panose="020F0302020204030204" pitchFamily="34" charset="0"/>
-                <a:cs typeface="Calibri Light" panose="020F0302020204030204" pitchFamily="34" charset="0"/>
-              </a:rPr>
-              <a:t>2546790 (0.18 %) Records found with No passwords (Out of Scope for Analysis)</a:t>
-            </a:r>
-          </a:p>
-          <a:p>
-            <a:pPr lvl="1">
-              <a:buFont typeface="Wingdings" panose="05000000000000000000" pitchFamily="2" charset="2"/>
-              <a:buChar char="Ø"/>
-            </a:pPr>
-            <a:r>
-              <a:rPr lang="en-US">
-                <a:latin typeface="Calibri Light" panose="020F0302020204030204" pitchFamily="34" charset="0"/>
-                <a:cs typeface="Calibri Light" panose="020F0302020204030204" pitchFamily="34" charset="0"/>
-              </a:rPr>
-              <a:t>40140152 (2.86 %) Records found with less than 6 chars. (Out of Scope for Analysis)</a:t>
+              <a:t>https://www.reddit.com/r/pwned/comments/7hhqfo/combination_of_many_breaches/</a:t>
             </a:r>
           </a:p>
         </p:txBody>
@@ -7409,7 +8956,7 @@
     </p:spTree>
     <p:extLst>
       <p:ext uri="{BB962C8B-B14F-4D97-AF65-F5344CB8AC3E}">
-        <p14:creationId xmlns:p14="http://schemas.microsoft.com/office/powerpoint/2010/main" val="469454933"/>
+        <p14:creationId xmlns:p14="http://schemas.microsoft.com/office/powerpoint/2010/main" val="2963278198"/>
       </p:ext>
     </p:extLst>
   </p:cSld>
@@ -7461,12 +9008,12 @@
           <a:chExt cx="0" cy="0"/>
         </a:xfrm>
       </p:grpSpPr>
-      <p:sp useBgFill="1">
-        <p:nvSpPr>
-          <p:cNvPr id="22" name="Rectangle 7">
+      <p:sp>
+        <p:nvSpPr>
+          <p:cNvPr id="46" name="Rectangle 45">
             <a:extLst>
               <a:ext uri="{FF2B5EF4-FFF2-40B4-BE49-F238E27FC236}">
-                <a16:creationId xmlns:a16="http://schemas.microsoft.com/office/drawing/2014/main" id="{DDBA86CC-34C3-43C1-B328-62490FE69046}"/>
+                <a16:creationId xmlns:a16="http://schemas.microsoft.com/office/drawing/2014/main" id="{923E8915-D2AA-4327-A45A-972C3CA9574B}"/>
               </a:ext>
               <a:ext uri="{C183D7F6-B498-43B3-948B-1728B52AA6E4}">
                 <adec:decorative xmlns:adec="http://schemas.microsoft.com/office/drawing/2017/decorative" val="1"/>
@@ -7486,12 +9033,15 @@
         </p:nvSpPr>
         <p:spPr>
           <a:xfrm>
-            <a:off x="1" y="0"/>
+            <a:off x="0" y="0"/>
             <a:ext cx="12192000" cy="6858000"/>
           </a:xfrm>
           <a:prstGeom prst="rect">
             <a:avLst/>
           </a:prstGeom>
+          <a:solidFill>
+            <a:schemeClr val="tx1"/>
+          </a:solidFill>
           <a:ln>
             <a:noFill/>
           </a:ln>
@@ -7502,8 +9052,8 @@
               <a:shade val="50000"/>
             </a:schemeClr>
           </a:lnRef>
-          <a:fillRef idx="1003">
-            <a:schemeClr val="dk2"/>
+          <a:fillRef idx="1">
+            <a:schemeClr val="accent1"/>
           </a:fillRef>
           <a:effectRef idx="0">
             <a:schemeClr val="accent1"/>
@@ -7521,6 +9071,592 @@
           </a:p>
         </p:txBody>
       </p:sp>
+      <p:sp useBgFill="1">
+        <p:nvSpPr>
+          <p:cNvPr id="48" name="Rectangle 47">
+            <a:extLst>
+              <a:ext uri="{FF2B5EF4-FFF2-40B4-BE49-F238E27FC236}">
+                <a16:creationId xmlns:a16="http://schemas.microsoft.com/office/drawing/2014/main" id="{8302FC3C-9804-4950-B721-5FD704BA6065}"/>
+              </a:ext>
+              <a:ext uri="{C183D7F6-B498-43B3-948B-1728B52AA6E4}">
+                <adec:decorative xmlns:adec="http://schemas.microsoft.com/office/drawing/2017/decorative" val="1"/>
+              </a:ext>
+            </a:extLst>
+          </p:cNvPr>
+          <p:cNvSpPr>
+            <a:spLocks noGrp="1" noRot="1" noChangeAspect="1" noMove="1" noResize="1" noEditPoints="1" noAdjustHandles="1" noChangeArrowheads="1" noChangeShapeType="1" noTextEdit="1"/>
+          </p:cNvSpPr>
+          <p:nvPr>
+            <p:extLst>
+              <p:ext uri="{386F3935-93C4-4BCD-93E2-E3B085C9AB24}">
+                <p16:designElem xmlns:p16="http://schemas.microsoft.com/office/powerpoint/2015/main" val="1"/>
+              </p:ext>
+            </p:extLst>
+          </p:nvPr>
+        </p:nvSpPr>
+        <p:spPr bwMode="ltGray">
+          <a:xfrm>
+            <a:off x="0" y="0"/>
+            <a:ext cx="12188952" cy="6858000"/>
+          </a:xfrm>
+          <a:prstGeom prst="rect">
+            <a:avLst/>
+          </a:prstGeom>
+          <a:ln w="127000" cap="sq" cmpd="thinThick">
+            <a:noFill/>
+          </a:ln>
+        </p:spPr>
+        <p:style>
+          <a:lnRef idx="2">
+            <a:schemeClr val="accent1">
+              <a:shade val="50000"/>
+            </a:schemeClr>
+          </a:lnRef>
+          <a:fillRef idx="1">
+            <a:schemeClr val="accent1"/>
+          </a:fillRef>
+          <a:effectRef idx="0">
+            <a:schemeClr val="accent1"/>
+          </a:effectRef>
+          <a:fontRef idx="minor">
+            <a:schemeClr val="lt1"/>
+          </a:fontRef>
+        </p:style>
+        <p:txBody>
+          <a:bodyPr rtlCol="0" anchor="ctr"/>
+          <a:lstStyle/>
+          <a:p>
+            <a:pPr algn="ctr"/>
+            <a:endParaRPr lang="en-US"/>
+          </a:p>
+        </p:txBody>
+      </p:sp>
+      <p:sp>
+        <p:nvSpPr>
+          <p:cNvPr id="2" name="Title 1">
+            <a:extLst>
+              <a:ext uri="{FF2B5EF4-FFF2-40B4-BE49-F238E27FC236}">
+                <a16:creationId xmlns:a16="http://schemas.microsoft.com/office/drawing/2014/main" id="{F98AD30C-C2A3-424A-BDA6-4029351017A6}"/>
+              </a:ext>
+            </a:extLst>
+          </p:cNvPr>
+          <p:cNvSpPr>
+            <a:spLocks noGrp="1"/>
+          </p:cNvSpPr>
+          <p:nvPr>
+            <p:ph type="title"/>
+          </p:nvPr>
+        </p:nvSpPr>
+        <p:spPr>
+          <a:xfrm>
+            <a:off x="806195" y="804672"/>
+            <a:ext cx="3521359" cy="5248656"/>
+          </a:xfrm>
+        </p:spPr>
+        <p:txBody>
+          <a:bodyPr anchor="ctr">
+            <a:normAutofit/>
+          </a:bodyPr>
+          <a:lstStyle/>
+          <a:p>
+            <a:pPr algn="ctr"/>
+            <a:r>
+              <a:rPr lang="en-US" dirty="0"/>
+              <a:t>Data Cleaning and Preparation</a:t>
+            </a:r>
+          </a:p>
+        </p:txBody>
+      </p:sp>
+      <p:cxnSp>
+        <p:nvCxnSpPr>
+          <p:cNvPr id="50" name="Straight Connector 49">
+            <a:extLst>
+              <a:ext uri="{FF2B5EF4-FFF2-40B4-BE49-F238E27FC236}">
+                <a16:creationId xmlns:a16="http://schemas.microsoft.com/office/drawing/2014/main" id="{6B9695BD-ECF6-49CA-8877-8C493193C65D}"/>
+              </a:ext>
+              <a:ext uri="{C183D7F6-B498-43B3-948B-1728B52AA6E4}">
+                <adec:decorative xmlns:adec="http://schemas.microsoft.com/office/drawing/2017/decorative" val="1"/>
+              </a:ext>
+            </a:extLst>
+          </p:cNvPr>
+          <p:cNvCxnSpPr>
+            <a:cxnSpLocks noGrp="1" noRot="1" noChangeAspect="1" noMove="1" noResize="1" noEditPoints="1" noAdjustHandles="1" noChangeArrowheads="1" noChangeShapeType="1"/>
+          </p:cNvCxnSpPr>
+          <p:nvPr>
+            <p:extLst>
+              <p:ext uri="{386F3935-93C4-4BCD-93E2-E3B085C9AB24}">
+                <p16:designElem xmlns:p16="http://schemas.microsoft.com/office/powerpoint/2015/main" val="1"/>
+              </p:ext>
+            </p:extLst>
+          </p:nvPr>
+        </p:nvCxnSpPr>
+        <p:spPr>
+          <a:xfrm>
+            <a:off x="4654295" y="1828800"/>
+            <a:ext cx="0" cy="3200400"/>
+          </a:xfrm>
+          <a:prstGeom prst="line">
+            <a:avLst/>
+          </a:prstGeom>
+          <a:ln w="19050">
+            <a:solidFill>
+              <a:schemeClr val="bg2">
+                <a:lumMod val="60000"/>
+                <a:lumOff val="40000"/>
+              </a:schemeClr>
+            </a:solidFill>
+          </a:ln>
+        </p:spPr>
+        <p:style>
+          <a:lnRef idx="1">
+            <a:schemeClr val="accent1"/>
+          </a:lnRef>
+          <a:fillRef idx="0">
+            <a:schemeClr val="accent1"/>
+          </a:fillRef>
+          <a:effectRef idx="0">
+            <a:schemeClr val="accent1"/>
+          </a:effectRef>
+          <a:fontRef idx="minor">
+            <a:schemeClr val="tx1"/>
+          </a:fontRef>
+        </p:style>
+      </p:cxnSp>
+      <p:sp>
+        <p:nvSpPr>
+          <p:cNvPr id="3" name="Content Placeholder 2">
+            <a:extLst>
+              <a:ext uri="{FF2B5EF4-FFF2-40B4-BE49-F238E27FC236}">
+                <a16:creationId xmlns:a16="http://schemas.microsoft.com/office/drawing/2014/main" id="{9106AF37-4FC5-4085-BE59-25BE5A28E7F3}"/>
+              </a:ext>
+            </a:extLst>
+          </p:cNvPr>
+          <p:cNvSpPr>
+            <a:spLocks noGrp="1"/>
+          </p:cNvSpPr>
+          <p:nvPr>
+            <p:ph idx="1"/>
+          </p:nvPr>
+        </p:nvSpPr>
+        <p:spPr>
+          <a:xfrm>
+            <a:off x="4975861" y="804671"/>
+            <a:ext cx="6399930" cy="5248657"/>
+          </a:xfrm>
+        </p:spPr>
+        <p:txBody>
+          <a:bodyPr anchor="ctr">
+            <a:normAutofit/>
+          </a:bodyPr>
+          <a:lstStyle/>
+          <a:p>
+            <a:pPr>
+              <a:buFont typeface="Wingdings" panose="05000000000000000000" pitchFamily="2" charset="2"/>
+              <a:buChar char="Ø"/>
+            </a:pPr>
+            <a:r>
+              <a:rPr lang="en-US" dirty="0">
+                <a:latin typeface="Calibri Light" panose="020F0302020204030204" pitchFamily="34" charset="0"/>
+                <a:cs typeface="Calibri Light" panose="020F0302020204030204" pitchFamily="34" charset="0"/>
+              </a:rPr>
+              <a:t>Out of the total 1986 files</a:t>
+            </a:r>
+          </a:p>
+          <a:p>
+            <a:pPr lvl="1">
+              <a:buFont typeface="Wingdings" panose="05000000000000000000" pitchFamily="2" charset="2"/>
+              <a:buChar char="Ø"/>
+            </a:pPr>
+            <a:r>
+              <a:rPr lang="en-US" dirty="0">
+                <a:latin typeface="Calibri Light" panose="020F0302020204030204" pitchFamily="34" charset="0"/>
+                <a:cs typeface="Calibri Light" panose="020F0302020204030204" pitchFamily="34" charset="0"/>
+              </a:rPr>
+              <a:t>the total records- 1400553869 (1.4 Billion)</a:t>
+            </a:r>
+          </a:p>
+          <a:p>
+            <a:pPr lvl="1">
+              <a:buFont typeface="Wingdings" panose="05000000000000000000" pitchFamily="2" charset="2"/>
+              <a:buChar char="Ø"/>
+            </a:pPr>
+            <a:r>
+              <a:rPr lang="en-US" dirty="0">
+                <a:latin typeface="Calibri Light" panose="020F0302020204030204" pitchFamily="34" charset="0"/>
+                <a:cs typeface="Calibri Light" panose="020F0302020204030204" pitchFamily="34" charset="0"/>
+              </a:rPr>
+              <a:t>no of duplicates -  202281 were found. (202K- 0.014 %)</a:t>
+            </a:r>
+          </a:p>
+          <a:p>
+            <a:pPr lvl="1">
+              <a:buFont typeface="Wingdings" panose="05000000000000000000" pitchFamily="2" charset="2"/>
+              <a:buChar char="Ø"/>
+            </a:pPr>
+            <a:r>
+              <a:rPr lang="en-US" dirty="0">
+                <a:latin typeface="Calibri Light" panose="020F0302020204030204" pitchFamily="34" charset="0"/>
+                <a:cs typeface="Calibri Light" panose="020F0302020204030204" pitchFamily="34" charset="0"/>
+              </a:rPr>
+              <a:t>647701 (647K- 0.04 %) Records found with same </a:t>
+            </a:r>
+            <a:r>
+              <a:rPr lang="en-US" dirty="0" err="1">
+                <a:latin typeface="Calibri Light" panose="020F0302020204030204" pitchFamily="34" charset="0"/>
+                <a:cs typeface="Calibri Light" panose="020F0302020204030204" pitchFamily="34" charset="0"/>
+              </a:rPr>
+              <a:t>EmailId</a:t>
+            </a:r>
+            <a:r>
+              <a:rPr lang="en-US" dirty="0">
+                <a:latin typeface="Calibri Light" panose="020F0302020204030204" pitchFamily="34" charset="0"/>
+                <a:cs typeface="Calibri Light" panose="020F0302020204030204" pitchFamily="34" charset="0"/>
+              </a:rPr>
+              <a:t> and Passwords</a:t>
+            </a:r>
+          </a:p>
+          <a:p>
+            <a:pPr lvl="1">
+              <a:buFont typeface="Wingdings" panose="05000000000000000000" pitchFamily="2" charset="2"/>
+              <a:buChar char="Ø"/>
+            </a:pPr>
+            <a:r>
+              <a:rPr lang="en-US" dirty="0">
+                <a:latin typeface="Calibri Light" panose="020F0302020204030204" pitchFamily="34" charset="0"/>
+                <a:cs typeface="Calibri Light" panose="020F0302020204030204" pitchFamily="34" charset="0"/>
+              </a:rPr>
+              <a:t>105 Files were found with Invalid data with all NULL chars inside text files – total Size- 1.93 GB (4.8 %) (Out of Scope for Analysis)</a:t>
+            </a:r>
+          </a:p>
+          <a:p>
+            <a:pPr lvl="1">
+              <a:buFont typeface="Wingdings" panose="05000000000000000000" pitchFamily="2" charset="2"/>
+              <a:buChar char="Ø"/>
+            </a:pPr>
+            <a:r>
+              <a:rPr lang="en-US" dirty="0">
+                <a:latin typeface="Calibri Light" panose="020F0302020204030204" pitchFamily="34" charset="0"/>
+                <a:cs typeface="Calibri Light" panose="020F0302020204030204" pitchFamily="34" charset="0"/>
+              </a:rPr>
+              <a:t>2546790 (0.18 %) Records found with No passwords (Out of Scope for Analysis)</a:t>
+            </a:r>
+          </a:p>
+          <a:p>
+            <a:pPr lvl="1">
+              <a:buFont typeface="Wingdings" panose="05000000000000000000" pitchFamily="2" charset="2"/>
+              <a:buChar char="Ø"/>
+            </a:pPr>
+            <a:r>
+              <a:rPr lang="en-US" dirty="0">
+                <a:latin typeface="Calibri Light" panose="020F0302020204030204" pitchFamily="34" charset="0"/>
+                <a:cs typeface="Calibri Light" panose="020F0302020204030204" pitchFamily="34" charset="0"/>
+              </a:rPr>
+              <a:t>40140152 (2.86 %) Records found with less than 6 chars. (Out of Scope for Analysis)</a:t>
+            </a:r>
+          </a:p>
+        </p:txBody>
+      </p:sp>
+      <p:pic>
+        <p:nvPicPr>
+          <p:cNvPr id="52" name="Picture 51">
+            <a:extLst>
+              <a:ext uri="{FF2B5EF4-FFF2-40B4-BE49-F238E27FC236}">
+                <a16:creationId xmlns:a16="http://schemas.microsoft.com/office/drawing/2014/main" id="{3BC6EBB2-9BDC-4075-BA6B-43A9FBF9C86C}"/>
+              </a:ext>
+              <a:ext uri="{C183D7F6-B498-43B3-948B-1728B52AA6E4}">
+                <adec:decorative xmlns:adec="http://schemas.microsoft.com/office/drawing/2017/decorative" val="1"/>
+              </a:ext>
+            </a:extLst>
+          </p:cNvPr>
+          <p:cNvPicPr>
+            <a:picLocks noGrp="1" noRot="1" noChangeAspect="1" noMove="1" noResize="1" noEditPoints="1" noAdjustHandles="1" noChangeArrowheads="1" noChangeShapeType="1" noCrop="1"/>
+          </p:cNvPicPr>
+          <p:nvPr>
+            <p:extLst>
+              <p:ext uri="{386F3935-93C4-4BCD-93E2-E3B085C9AB24}">
+                <p16:designElem xmlns:p16="http://schemas.microsoft.com/office/powerpoint/2015/main" val="1"/>
+              </p:ext>
+            </p:extLst>
+          </p:nvPr>
+        </p:nvPicPr>
+        <p:blipFill rotWithShape="1">
+          <a:blip r:embed="rId3">
+            <a:extLst>
+              <a:ext uri="{28A0092B-C50C-407E-A947-70E740481C1C}">
+                <a14:useLocalDpi xmlns:a14="http://schemas.microsoft.com/office/drawing/2010/main" val="0"/>
+              </a:ext>
+            </a:extLst>
+          </a:blip>
+          <a:srcRect b="23320"/>
+          <a:stretch/>
+        </p:blipFill>
+        <p:spPr>
+          <a:xfrm>
+            <a:off x="8605878" y="6228080"/>
+            <a:ext cx="993734" cy="762000"/>
+          </a:xfrm>
+          <a:prstGeom prst="rect">
+            <a:avLst/>
+          </a:prstGeom>
+        </p:spPr>
+      </p:pic>
+      <p:sp>
+        <p:nvSpPr>
+          <p:cNvPr id="54" name="Freeform 5">
+            <a:extLst>
+              <a:ext uri="{FF2B5EF4-FFF2-40B4-BE49-F238E27FC236}">
+                <a16:creationId xmlns:a16="http://schemas.microsoft.com/office/drawing/2014/main" id="{F3798573-F27B-47EB-8EA4-7EE34954C2D6}"/>
+              </a:ext>
+              <a:ext uri="{C183D7F6-B498-43B3-948B-1728B52AA6E4}">
+                <adec:decorative xmlns:adec="http://schemas.microsoft.com/office/drawing/2017/decorative" val="1"/>
+              </a:ext>
+            </a:extLst>
+          </p:cNvPr>
+          <p:cNvSpPr>
+            <a:spLocks noGrp="1" noRot="1" noChangeAspect="1" noMove="1" noResize="1" noEditPoints="1" noAdjustHandles="1" noChangeArrowheads="1" noChangeShapeType="1" noTextEdit="1"/>
+          </p:cNvSpPr>
+          <p:nvPr>
+            <p:extLst>
+              <p:ext uri="{386F3935-93C4-4BCD-93E2-E3B085C9AB24}">
+                <p16:designElem xmlns:p16="http://schemas.microsoft.com/office/powerpoint/2015/main" val="1"/>
+              </p:ext>
+            </p:extLst>
+          </p:nvPr>
+        </p:nvSpPr>
+        <p:spPr bwMode="gray">
+          <a:xfrm>
+            <a:off x="-1588" y="0"/>
+            <a:ext cx="12192000" cy="6856413"/>
+          </a:xfrm>
+          <a:custGeom>
+            <a:avLst/>
+            <a:gdLst/>
+            <a:ahLst/>
+            <a:cxnLst/>
+            <a:rect l="0" t="0" r="r" b="b"/>
+            <a:pathLst>
+              <a:path w="15356" h="8638">
+                <a:moveTo>
+                  <a:pt x="0" y="0"/>
+                </a:moveTo>
+                <a:lnTo>
+                  <a:pt x="0" y="8638"/>
+                </a:lnTo>
+                <a:lnTo>
+                  <a:pt x="15356" y="8638"/>
+                </a:lnTo>
+                <a:lnTo>
+                  <a:pt x="15356" y="0"/>
+                </a:lnTo>
+                <a:lnTo>
+                  <a:pt x="0" y="0"/>
+                </a:lnTo>
+                <a:close/>
+                <a:moveTo>
+                  <a:pt x="14748" y="8038"/>
+                </a:moveTo>
+                <a:lnTo>
+                  <a:pt x="600" y="8038"/>
+                </a:lnTo>
+                <a:lnTo>
+                  <a:pt x="600" y="592"/>
+                </a:lnTo>
+                <a:lnTo>
+                  <a:pt x="14748" y="592"/>
+                </a:lnTo>
+                <a:lnTo>
+                  <a:pt x="14748" y="8038"/>
+                </a:lnTo>
+                <a:close/>
+              </a:path>
+            </a:pathLst>
+          </a:custGeom>
+          <a:solidFill>
+            <a:schemeClr val="tx1"/>
+          </a:solidFill>
+          <a:ln>
+            <a:noFill/>
+          </a:ln>
+        </p:spPr>
+      </p:sp>
+    </p:spTree>
+    <p:extLst>
+      <p:ext uri="{BB962C8B-B14F-4D97-AF65-F5344CB8AC3E}">
+        <p14:creationId xmlns:p14="http://schemas.microsoft.com/office/powerpoint/2010/main" val="469454933"/>
+      </p:ext>
+    </p:extLst>
+  </p:cSld>
+  <p:clrMapOvr>
+    <a:masterClrMapping/>
+  </p:clrMapOvr>
+</p:sld>
+</file>
+
+<file path=ppt/slides/slide5.xml><?xml version="1.0" encoding="utf-8"?>
+<p:sld xmlns:a="http://schemas.openxmlformats.org/drawingml/2006/main" xmlns:r="http://schemas.openxmlformats.org/officeDocument/2006/relationships" xmlns:p="http://schemas.openxmlformats.org/presentationml/2006/main">
+  <p:cSld>
+    <p:bg>
+      <p:bgPr>
+        <a:blipFill rotWithShape="1">
+          <a:blip r:embed="rId2">
+            <a:duotone>
+              <a:schemeClr val="bg2">
+                <a:shade val="69000"/>
+                <a:hueMod val="108000"/>
+                <a:satMod val="164000"/>
+                <a:lumMod val="74000"/>
+              </a:schemeClr>
+              <a:schemeClr val="bg2">
+                <a:tint val="96000"/>
+                <a:hueMod val="88000"/>
+                <a:satMod val="140000"/>
+                <a:lumMod val="132000"/>
+              </a:schemeClr>
+            </a:duotone>
+            <a:extLst/>
+          </a:blip>
+          <a:stretch/>
+        </a:blipFill>
+        <a:effectLst/>
+      </p:bgPr>
+    </p:bg>
+    <p:spTree>
+      <p:nvGrpSpPr>
+        <p:cNvPr id="1" name=""/>
+        <p:cNvGrpSpPr/>
+        <p:nvPr/>
+      </p:nvGrpSpPr>
+      <p:grpSpPr>
+        <a:xfrm>
+          <a:off x="0" y="0"/>
+          <a:ext cx="0" cy="0"/>
+          <a:chOff x="0" y="0"/>
+          <a:chExt cx="0" cy="0"/>
+        </a:xfrm>
+      </p:grpSpPr>
+      <p:sp>
+        <p:nvSpPr>
+          <p:cNvPr id="29" name="Rectangle 28">
+            <a:extLst>
+              <a:ext uri="{FF2B5EF4-FFF2-40B4-BE49-F238E27FC236}">
+                <a16:creationId xmlns:a16="http://schemas.microsoft.com/office/drawing/2014/main" id="{923E8915-D2AA-4327-A45A-972C3CA9574B}"/>
+              </a:ext>
+              <a:ext uri="{C183D7F6-B498-43B3-948B-1728B52AA6E4}">
+                <adec:decorative xmlns:adec="http://schemas.microsoft.com/office/drawing/2017/decorative" val="1"/>
+              </a:ext>
+            </a:extLst>
+          </p:cNvPr>
+          <p:cNvSpPr>
+            <a:spLocks noGrp="1" noRot="1" noChangeAspect="1" noMove="1" noResize="1" noEditPoints="1" noAdjustHandles="1" noChangeArrowheads="1" noChangeShapeType="1" noTextEdit="1"/>
+          </p:cNvSpPr>
+          <p:nvPr>
+            <p:extLst>
+              <p:ext uri="{386F3935-93C4-4BCD-93E2-E3B085C9AB24}">
+                <p16:designElem xmlns:p16="http://schemas.microsoft.com/office/powerpoint/2015/main" val="1"/>
+              </p:ext>
+            </p:extLst>
+          </p:nvPr>
+        </p:nvSpPr>
+        <p:spPr>
+          <a:xfrm>
+            <a:off x="0" y="0"/>
+            <a:ext cx="12192000" cy="6858000"/>
+          </a:xfrm>
+          <a:prstGeom prst="rect">
+            <a:avLst/>
+          </a:prstGeom>
+          <a:solidFill>
+            <a:schemeClr val="tx1"/>
+          </a:solidFill>
+          <a:ln>
+            <a:noFill/>
+          </a:ln>
+        </p:spPr>
+        <p:style>
+          <a:lnRef idx="2">
+            <a:schemeClr val="accent1">
+              <a:shade val="50000"/>
+            </a:schemeClr>
+          </a:lnRef>
+          <a:fillRef idx="1">
+            <a:schemeClr val="accent1"/>
+          </a:fillRef>
+          <a:effectRef idx="0">
+            <a:schemeClr val="accent1"/>
+          </a:effectRef>
+          <a:fontRef idx="minor">
+            <a:schemeClr val="lt1"/>
+          </a:fontRef>
+        </p:style>
+        <p:txBody>
+          <a:bodyPr rtlCol="0" anchor="ctr"/>
+          <a:lstStyle/>
+          <a:p>
+            <a:pPr algn="ctr"/>
+            <a:endParaRPr lang="en-US"/>
+          </a:p>
+        </p:txBody>
+      </p:sp>
+      <p:sp useBgFill="1">
+        <p:nvSpPr>
+          <p:cNvPr id="31" name="Rectangle 30">
+            <a:extLst>
+              <a:ext uri="{FF2B5EF4-FFF2-40B4-BE49-F238E27FC236}">
+                <a16:creationId xmlns:a16="http://schemas.microsoft.com/office/drawing/2014/main" id="{8302FC3C-9804-4950-B721-5FD704BA6065}"/>
+              </a:ext>
+              <a:ext uri="{C183D7F6-B498-43B3-948B-1728B52AA6E4}">
+                <adec:decorative xmlns:adec="http://schemas.microsoft.com/office/drawing/2017/decorative" val="1"/>
+              </a:ext>
+            </a:extLst>
+          </p:cNvPr>
+          <p:cNvSpPr>
+            <a:spLocks noGrp="1" noRot="1" noChangeAspect="1" noMove="1" noResize="1" noEditPoints="1" noAdjustHandles="1" noChangeArrowheads="1" noChangeShapeType="1" noTextEdit="1"/>
+          </p:cNvSpPr>
+          <p:nvPr>
+            <p:extLst>
+              <p:ext uri="{386F3935-93C4-4BCD-93E2-E3B085C9AB24}">
+                <p16:designElem xmlns:p16="http://schemas.microsoft.com/office/powerpoint/2015/main" val="1"/>
+              </p:ext>
+            </p:extLst>
+          </p:nvPr>
+        </p:nvSpPr>
+        <p:spPr bwMode="ltGray">
+          <a:xfrm>
+            <a:off x="0" y="0"/>
+            <a:ext cx="12188952" cy="6858000"/>
+          </a:xfrm>
+          <a:prstGeom prst="rect">
+            <a:avLst/>
+          </a:prstGeom>
+          <a:ln w="127000" cap="sq" cmpd="thinThick">
+            <a:noFill/>
+          </a:ln>
+        </p:spPr>
+        <p:style>
+          <a:lnRef idx="2">
+            <a:schemeClr val="accent1">
+              <a:shade val="50000"/>
+            </a:schemeClr>
+          </a:lnRef>
+          <a:fillRef idx="1">
+            <a:schemeClr val="accent1"/>
+          </a:fillRef>
+          <a:effectRef idx="0">
+            <a:schemeClr val="accent1"/>
+          </a:effectRef>
+          <a:fontRef idx="minor">
+            <a:schemeClr val="lt1"/>
+          </a:fontRef>
+        </p:style>
+        <p:txBody>
+          <a:bodyPr rtlCol="0" anchor="ctr"/>
+          <a:lstStyle/>
+          <a:p>
+            <a:pPr algn="ctr"/>
+            <a:endParaRPr lang="en-US"/>
+          </a:p>
+        </p:txBody>
+      </p:sp>
       <p:sp>
         <p:nvSpPr>
           <p:cNvPr id="2" name="Title 1">
@@ -7539,43 +9675,39 @@
         </p:nvSpPr>
         <p:spPr>
           <a:xfrm>
-            <a:off x="653143" y="1645920"/>
-            <a:ext cx="3522879" cy="4470821"/>
+            <a:off x="806195" y="804672"/>
+            <a:ext cx="3521359" cy="5248656"/>
           </a:xfrm>
         </p:spPr>
         <p:txBody>
-          <a:bodyPr>
+          <a:bodyPr anchor="ctr">
             <a:normAutofit/>
           </a:bodyPr>
           <a:lstStyle/>
           <a:p>
-            <a:pPr algn="r"/>
-            <a:r>
-              <a:rPr lang="en-US" dirty="0">
-                <a:solidFill>
-                  <a:schemeClr val="tx1"/>
-                </a:solidFill>
-              </a:rPr>
+            <a:pPr algn="ctr"/>
+            <a:r>
+              <a:rPr lang="en-US"/>
               <a:t>Data Wrangling</a:t>
             </a:r>
           </a:p>
         </p:txBody>
       </p:sp>
-      <p:sp>
-        <p:nvSpPr>
-          <p:cNvPr id="23" name="Rectangle 9">
+      <p:cxnSp>
+        <p:nvCxnSpPr>
+          <p:cNvPr id="33" name="Straight Connector 32">
             <a:extLst>
               <a:ext uri="{FF2B5EF4-FFF2-40B4-BE49-F238E27FC236}">
-                <a16:creationId xmlns:a16="http://schemas.microsoft.com/office/drawing/2014/main" id="{9CF4C9D6-90BC-48A0-91E8-0F0373CA11B5}"/>
+                <a16:creationId xmlns:a16="http://schemas.microsoft.com/office/drawing/2014/main" id="{6B9695BD-ECF6-49CA-8877-8C493193C65D}"/>
               </a:ext>
               <a:ext uri="{C183D7F6-B498-43B3-948B-1728B52AA6E4}">
                 <adec:decorative xmlns:adec="http://schemas.microsoft.com/office/drawing/2017/decorative" val="1"/>
               </a:ext>
             </a:extLst>
           </p:cNvPr>
-          <p:cNvSpPr>
-            <a:spLocks noGrp="1" noRot="1" noChangeAspect="1" noMove="1" noResize="1" noEditPoints="1" noAdjustHandles="1" noChangeArrowheads="1" noChangeShapeType="1" noTextEdit="1"/>
-          </p:cNvSpPr>
+          <p:cNvCxnSpPr>
+            <a:cxnSpLocks noGrp="1" noRot="1" noChangeAspect="1" noMove="1" noResize="1" noEditPoints="1" noAdjustHandles="1" noChangeArrowheads="1" noChangeShapeType="1"/>
+          </p:cNvCxnSpPr>
           <p:nvPr>
             <p:extLst>
               <p:ext uri="{386F3935-93C4-4BCD-93E2-E3B085C9AB24}">
@@ -7583,37 +9715,39 @@
               </p:ext>
             </p:extLst>
           </p:nvPr>
-        </p:nvSpPr>
+        </p:nvCxnSpPr>
         <p:spPr>
           <a:xfrm>
-            <a:off x="10437812" y="0"/>
-            <a:ext cx="685800" cy="1143000"/>
+            <a:off x="4654295" y="1828800"/>
+            <a:ext cx="0" cy="3200400"/>
           </a:xfrm>
-          <a:prstGeom prst="rect">
+          <a:prstGeom prst="line">
             <a:avLst/>
           </a:prstGeom>
-          <a:solidFill>
-            <a:schemeClr val="accent1"/>
-          </a:solidFill>
-          <a:ln>
-            <a:noFill/>
+          <a:ln w="19050">
+            <a:solidFill>
+              <a:schemeClr val="bg2">
+                <a:lumMod val="60000"/>
+                <a:lumOff val="40000"/>
+              </a:schemeClr>
+            </a:solidFill>
           </a:ln>
         </p:spPr>
         <p:style>
           <a:lnRef idx="1">
             <a:schemeClr val="accent1"/>
           </a:lnRef>
-          <a:fillRef idx="3">
+          <a:fillRef idx="0">
             <a:schemeClr val="accent1"/>
           </a:fillRef>
-          <a:effectRef idx="2">
+          <a:effectRef idx="0">
             <a:schemeClr val="accent1"/>
           </a:effectRef>
           <a:fontRef idx="minor">
-            <a:schemeClr val="lt1"/>
+            <a:schemeClr val="tx1"/>
           </a:fontRef>
         </p:style>
-      </p:sp>
+      </p:cxnSp>
       <p:sp>
         <p:nvSpPr>
           <p:cNvPr id="24" name="Content Placeholder 2">
@@ -7632,16 +9766,20 @@
         </p:nvSpPr>
         <p:spPr>
           <a:xfrm>
-            <a:off x="4829164" y="1645920"/>
-            <a:ext cx="6294448" cy="4470821"/>
+            <a:off x="4975861" y="804671"/>
+            <a:ext cx="6399930" cy="5248657"/>
           </a:xfrm>
         </p:spPr>
         <p:txBody>
-          <a:bodyPr>
+          <a:bodyPr anchor="ctr">
             <a:normAutofit/>
           </a:bodyPr>
           <a:lstStyle/>
           <a:p>
+            <a:pPr>
+              <a:buFont typeface="Wingdings" panose="05000000000000000000" pitchFamily="2" charset="2"/>
+              <a:buChar char="Ø"/>
+            </a:pPr>
             <a:r>
               <a:rPr lang="en-US" dirty="0">
                 <a:latin typeface="Calibri Light" panose="020F0302020204030204" pitchFamily="34" charset="0"/>
@@ -7665,6 +9803,10 @@
             </a:r>
           </a:p>
           <a:p>
+            <a:pPr>
+              <a:buFont typeface="Wingdings" panose="05000000000000000000" pitchFamily="2" charset="2"/>
+              <a:buChar char="Ø"/>
+            </a:pPr>
             <a:r>
               <a:rPr lang="en-US" dirty="0">
                 <a:latin typeface="Calibri Light" panose="020F0302020204030204" pitchFamily="34" charset="0"/>
@@ -7688,6 +9830,10 @@
             </a:r>
           </a:p>
           <a:p>
+            <a:pPr>
+              <a:buFont typeface="Wingdings" panose="05000000000000000000" pitchFamily="2" charset="2"/>
+              <a:buChar char="Ø"/>
+            </a:pPr>
             <a:r>
               <a:rPr lang="en-US" dirty="0" err="1">
                 <a:latin typeface="Calibri Light" panose="020F0302020204030204" pitchFamily="34" charset="0"/>
@@ -7700,10 +9846,133 @@
                 <a:latin typeface="Calibri Light" panose="020F0302020204030204" pitchFamily="34" charset="0"/>
                 <a:cs typeface="Calibri Light" panose="020F0302020204030204" pitchFamily="34" charset="0"/>
               </a:rPr>
-              <a:t> library was used to parse Email domain into domain, subdomain, suffix fields.</a:t>
-            </a:r>
-          </a:p>
-        </p:txBody>
+              <a:t> library was used to parse Email domain into domain, subdomain, suffix fields. This can be further categorized into regions/other criteria based on Top Level Domains.</a:t>
+            </a:r>
+          </a:p>
+        </p:txBody>
+      </p:sp>
+      <p:pic>
+        <p:nvPicPr>
+          <p:cNvPr id="35" name="Picture 34">
+            <a:extLst>
+              <a:ext uri="{FF2B5EF4-FFF2-40B4-BE49-F238E27FC236}">
+                <a16:creationId xmlns:a16="http://schemas.microsoft.com/office/drawing/2014/main" id="{3BC6EBB2-9BDC-4075-BA6B-43A9FBF9C86C}"/>
+              </a:ext>
+              <a:ext uri="{C183D7F6-B498-43B3-948B-1728B52AA6E4}">
+                <adec:decorative xmlns:adec="http://schemas.microsoft.com/office/drawing/2017/decorative" val="1"/>
+              </a:ext>
+            </a:extLst>
+          </p:cNvPr>
+          <p:cNvPicPr>
+            <a:picLocks noGrp="1" noRot="1" noChangeAspect="1" noMove="1" noResize="1" noEditPoints="1" noAdjustHandles="1" noChangeArrowheads="1" noChangeShapeType="1" noCrop="1"/>
+          </p:cNvPicPr>
+          <p:nvPr>
+            <p:extLst>
+              <p:ext uri="{386F3935-93C4-4BCD-93E2-E3B085C9AB24}">
+                <p16:designElem xmlns:p16="http://schemas.microsoft.com/office/powerpoint/2015/main" val="1"/>
+              </p:ext>
+            </p:extLst>
+          </p:nvPr>
+        </p:nvPicPr>
+        <p:blipFill rotWithShape="1">
+          <a:blip r:embed="rId3">
+            <a:extLst>
+              <a:ext uri="{28A0092B-C50C-407E-A947-70E740481C1C}">
+                <a14:useLocalDpi xmlns:a14="http://schemas.microsoft.com/office/drawing/2010/main" val="0"/>
+              </a:ext>
+            </a:extLst>
+          </a:blip>
+          <a:srcRect b="23320"/>
+          <a:stretch/>
+        </p:blipFill>
+        <p:spPr>
+          <a:xfrm>
+            <a:off x="8605878" y="6228080"/>
+            <a:ext cx="993734" cy="762000"/>
+          </a:xfrm>
+          <a:prstGeom prst="rect">
+            <a:avLst/>
+          </a:prstGeom>
+        </p:spPr>
+      </p:pic>
+      <p:sp>
+        <p:nvSpPr>
+          <p:cNvPr id="37" name="Freeform 5">
+            <a:extLst>
+              <a:ext uri="{FF2B5EF4-FFF2-40B4-BE49-F238E27FC236}">
+                <a16:creationId xmlns:a16="http://schemas.microsoft.com/office/drawing/2014/main" id="{F3798573-F27B-47EB-8EA4-7EE34954C2D6}"/>
+              </a:ext>
+              <a:ext uri="{C183D7F6-B498-43B3-948B-1728B52AA6E4}">
+                <adec:decorative xmlns:adec="http://schemas.microsoft.com/office/drawing/2017/decorative" val="1"/>
+              </a:ext>
+            </a:extLst>
+          </p:cNvPr>
+          <p:cNvSpPr>
+            <a:spLocks noGrp="1" noRot="1" noChangeAspect="1" noMove="1" noResize="1" noEditPoints="1" noAdjustHandles="1" noChangeArrowheads="1" noChangeShapeType="1" noTextEdit="1"/>
+          </p:cNvSpPr>
+          <p:nvPr>
+            <p:extLst>
+              <p:ext uri="{386F3935-93C4-4BCD-93E2-E3B085C9AB24}">
+                <p16:designElem xmlns:p16="http://schemas.microsoft.com/office/powerpoint/2015/main" val="1"/>
+              </p:ext>
+            </p:extLst>
+          </p:nvPr>
+        </p:nvSpPr>
+        <p:spPr bwMode="gray">
+          <a:xfrm>
+            <a:off x="-1588" y="0"/>
+            <a:ext cx="12192000" cy="6856413"/>
+          </a:xfrm>
+          <a:custGeom>
+            <a:avLst/>
+            <a:gdLst/>
+            <a:ahLst/>
+            <a:cxnLst/>
+            <a:rect l="0" t="0" r="r" b="b"/>
+            <a:pathLst>
+              <a:path w="15356" h="8638">
+                <a:moveTo>
+                  <a:pt x="0" y="0"/>
+                </a:moveTo>
+                <a:lnTo>
+                  <a:pt x="0" y="8638"/>
+                </a:lnTo>
+                <a:lnTo>
+                  <a:pt x="15356" y="8638"/>
+                </a:lnTo>
+                <a:lnTo>
+                  <a:pt x="15356" y="0"/>
+                </a:lnTo>
+                <a:lnTo>
+                  <a:pt x="0" y="0"/>
+                </a:lnTo>
+                <a:close/>
+                <a:moveTo>
+                  <a:pt x="14748" y="8038"/>
+                </a:moveTo>
+                <a:lnTo>
+                  <a:pt x="600" y="8038"/>
+                </a:lnTo>
+                <a:lnTo>
+                  <a:pt x="600" y="592"/>
+                </a:lnTo>
+                <a:lnTo>
+                  <a:pt x="14748" y="592"/>
+                </a:lnTo>
+                <a:lnTo>
+                  <a:pt x="14748" y="8038"/>
+                </a:lnTo>
+                <a:close/>
+              </a:path>
+            </a:pathLst>
+          </a:custGeom>
+          <a:solidFill>
+            <a:schemeClr val="tx1"/>
+          </a:solidFill>
+          <a:ln>
+            <a:noFill/>
+          </a:ln>
+        </p:spPr>
       </p:sp>
     </p:spTree>
     <p:extLst>
@@ -7718,7 +9987,7 @@
 </p:sld>
 </file>
 
-<file path=ppt/slides/slide5.xml><?xml version="1.0" encoding="utf-8"?>
+<file path=ppt/slides/slide6.xml><?xml version="1.0" encoding="utf-8"?>
 <p:sld xmlns:a="http://schemas.openxmlformats.org/drawingml/2006/main" xmlns:r="http://schemas.openxmlformats.org/officeDocument/2006/relationships" xmlns:p="http://schemas.openxmlformats.org/presentationml/2006/main">
   <p:cSld>
     <p:spTree>
@@ -7752,7 +10021,7 @@
         <p:spPr>
           <a:xfrm>
             <a:off x="733197" y="227266"/>
-            <a:ext cx="9404723" cy="1400530"/>
+            <a:ext cx="9404723" cy="799101"/>
           </a:xfrm>
           <a:prstGeom prst="rect">
             <a:avLst/>
@@ -7836,7 +10105,14 @@
           </a:lstStyle>
           <a:p>
             <a:r>
-              <a:rPr lang="en-US" dirty="0"/>
+              <a:rPr lang="en-US" dirty="0">
+                <a:solidFill>
+                  <a:schemeClr val="bg2">
+                    <a:lumMod val="40000"/>
+                    <a:lumOff val="60000"/>
+                  </a:schemeClr>
+                </a:solidFill>
+              </a:rPr>
               <a:t>Data Visualization</a:t>
             </a:r>
           </a:p>
@@ -7992,13 +10268,13 @@
         </p:nvSpPr>
         <p:spPr>
           <a:xfrm>
-            <a:off x="279920" y="5622559"/>
-            <a:ext cx="5505060" cy="419350"/>
+            <a:off x="279920" y="5622558"/>
+            <a:ext cx="5505060" cy="619621"/>
           </a:xfrm>
         </p:spPr>
         <p:txBody>
           <a:bodyPr>
-            <a:normAutofit/>
+            <a:normAutofit fontScale="32500" lnSpcReduction="20000"/>
           </a:bodyPr>
           <a:lstStyle/>
           <a:p>
@@ -8006,12 +10282,39 @@
               <a:buNone/>
             </a:pPr>
             <a:r>
-              <a:rPr lang="en-US" sz="1600" dirty="0">
+              <a:rPr lang="en-US" sz="3700" dirty="0">
                 <a:latin typeface="Calibri Light" panose="020F0302020204030204" pitchFamily="34" charset="0"/>
                 <a:cs typeface="Calibri Light" panose="020F0302020204030204" pitchFamily="34" charset="0"/>
               </a:rPr>
               <a:t>Top 15 Email domains as compared to the total datasets.</a:t>
             </a:r>
+          </a:p>
+          <a:p>
+            <a:pPr marL="0" indent="0">
+              <a:buNone/>
+            </a:pPr>
+            <a:r>
+              <a:rPr lang="en-US" sz="3700" dirty="0">
+                <a:solidFill>
+                  <a:schemeClr val="accent2">
+                    <a:lumMod val="40000"/>
+                    <a:lumOff val="60000"/>
+                  </a:schemeClr>
+                </a:solidFill>
+                <a:latin typeface="Calibri Light" panose="020F0302020204030204" pitchFamily="34" charset="0"/>
+                <a:cs typeface="Calibri Light" panose="020F0302020204030204" pitchFamily="34" charset="0"/>
+              </a:rPr>
+              <a:t>Yahoo and related Email domains occupy more than 25% of the dataset</a:t>
+            </a:r>
+          </a:p>
+          <a:p>
+            <a:pPr marL="0" indent="0">
+              <a:buNone/>
+            </a:pPr>
+            <a:endParaRPr lang="en-US" sz="1600" dirty="0">
+              <a:latin typeface="Calibri Light" panose="020F0302020204030204" pitchFamily="34" charset="0"/>
+              <a:cs typeface="Calibri Light" panose="020F0302020204030204" pitchFamily="34" charset="0"/>
+            </a:endParaRPr>
           </a:p>
         </p:txBody>
       </p:sp>
@@ -8070,8 +10373,8 @@
         </p:nvSpPr>
         <p:spPr>
           <a:xfrm>
-            <a:off x="5999584" y="5495731"/>
-            <a:ext cx="5756987" cy="546178"/>
+            <a:off x="5934270" y="5558446"/>
+            <a:ext cx="5918718" cy="546178"/>
           </a:xfrm>
           <a:prstGeom prst="rect">
             <a:avLst/>
@@ -8079,7 +10382,7 @@
         </p:spPr>
         <p:txBody>
           <a:bodyPr vert="horz" lIns="91440" tIns="45720" rIns="91440" bIns="45720" rtlCol="0">
-            <a:normAutofit fontScale="77500" lnSpcReduction="20000"/>
+            <a:normAutofit fontScale="70000" lnSpcReduction="20000"/>
           </a:bodyPr>
           <a:lstStyle>
             <a:lvl1pPr marL="342900" indent="-342900" algn="l" defTabSz="457200" rtl="0" eaLnBrk="1" latinLnBrk="0" hangingPunct="1">
@@ -8328,10 +10631,16 @@
             </a:pPr>
             <a:r>
               <a:rPr lang="en-US" sz="1600" dirty="0">
+                <a:solidFill>
+                  <a:schemeClr val="accent2">
+                    <a:lumMod val="40000"/>
+                    <a:lumOff val="60000"/>
+                  </a:schemeClr>
+                </a:solidFill>
                 <a:latin typeface="Calibri Light" panose="020F0302020204030204" pitchFamily="34" charset="0"/>
                 <a:cs typeface="Calibri Light" panose="020F0302020204030204" pitchFamily="34" charset="0"/>
               </a:rPr>
-              <a:t>Majority of Passwords falling in 6 to 16 char length</a:t>
+              <a:t>Majority of Passwords falling in between 6 to 16 char length with 8 char as being the highest no</a:t>
             </a:r>
           </a:p>
         </p:txBody>
@@ -8349,7 +10658,7 @@
 </p:sld>
 </file>
 
-<file path=ppt/slides/slide6.xml><?xml version="1.0" encoding="utf-8"?>
+<file path=ppt/slides/slide7.xml><?xml version="1.0" encoding="utf-8"?>
 <p:sld xmlns:a="http://schemas.openxmlformats.org/drawingml/2006/main" xmlns:r="http://schemas.openxmlformats.org/officeDocument/2006/relationships" xmlns:p="http://schemas.openxmlformats.org/presentationml/2006/main">
   <p:cSld>
     <p:spTree>
@@ -8393,7 +10702,14 @@
           <a:lstStyle/>
           <a:p>
             <a:r>
-              <a:rPr lang="en-US" dirty="0"/>
+              <a:rPr lang="en-US" dirty="0">
+                <a:solidFill>
+                  <a:schemeClr val="bg2">
+                    <a:lumMod val="40000"/>
+                    <a:lumOff val="60000"/>
+                  </a:schemeClr>
+                </a:solidFill>
+              </a:rPr>
               <a:t>Data Visualization- continued…</a:t>
             </a:r>
           </a:p>
@@ -8460,10 +10776,16 @@
             </a:pPr>
             <a:r>
               <a:rPr lang="en-US" sz="1600" dirty="0">
+                <a:solidFill>
+                  <a:schemeClr val="accent2">
+                    <a:lumMod val="40000"/>
+                    <a:lumOff val="60000"/>
+                  </a:schemeClr>
+                </a:solidFill>
                 <a:latin typeface="Calibri Light" panose="020F0302020204030204" pitchFamily="34" charset="0"/>
                 <a:cs typeface="Calibri Light" panose="020F0302020204030204" pitchFamily="34" charset="0"/>
               </a:rPr>
-              <a:t>Presence of 200 domains from S&amp; P 500 companies</a:t>
+              <a:t>Presence of 200 domains from 20 sectors of S&amp; P 500 companies</a:t>
             </a:r>
           </a:p>
           <a:p>
@@ -8472,10 +10794,42 @@
             </a:pPr>
             <a:r>
               <a:rPr lang="en-US" sz="1600" dirty="0">
+                <a:solidFill>
+                  <a:schemeClr val="accent2">
+                    <a:lumMod val="40000"/>
+                    <a:lumOff val="60000"/>
+                  </a:schemeClr>
+                </a:solidFill>
                 <a:latin typeface="Calibri Light" panose="020F0302020204030204" pitchFamily="34" charset="0"/>
                 <a:cs typeface="Calibri Light" panose="020F0302020204030204" pitchFamily="34" charset="0"/>
               </a:rPr>
-              <a:t>With more than 40 Financial Sector companies</a:t>
+              <a:t>with more than 40 Financial Sector companies </a:t>
+            </a:r>
+            <a:r>
+              <a:rPr lang="en-US" sz="1600" dirty="0" err="1">
+                <a:solidFill>
+                  <a:schemeClr val="accent2">
+                    <a:lumMod val="40000"/>
+                    <a:lumOff val="60000"/>
+                  </a:schemeClr>
+                </a:solidFill>
+                <a:latin typeface="Calibri Light" panose="020F0302020204030204" pitchFamily="34" charset="0"/>
+                <a:cs typeface="Calibri Light" panose="020F0302020204030204" pitchFamily="34" charset="0"/>
+              </a:rPr>
+              <a:t>EmailDomains</a:t>
+            </a:r>
+            <a:r>
+              <a:rPr lang="en-US" sz="1600" dirty="0">
+                <a:solidFill>
+                  <a:schemeClr val="accent2">
+                    <a:lumMod val="40000"/>
+                    <a:lumOff val="60000"/>
+                  </a:schemeClr>
+                </a:solidFill>
+                <a:latin typeface="Calibri Light" panose="020F0302020204030204" pitchFamily="34" charset="0"/>
+                <a:cs typeface="Calibri Light" panose="020F0302020204030204" pitchFamily="34" charset="0"/>
+              </a:rPr>
+              <a:t> presence</a:t>
             </a:r>
           </a:p>
         </p:txBody>
@@ -8535,8 +10889,8 @@
         </p:nvSpPr>
         <p:spPr>
           <a:xfrm>
-            <a:off x="6206413" y="5938635"/>
-            <a:ext cx="5254690" cy="594712"/>
+            <a:off x="6323859" y="6019410"/>
+            <a:ext cx="5026446" cy="466647"/>
           </a:xfrm>
           <a:prstGeom prst="rect">
             <a:avLst/>
@@ -8779,7 +11133,13 @@
               <a:buNone/>
             </a:pPr>
             <a:r>
-              <a:rPr lang="en-US" sz="1600" dirty="0">
+              <a:rPr lang="en-US" sz="1400" dirty="0">
+                <a:solidFill>
+                  <a:schemeClr val="accent2">
+                    <a:lumMod val="40000"/>
+                    <a:lumOff val="60000"/>
+                  </a:schemeClr>
+                </a:solidFill>
                 <a:latin typeface="Calibri Light" panose="020F0302020204030204" pitchFamily="34" charset="0"/>
                 <a:cs typeface="Calibri Light" panose="020F0302020204030204" pitchFamily="34" charset="0"/>
               </a:rPr>
@@ -8801,7 +11161,7 @@
 </p:sld>
 </file>
 
-<file path=ppt/slides/slide7.xml><?xml version="1.0" encoding="utf-8"?>
+<file path=ppt/slides/slide8.xml><?xml version="1.0" encoding="utf-8"?>
 <p:sld xmlns:a="http://schemas.openxmlformats.org/drawingml/2006/main" xmlns:r="http://schemas.openxmlformats.org/officeDocument/2006/relationships" xmlns:p="http://schemas.openxmlformats.org/presentationml/2006/main">
   <p:cSld>
     <p:spTree>
@@ -8845,7 +11205,14 @@
           <a:lstStyle/>
           <a:p>
             <a:r>
-              <a:rPr lang="en-US" dirty="0"/>
+              <a:rPr lang="en-US" dirty="0">
+                <a:solidFill>
+                  <a:schemeClr val="bg2">
+                    <a:lumMod val="40000"/>
+                    <a:lumOff val="60000"/>
+                  </a:schemeClr>
+                </a:solidFill>
+              </a:rPr>
               <a:t>Logistic Regression</a:t>
             </a:r>
           </a:p>
@@ -8879,6 +11246,10 @@
           </a:bodyPr>
           <a:lstStyle/>
           <a:p>
+            <a:pPr>
+              <a:buFont typeface="Wingdings" panose="05000000000000000000" pitchFamily="2" charset="2"/>
+              <a:buChar char="Ø"/>
+            </a:pPr>
             <a:r>
               <a:rPr lang="en-US" sz="1600" dirty="0">
                 <a:latin typeface="Calibri Light" panose="020F0302020204030204" pitchFamily="34" charset="0"/>
@@ -8888,6 +11259,10 @@
             </a:r>
           </a:p>
           <a:p>
+            <a:pPr>
+              <a:buFont typeface="Wingdings" panose="05000000000000000000" pitchFamily="2" charset="2"/>
+              <a:buChar char="Ø"/>
+            </a:pPr>
             <a:r>
               <a:rPr lang="en-US" sz="1600" dirty="0">
                 <a:latin typeface="Calibri Light" panose="020F0302020204030204" pitchFamily="34" charset="0"/>
@@ -8897,32 +11272,68 @@
             </a:r>
           </a:p>
           <a:p>
+            <a:pPr>
+              <a:buFont typeface="Wingdings" panose="05000000000000000000" pitchFamily="2" charset="2"/>
+              <a:buChar char="Ø"/>
+            </a:pPr>
             <a:r>
               <a:rPr lang="en-US" sz="1600" dirty="0">
                 <a:latin typeface="Calibri Light" panose="020F0302020204030204" pitchFamily="34" charset="0"/>
                 <a:cs typeface="Calibri Light" panose="020F0302020204030204" pitchFamily="34" charset="0"/>
               </a:rPr>
-              <a:t>The logistic function were generated based on the variables present in the dataset.</a:t>
-            </a:r>
-          </a:p>
-          <a:p>
-            <a:pPr lvl="1"/>
+              <a:t>The logistic function was generated based on the statistically significant variables present in the dataset.</a:t>
+            </a:r>
+          </a:p>
+          <a:p>
+            <a:pPr lvl="1">
+              <a:buFont typeface="Wingdings" panose="05000000000000000000" pitchFamily="2" charset="2"/>
+              <a:buChar char="Ø"/>
+            </a:pPr>
+            <a:r>
+              <a:rPr lang="en-US" sz="1400" i="1" u="sng" dirty="0">
+                <a:solidFill>
+                  <a:schemeClr val="bg2">
+                    <a:lumMod val="60000"/>
+                    <a:lumOff val="40000"/>
+                  </a:schemeClr>
+                </a:solidFill>
+                <a:latin typeface="Calibri Light" panose="020F0302020204030204" pitchFamily="34" charset="0"/>
+                <a:cs typeface="Calibri Light" panose="020F0302020204030204" pitchFamily="34" charset="0"/>
+              </a:rPr>
+              <a:t>Punctuation and Cyrillic </a:t>
+            </a:r>
             <a:r>
               <a:rPr lang="en-US" sz="1400" dirty="0">
                 <a:latin typeface="Calibri Light" panose="020F0302020204030204" pitchFamily="34" charset="0"/>
                 <a:cs typeface="Calibri Light" panose="020F0302020204030204" pitchFamily="34" charset="0"/>
               </a:rPr>
-              <a:t>Punctuation and Cyrillic chars were found statistically insignificant.</a:t>
-            </a:r>
-          </a:p>
-          <a:p>
-            <a:pPr lvl="1"/>
+              <a:t>chars were found </a:t>
+            </a:r>
+            <a:r>
+              <a:rPr lang="en-US" sz="1400" dirty="0">
+                <a:solidFill>
+                  <a:schemeClr val="accent2">
+                    <a:lumMod val="60000"/>
+                    <a:lumOff val="40000"/>
+                  </a:schemeClr>
+                </a:solidFill>
+                <a:latin typeface="Calibri Light" panose="020F0302020204030204" pitchFamily="34" charset="0"/>
+                <a:cs typeface="Calibri Light" panose="020F0302020204030204" pitchFamily="34" charset="0"/>
+              </a:rPr>
+              <a:t>statistically insignificant.</a:t>
+            </a:r>
+          </a:p>
+          <a:p>
+            <a:pPr lvl="1">
+              <a:buFont typeface="Wingdings" panose="05000000000000000000" pitchFamily="2" charset="2"/>
+              <a:buChar char="Ø"/>
+            </a:pPr>
             <a:r>
               <a:rPr lang="en-US" sz="1400" dirty="0">
                 <a:latin typeface="Calibri Light" panose="020F0302020204030204" pitchFamily="34" charset="0"/>
                 <a:cs typeface="Calibri Light" panose="020F0302020204030204" pitchFamily="34" charset="0"/>
               </a:rPr>
-              <a:t>Model accuracy of 68% was achieved.</a:t>
+              <a:t>Model prediction accuracy of 68% was achieved.</a:t>
             </a:r>
           </a:p>
         </p:txBody>
@@ -8982,8 +11393,8 @@
         </p:nvSpPr>
         <p:spPr>
           <a:xfrm>
-            <a:off x="7378960" y="5669901"/>
-            <a:ext cx="5254690" cy="594712"/>
+            <a:off x="6535024" y="5770731"/>
+            <a:ext cx="5410728" cy="414679"/>
           </a:xfrm>
           <a:prstGeom prst="rect">
             <a:avLst/>
@@ -9225,11 +11636,29 @@
               <a:buNone/>
             </a:pPr>
             <a:r>
-              <a:rPr lang="en-US" sz="1600" dirty="0">
+              <a:rPr lang="en-US" sz="1400" dirty="0">
+                <a:solidFill>
+                  <a:schemeClr val="accent2">
+                    <a:lumMod val="40000"/>
+                    <a:lumOff val="60000"/>
+                  </a:schemeClr>
+                </a:solidFill>
                 <a:latin typeface="Calibri Light" panose="020F0302020204030204" pitchFamily="34" charset="0"/>
                 <a:cs typeface="Calibri Light" panose="020F0302020204030204" pitchFamily="34" charset="0"/>
               </a:rPr>
-              <a:t>ROC Curve - Diagnostic capability of the model as its threshold is varied</a:t>
+              <a:t>ROC Curve - </a:t>
+            </a:r>
+            <a:r>
+              <a:rPr lang="en-US" sz="1400" dirty="0">
+                <a:solidFill>
+                  <a:schemeClr val="tx1">
+                    <a:lumMod val="95000"/>
+                  </a:schemeClr>
+                </a:solidFill>
+                <a:latin typeface="Calibri Light" panose="020F0302020204030204" pitchFamily="34" charset="0"/>
+                <a:cs typeface="Calibri Light" panose="020F0302020204030204" pitchFamily="34" charset="0"/>
+              </a:rPr>
+              <a:t>Diagnostic capability of the model as its threshold is varied</a:t>
             </a:r>
           </a:p>
         </p:txBody>
@@ -9404,7 +11833,7 @@
 </p:sld>
 </file>
 
-<file path=ppt/slides/slide8.xml><?xml version="1.0" encoding="utf-8"?>
+<file path=ppt/slides/slide9.xml><?xml version="1.0" encoding="utf-8"?>
 <p:sld xmlns:a="http://schemas.openxmlformats.org/drawingml/2006/main" xmlns:r="http://schemas.openxmlformats.org/officeDocument/2006/relationships" xmlns:p="http://schemas.openxmlformats.org/presentationml/2006/main">
   <p:cSld>
     <p:spTree>
@@ -9426,7 +11855,7 @@
           <p:cNvPr id="2" name="Title 1">
             <a:extLst>
               <a:ext uri="{FF2B5EF4-FFF2-40B4-BE49-F238E27FC236}">
-                <a16:creationId xmlns:a16="http://schemas.microsoft.com/office/drawing/2014/main" id="{A3F6D3CC-4459-445B-92D2-6641DA4A5DB4}"/>
+                <a16:creationId xmlns:a16="http://schemas.microsoft.com/office/drawing/2014/main" id="{D359BC02-5361-42B8-A231-4E13FD1B5F22}"/>
               </a:ext>
             </a:extLst>
           </p:cNvPr>
@@ -9437,24 +11866,36 @@
             <p:ph type="title"/>
           </p:nvPr>
         </p:nvSpPr>
-        <p:spPr/>
+        <p:spPr>
+          <a:xfrm>
+            <a:off x="552804" y="202345"/>
+            <a:ext cx="9404723" cy="901778"/>
+          </a:xfrm>
+        </p:spPr>
         <p:txBody>
           <a:bodyPr/>
           <a:lstStyle/>
           <a:p>
             <a:r>
-              <a:rPr lang="en-US" dirty="0"/>
-              <a:t>Conclusion</a:t>
-            </a:r>
-          </a:p>
-        </p:txBody>
-      </p:sp>
-      <p:sp>
-        <p:nvSpPr>
-          <p:cNvPr id="4" name="Content Placeholder 2">
+              <a:rPr lang="en-US" sz="3600" dirty="0">
+                <a:solidFill>
+                  <a:schemeClr val="bg2">
+                    <a:lumMod val="40000"/>
+                    <a:lumOff val="60000"/>
+                  </a:schemeClr>
+                </a:solidFill>
+              </a:rPr>
+              <a:t>Model Outcomes and Business Use-cases</a:t>
+            </a:r>
+          </a:p>
+        </p:txBody>
+      </p:sp>
+      <p:sp>
+        <p:nvSpPr>
+          <p:cNvPr id="6" name="Content Placeholder 2">
             <a:extLst>
               <a:ext uri="{FF2B5EF4-FFF2-40B4-BE49-F238E27FC236}">
-                <a16:creationId xmlns:a16="http://schemas.microsoft.com/office/drawing/2014/main" id="{BAB9AB21-6D60-4C74-9759-538E5C42203B}"/>
+                <a16:creationId xmlns:a16="http://schemas.microsoft.com/office/drawing/2014/main" id="{3B4F6A4A-1A13-4EFD-AAE8-2C2A1829B44B}"/>
               </a:ext>
             </a:extLst>
           </p:cNvPr>
@@ -9467,8 +11908,8 @@
         </p:nvSpPr>
         <p:spPr>
           <a:xfrm>
-            <a:off x="646111" y="1549065"/>
-            <a:ext cx="8946541" cy="4195481"/>
+            <a:off x="6505537" y="1482867"/>
+            <a:ext cx="5549444" cy="4062256"/>
           </a:xfrm>
         </p:spPr>
         <p:txBody>
@@ -9477,129 +11918,784 @@
           </a:bodyPr>
           <a:lstStyle/>
           <a:p>
+            <a:pPr>
+              <a:buFont typeface="Wingdings" panose="05000000000000000000" pitchFamily="2" charset="2"/>
+              <a:buChar char="Ø"/>
+            </a:pPr>
+            <a:r>
+              <a:rPr lang="en-US" sz="1400" dirty="0">
+                <a:latin typeface="Calibri Light" panose="020F0302020204030204" pitchFamily="34" charset="0"/>
+                <a:cs typeface="Calibri Light" panose="020F0302020204030204" pitchFamily="34" charset="0"/>
+              </a:rPr>
+              <a:t>Statistically Insignificant - Cyrillic chars are only present in Russian Passwords and not in UK.  (Expected due to regional/ non-US keyboard usage)</a:t>
+            </a:r>
+          </a:p>
+          <a:p>
+            <a:pPr>
+              <a:buFont typeface="Wingdings" panose="05000000000000000000" pitchFamily="2" charset="2"/>
+              <a:buChar char="Ø"/>
+            </a:pPr>
+            <a:r>
+              <a:rPr lang="en-US" sz="1400" dirty="0">
+                <a:latin typeface="Calibri Light" panose="020F0302020204030204" pitchFamily="34" charset="0"/>
+                <a:cs typeface="Calibri Light" panose="020F0302020204030204" pitchFamily="34" charset="0"/>
+              </a:rPr>
+              <a:t> </a:t>
+            </a:r>
+            <a:r>
+              <a:rPr lang="en-US" sz="1400" dirty="0">
+                <a:solidFill>
+                  <a:schemeClr val="accent2">
+                    <a:lumMod val="60000"/>
+                    <a:lumOff val="40000"/>
+                  </a:schemeClr>
+                </a:solidFill>
+                <a:latin typeface="Calibri Light" panose="020F0302020204030204" pitchFamily="34" charset="0"/>
+                <a:cs typeface="Calibri Light" panose="020F0302020204030204" pitchFamily="34" charset="0"/>
+              </a:rPr>
+              <a:t>Strong Correlation – Upper, Lower Alphanumeric and Numeric count inclined towards UK region Passwords</a:t>
+            </a:r>
+            <a:r>
+              <a:rPr lang="en-US" sz="1400" dirty="0">
+                <a:latin typeface="Calibri Light" panose="020F0302020204030204" pitchFamily="34" charset="0"/>
+                <a:cs typeface="Calibri Light" panose="020F0302020204030204" pitchFamily="34" charset="0"/>
+              </a:rPr>
+              <a:t>. </a:t>
+            </a:r>
+          </a:p>
+          <a:p>
+            <a:pPr>
+              <a:buFont typeface="Wingdings" panose="05000000000000000000" pitchFamily="2" charset="2"/>
+              <a:buChar char="Ø"/>
+            </a:pPr>
+            <a:r>
+              <a:rPr lang="en-US" sz="1400" dirty="0">
+                <a:latin typeface="Calibri Light" panose="020F0302020204030204" pitchFamily="34" charset="0"/>
+                <a:cs typeface="Calibri Light" panose="020F0302020204030204" pitchFamily="34" charset="0"/>
+              </a:rPr>
+              <a:t>Higher total Password length inclined towards predicting RU region passwords.</a:t>
+            </a:r>
+          </a:p>
+          <a:p>
+            <a:pPr>
+              <a:buFont typeface="Wingdings" panose="05000000000000000000" pitchFamily="2" charset="2"/>
+              <a:buChar char="Ø"/>
+            </a:pPr>
+            <a:endParaRPr lang="en-US" sz="1400" dirty="0">
+              <a:latin typeface="Calibri Light" panose="020F0302020204030204" pitchFamily="34" charset="0"/>
+              <a:cs typeface="Calibri Light" panose="020F0302020204030204" pitchFamily="34" charset="0"/>
+            </a:endParaRPr>
+          </a:p>
+          <a:p>
+            <a:pPr>
+              <a:buFont typeface="Wingdings" panose="05000000000000000000" pitchFamily="2" charset="2"/>
+              <a:buChar char="Ø"/>
+            </a:pPr>
+            <a:r>
+              <a:rPr lang="en-US" sz="1400" dirty="0">
+                <a:solidFill>
+                  <a:schemeClr val="accent2">
+                    <a:lumMod val="40000"/>
+                    <a:lumOff val="60000"/>
+                  </a:schemeClr>
+                </a:solidFill>
+                <a:latin typeface="Calibri Light" panose="020F0302020204030204" pitchFamily="34" charset="0"/>
+                <a:cs typeface="Calibri Light" panose="020F0302020204030204" pitchFamily="34" charset="0"/>
+              </a:rPr>
+              <a:t>Business Use-cases: </a:t>
+            </a:r>
+          </a:p>
+          <a:p>
+            <a:pPr lvl="1">
+              <a:buFont typeface="Wingdings" panose="05000000000000000000" pitchFamily="2" charset="2"/>
+              <a:buChar char="Ø"/>
+            </a:pPr>
+            <a:r>
+              <a:rPr lang="en-US" sz="1400" dirty="0">
+                <a:latin typeface="Calibri Light" panose="020F0302020204030204" pitchFamily="34" charset="0"/>
+                <a:cs typeface="Calibri Light" panose="020F0302020204030204" pitchFamily="34" charset="0"/>
+              </a:rPr>
+              <a:t>Password Strength/complexity benchmarking.</a:t>
+            </a:r>
+          </a:p>
+          <a:p>
+            <a:pPr lvl="1">
+              <a:buFont typeface="Wingdings" panose="05000000000000000000" pitchFamily="2" charset="2"/>
+              <a:buChar char="Ø"/>
+            </a:pPr>
+            <a:r>
+              <a:rPr lang="en-US" sz="1400" dirty="0">
+                <a:latin typeface="Calibri Light" panose="020F0302020204030204" pitchFamily="34" charset="0"/>
+                <a:cs typeface="Calibri Light" panose="020F0302020204030204" pitchFamily="34" charset="0"/>
+              </a:rPr>
+              <a:t>Regional attributions in case of investigations of passwords associated with malicious activity </a:t>
+            </a:r>
+          </a:p>
+        </p:txBody>
+      </p:sp>
+      <p:sp>
+        <p:nvSpPr>
+          <p:cNvPr id="3" name="Rectangle 2">
+            <a:extLst>
+              <a:ext uri="{FF2B5EF4-FFF2-40B4-BE49-F238E27FC236}">
+                <a16:creationId xmlns:a16="http://schemas.microsoft.com/office/drawing/2014/main" id="{D11C4C5A-D92D-42BD-80AF-148F1C947F1C}"/>
+              </a:ext>
+            </a:extLst>
+          </p:cNvPr>
+          <p:cNvSpPr>
+            <a:spLocks noChangeArrowheads="1"/>
+          </p:cNvSpPr>
+          <p:nvPr/>
+        </p:nvSpPr>
+        <p:spPr bwMode="auto">
+          <a:xfrm>
+            <a:off x="-74645" y="121229"/>
+            <a:ext cx="12192000" cy="0"/>
+          </a:xfrm>
+          <a:prstGeom prst="rect">
+            <a:avLst/>
+          </a:prstGeom>
+          <a:noFill/>
+          <a:ln>
+            <a:noFill/>
+          </a:ln>
+          <a:effectLst/>
+          <a:extLst>
+            <a:ext uri="{909E8E84-426E-40DD-AFC4-6F175D3DCCD1}">
+              <a14:hiddenFill xmlns:a14="http://schemas.microsoft.com/office/drawing/2010/main">
+                <a:solidFill>
+                  <a:schemeClr val="accent1"/>
+                </a:solidFill>
+              </a14:hiddenFill>
+            </a:ext>
+            <a:ext uri="{91240B29-F687-4F45-9708-019B960494DF}">
+              <a14:hiddenLine xmlns:a14="http://schemas.microsoft.com/office/drawing/2010/main" w="9525">
+                <a:solidFill>
+                  <a:schemeClr val="tx1"/>
+                </a:solidFill>
+                <a:miter lim="800000"/>
+                <a:headEnd/>
+                <a:tailEnd/>
+              </a14:hiddenLine>
+            </a:ext>
+            <a:ext uri="{AF507438-7753-43E0-B8FC-AC1667EBCBE1}">
+              <a14:hiddenEffects xmlns:a14="http://schemas.microsoft.com/office/drawing/2010/main">
+                <a:effectLst>
+                  <a:outerShdw dist="35921" dir="2700000" algn="ctr" rotWithShape="0">
+                    <a:schemeClr val="bg2"/>
+                  </a:outerShdw>
+                </a:effectLst>
+              </a14:hiddenEffects>
+            </a:ext>
+          </a:extLst>
+        </p:spPr>
+        <p:txBody>
+          <a:bodyPr vert="horz" wrap="none" lIns="91440" tIns="45720" rIns="91440" bIns="45720" numCol="1" anchor="ctr" anchorCtr="0" compatLnSpc="1">
+            <a:prstTxWarp prst="textNoShape">
+              <a:avLst/>
+            </a:prstTxWarp>
+            <a:spAutoFit/>
+          </a:bodyPr>
+          <a:lstStyle/>
+          <a:p>
+            <a:endParaRPr lang="en-US"/>
+          </a:p>
+        </p:txBody>
+      </p:sp>
+      <p:sp>
+        <p:nvSpPr>
+          <p:cNvPr id="4" name="Arrow: Left 3">
+            <a:extLst>
+              <a:ext uri="{FF2B5EF4-FFF2-40B4-BE49-F238E27FC236}">
+                <a16:creationId xmlns:a16="http://schemas.microsoft.com/office/drawing/2014/main" id="{6D282A8D-E864-42E0-8085-DFAC7D1C5DDB}"/>
+              </a:ext>
+            </a:extLst>
+          </p:cNvPr>
+          <p:cNvSpPr/>
+          <p:nvPr/>
+        </p:nvSpPr>
+        <p:spPr>
+          <a:xfrm>
+            <a:off x="159392" y="5801393"/>
+            <a:ext cx="3766656" cy="611529"/>
+          </a:xfrm>
+          <a:prstGeom prst="leftArrow">
+            <a:avLst/>
+          </a:prstGeom>
+          <a:ln/>
+        </p:spPr>
+        <p:style>
+          <a:lnRef idx="1">
+            <a:schemeClr val="dk1"/>
+          </a:lnRef>
+          <a:fillRef idx="2">
+            <a:schemeClr val="dk1"/>
+          </a:fillRef>
+          <a:effectRef idx="1">
+            <a:schemeClr val="dk1"/>
+          </a:effectRef>
+          <a:fontRef idx="minor">
+            <a:schemeClr val="dk1"/>
+          </a:fontRef>
+        </p:style>
+        <p:txBody>
+          <a:bodyPr rtlCol="0" anchor="ctr"/>
+          <a:lstStyle/>
+          <a:p>
+            <a:pPr algn="ctr"/>
+            <a:r>
+              <a:rPr lang="en-US" dirty="0"/>
+              <a:t>More British</a:t>
+            </a:r>
+          </a:p>
+        </p:txBody>
+      </p:sp>
+      <p:sp>
+        <p:nvSpPr>
+          <p:cNvPr id="5" name="Arrow: Right 4">
+            <a:extLst>
+              <a:ext uri="{FF2B5EF4-FFF2-40B4-BE49-F238E27FC236}">
+                <a16:creationId xmlns:a16="http://schemas.microsoft.com/office/drawing/2014/main" id="{A49FB791-4610-4D07-B024-A639D90E45C6}"/>
+              </a:ext>
+            </a:extLst>
+          </p:cNvPr>
+          <p:cNvSpPr/>
+          <p:nvPr/>
+        </p:nvSpPr>
+        <p:spPr>
+          <a:xfrm>
+            <a:off x="3942827" y="5801392"/>
+            <a:ext cx="3121632" cy="611529"/>
+          </a:xfrm>
+          <a:prstGeom prst="rightArrow">
+            <a:avLst/>
+          </a:prstGeom>
+        </p:spPr>
+        <p:style>
+          <a:lnRef idx="0">
+            <a:schemeClr val="accent5"/>
+          </a:lnRef>
+          <a:fillRef idx="3">
+            <a:schemeClr val="accent5"/>
+          </a:fillRef>
+          <a:effectRef idx="3">
+            <a:schemeClr val="accent5"/>
+          </a:effectRef>
+          <a:fontRef idx="minor">
+            <a:schemeClr val="lt1"/>
+          </a:fontRef>
+        </p:style>
+        <p:txBody>
+          <a:bodyPr rtlCol="0" anchor="ctr"/>
+          <a:lstStyle/>
+          <a:p>
+            <a:pPr algn="ctr"/>
+            <a:r>
+              <a:rPr lang="en-US" dirty="0"/>
+              <a:t>More Russian</a:t>
+            </a:r>
+          </a:p>
+        </p:txBody>
+      </p:sp>
+      <p:cxnSp>
+        <p:nvCxnSpPr>
+          <p:cNvPr id="12" name="Straight Connector 11">
+            <a:extLst>
+              <a:ext uri="{FF2B5EF4-FFF2-40B4-BE49-F238E27FC236}">
+                <a16:creationId xmlns:a16="http://schemas.microsoft.com/office/drawing/2014/main" id="{E5E1F931-45EB-4A47-81B6-33ABF1E0C806}"/>
+              </a:ext>
+            </a:extLst>
+          </p:cNvPr>
+          <p:cNvCxnSpPr>
+            <a:cxnSpLocks/>
+          </p:cNvCxnSpPr>
+          <p:nvPr/>
+        </p:nvCxnSpPr>
+        <p:spPr>
+          <a:xfrm flipH="1" flipV="1">
+            <a:off x="3921982" y="2553309"/>
+            <a:ext cx="1" cy="3447877"/>
+          </a:xfrm>
+          <a:prstGeom prst="line">
+            <a:avLst/>
+          </a:prstGeom>
+        </p:spPr>
+        <p:style>
+          <a:lnRef idx="3">
+            <a:schemeClr val="accent4"/>
+          </a:lnRef>
+          <a:fillRef idx="0">
+            <a:schemeClr val="accent4"/>
+          </a:fillRef>
+          <a:effectRef idx="2">
+            <a:schemeClr val="accent4"/>
+          </a:effectRef>
+          <a:fontRef idx="minor">
+            <a:schemeClr val="tx1"/>
+          </a:fontRef>
+        </p:style>
+      </p:cxnSp>
+      <p:sp>
+        <p:nvSpPr>
+          <p:cNvPr id="15" name="Arrow: Left 14">
+            <a:extLst>
+              <a:ext uri="{FF2B5EF4-FFF2-40B4-BE49-F238E27FC236}">
+                <a16:creationId xmlns:a16="http://schemas.microsoft.com/office/drawing/2014/main" id="{EFC2DA3E-D35E-47CF-9DF9-2161F7ADB3DC}"/>
+              </a:ext>
+            </a:extLst>
+          </p:cNvPr>
+          <p:cNvSpPr/>
+          <p:nvPr/>
+        </p:nvSpPr>
+        <p:spPr>
+          <a:xfrm>
+            <a:off x="922788" y="4844533"/>
+            <a:ext cx="3003259" cy="611529"/>
+          </a:xfrm>
+          <a:prstGeom prst="leftArrow">
+            <a:avLst/>
+          </a:prstGeom>
+        </p:spPr>
+        <p:style>
+          <a:lnRef idx="1">
+            <a:schemeClr val="dk1"/>
+          </a:lnRef>
+          <a:fillRef idx="2">
+            <a:schemeClr val="dk1"/>
+          </a:fillRef>
+          <a:effectRef idx="1">
+            <a:schemeClr val="dk1"/>
+          </a:effectRef>
+          <a:fontRef idx="minor">
+            <a:schemeClr val="dk1"/>
+          </a:fontRef>
+        </p:style>
+        <p:txBody>
+          <a:bodyPr rtlCol="0" anchor="ctr"/>
+          <a:lstStyle/>
+          <a:p>
+            <a:pPr algn="ctr"/>
+            <a:r>
+              <a:rPr lang="en-US" sz="1400" dirty="0"/>
+              <a:t>Lower Alphanumeric Chars</a:t>
+            </a:r>
+          </a:p>
+        </p:txBody>
+      </p:sp>
+      <p:sp>
+        <p:nvSpPr>
+          <p:cNvPr id="16" name="Arrow: Left 15">
+            <a:extLst>
+              <a:ext uri="{FF2B5EF4-FFF2-40B4-BE49-F238E27FC236}">
+                <a16:creationId xmlns:a16="http://schemas.microsoft.com/office/drawing/2014/main" id="{D80CD180-306F-4870-9B2C-584EDF5BD7FE}"/>
+              </a:ext>
+            </a:extLst>
+          </p:cNvPr>
+          <p:cNvSpPr/>
+          <p:nvPr/>
+        </p:nvSpPr>
+        <p:spPr>
+          <a:xfrm>
+            <a:off x="897621" y="3971484"/>
+            <a:ext cx="3003259" cy="611529"/>
+          </a:xfrm>
+          <a:prstGeom prst="leftArrow">
+            <a:avLst/>
+          </a:prstGeom>
+        </p:spPr>
+        <p:style>
+          <a:lnRef idx="1">
+            <a:schemeClr val="dk1"/>
+          </a:lnRef>
+          <a:fillRef idx="2">
+            <a:schemeClr val="dk1"/>
+          </a:fillRef>
+          <a:effectRef idx="1">
+            <a:schemeClr val="dk1"/>
+          </a:effectRef>
+          <a:fontRef idx="minor">
+            <a:schemeClr val="dk1"/>
+          </a:fontRef>
+        </p:style>
+        <p:txBody>
+          <a:bodyPr rtlCol="0" anchor="ctr"/>
+          <a:lstStyle/>
+          <a:p>
+            <a:pPr algn="ctr"/>
+            <a:r>
+              <a:rPr lang="en-US" sz="1400" dirty="0"/>
+              <a:t>Upper Alphanumeric Chars</a:t>
+            </a:r>
+          </a:p>
+        </p:txBody>
+      </p:sp>
+      <p:sp>
+        <p:nvSpPr>
+          <p:cNvPr id="17" name="Arrow: Left 16">
+            <a:extLst>
+              <a:ext uri="{FF2B5EF4-FFF2-40B4-BE49-F238E27FC236}">
+                <a16:creationId xmlns:a16="http://schemas.microsoft.com/office/drawing/2014/main" id="{EB2AD6C5-2A64-41BD-A9FA-17A930C066A0}"/>
+              </a:ext>
+            </a:extLst>
+          </p:cNvPr>
+          <p:cNvSpPr/>
+          <p:nvPr/>
+        </p:nvSpPr>
+        <p:spPr>
+          <a:xfrm>
+            <a:off x="922788" y="3023716"/>
+            <a:ext cx="3003260" cy="611529"/>
+          </a:xfrm>
+          <a:prstGeom prst="leftArrow">
+            <a:avLst/>
+          </a:prstGeom>
+        </p:spPr>
+        <p:style>
+          <a:lnRef idx="1">
+            <a:schemeClr val="dk1"/>
+          </a:lnRef>
+          <a:fillRef idx="2">
+            <a:schemeClr val="dk1"/>
+          </a:fillRef>
+          <a:effectRef idx="1">
+            <a:schemeClr val="dk1"/>
+          </a:effectRef>
+          <a:fontRef idx="minor">
+            <a:schemeClr val="dk1"/>
+          </a:fontRef>
+        </p:style>
+        <p:txBody>
+          <a:bodyPr rtlCol="0" anchor="ctr"/>
+          <a:lstStyle/>
+          <a:p>
+            <a:pPr algn="ctr"/>
+            <a:r>
+              <a:rPr lang="en-US" sz="1400" dirty="0"/>
+              <a:t>Numeric Chars</a:t>
+            </a:r>
+          </a:p>
+        </p:txBody>
+      </p:sp>
+      <p:sp>
+        <p:nvSpPr>
+          <p:cNvPr id="18" name="Arrow: Right 17">
+            <a:extLst>
+              <a:ext uri="{FF2B5EF4-FFF2-40B4-BE49-F238E27FC236}">
+                <a16:creationId xmlns:a16="http://schemas.microsoft.com/office/drawing/2014/main" id="{72F30215-3D31-4F0A-8920-C911562AC01C}"/>
+              </a:ext>
+            </a:extLst>
+          </p:cNvPr>
+          <p:cNvSpPr/>
+          <p:nvPr/>
+        </p:nvSpPr>
+        <p:spPr>
+          <a:xfrm>
+            <a:off x="3942828" y="3580607"/>
+            <a:ext cx="2214689" cy="574487"/>
+          </a:xfrm>
+          <a:prstGeom prst="rightArrow">
+            <a:avLst/>
+          </a:prstGeom>
+        </p:spPr>
+        <p:style>
+          <a:lnRef idx="1">
+            <a:schemeClr val="accent5"/>
+          </a:lnRef>
+          <a:fillRef idx="3">
+            <a:schemeClr val="accent5"/>
+          </a:fillRef>
+          <a:effectRef idx="2">
+            <a:schemeClr val="accent5"/>
+          </a:effectRef>
+          <a:fontRef idx="minor">
+            <a:schemeClr val="lt1"/>
+          </a:fontRef>
+        </p:style>
+        <p:txBody>
+          <a:bodyPr rtlCol="0" anchor="ctr"/>
+          <a:lstStyle/>
+          <a:p>
+            <a:pPr algn="ctr"/>
+            <a:r>
+              <a:rPr lang="en-US" sz="1400" dirty="0"/>
+              <a:t>Total Password length</a:t>
+            </a:r>
+          </a:p>
+        </p:txBody>
+      </p:sp>
+      <p:sp>
+        <p:nvSpPr>
+          <p:cNvPr id="19" name="Content Placeholder 2">
+            <a:extLst>
+              <a:ext uri="{FF2B5EF4-FFF2-40B4-BE49-F238E27FC236}">
+                <a16:creationId xmlns:a16="http://schemas.microsoft.com/office/drawing/2014/main" id="{92EF3CB5-D11B-4E14-A009-5CD847276026}"/>
+              </a:ext>
+            </a:extLst>
+          </p:cNvPr>
+          <p:cNvSpPr txBox="1">
+            <a:spLocks/>
+          </p:cNvSpPr>
+          <p:nvPr/>
+        </p:nvSpPr>
+        <p:spPr>
+          <a:xfrm>
+            <a:off x="2272477" y="2005187"/>
+            <a:ext cx="3121642" cy="419350"/>
+          </a:xfrm>
+          <a:prstGeom prst="rect">
+            <a:avLst/>
+          </a:prstGeom>
+        </p:spPr>
+        <p:txBody>
+          <a:bodyPr vert="horz" lIns="91440" tIns="45720" rIns="91440" bIns="45720" rtlCol="0">
+            <a:normAutofit/>
+          </a:bodyPr>
+          <a:lstStyle>
+            <a:lvl1pPr marL="342900" indent="-342900" algn="l" defTabSz="457200" rtl="0" eaLnBrk="1" latinLnBrk="0" hangingPunct="1">
+              <a:spcBef>
+                <a:spcPts val="1000"/>
+              </a:spcBef>
+              <a:spcAft>
+                <a:spcPts val="0"/>
+              </a:spcAft>
+              <a:buClr>
+                <a:schemeClr val="bg2">
+                  <a:lumMod val="40000"/>
+                  <a:lumOff val="60000"/>
+                </a:schemeClr>
+              </a:buClr>
+              <a:buSzPct val="80000"/>
+              <a:buFont typeface="Wingdings 3" charset="2"/>
+              <a:buChar char=""/>
+              <a:defRPr sz="2000" b="0" i="0" kern="1200">
+                <a:solidFill>
+                  <a:schemeClr val="tx1"/>
+                </a:solidFill>
+                <a:latin typeface="+mj-lt"/>
+                <a:ea typeface="+mj-ea"/>
+                <a:cs typeface="+mj-cs"/>
+              </a:defRPr>
+            </a:lvl1pPr>
+            <a:lvl2pPr marL="742950" indent="-285750" algn="l" defTabSz="457200" rtl="0" eaLnBrk="1" latinLnBrk="0" hangingPunct="1">
+              <a:spcBef>
+                <a:spcPts val="1000"/>
+              </a:spcBef>
+              <a:spcAft>
+                <a:spcPts val="0"/>
+              </a:spcAft>
+              <a:buClr>
+                <a:schemeClr val="bg2">
+                  <a:lumMod val="40000"/>
+                  <a:lumOff val="60000"/>
+                </a:schemeClr>
+              </a:buClr>
+              <a:buSzPct val="80000"/>
+              <a:buFont typeface="Wingdings 3" charset="2"/>
+              <a:buChar char=""/>
+              <a:defRPr sz="1800" b="0" i="0" kern="1200">
+                <a:solidFill>
+                  <a:schemeClr val="tx1"/>
+                </a:solidFill>
+                <a:latin typeface="+mj-lt"/>
+                <a:ea typeface="+mj-ea"/>
+                <a:cs typeface="+mj-cs"/>
+              </a:defRPr>
+            </a:lvl2pPr>
+            <a:lvl3pPr marL="1143000" indent="-228600" algn="l" defTabSz="457200" rtl="0" eaLnBrk="1" latinLnBrk="0" hangingPunct="1">
+              <a:spcBef>
+                <a:spcPts val="1000"/>
+              </a:spcBef>
+              <a:spcAft>
+                <a:spcPts val="0"/>
+              </a:spcAft>
+              <a:buClr>
+                <a:schemeClr val="bg2">
+                  <a:lumMod val="40000"/>
+                  <a:lumOff val="60000"/>
+                </a:schemeClr>
+              </a:buClr>
+              <a:buSzPct val="80000"/>
+              <a:buFont typeface="Wingdings 3" charset="2"/>
+              <a:buChar char=""/>
+              <a:defRPr sz="1600" b="0" i="0" kern="1200">
+                <a:solidFill>
+                  <a:schemeClr val="tx1"/>
+                </a:solidFill>
+                <a:latin typeface="+mj-lt"/>
+                <a:ea typeface="+mj-ea"/>
+                <a:cs typeface="+mj-cs"/>
+              </a:defRPr>
+            </a:lvl3pPr>
+            <a:lvl4pPr marL="1600200" indent="-228600" algn="l" defTabSz="457200" rtl="0" eaLnBrk="1" latinLnBrk="0" hangingPunct="1">
+              <a:spcBef>
+                <a:spcPts val="1000"/>
+              </a:spcBef>
+              <a:spcAft>
+                <a:spcPts val="0"/>
+              </a:spcAft>
+              <a:buClr>
+                <a:schemeClr val="bg2">
+                  <a:lumMod val="40000"/>
+                  <a:lumOff val="60000"/>
+                </a:schemeClr>
+              </a:buClr>
+              <a:buSzPct val="80000"/>
+              <a:buFont typeface="Wingdings 3" charset="2"/>
+              <a:buChar char=""/>
+              <a:defRPr sz="1400" b="0" i="0" kern="1200">
+                <a:solidFill>
+                  <a:schemeClr val="tx1"/>
+                </a:solidFill>
+                <a:latin typeface="+mj-lt"/>
+                <a:ea typeface="+mj-ea"/>
+                <a:cs typeface="+mj-cs"/>
+              </a:defRPr>
+            </a:lvl4pPr>
+            <a:lvl5pPr marL="2057400" indent="-228600" algn="l" defTabSz="457200" rtl="0" eaLnBrk="1" latinLnBrk="0" hangingPunct="1">
+              <a:spcBef>
+                <a:spcPts val="1000"/>
+              </a:spcBef>
+              <a:spcAft>
+                <a:spcPts val="0"/>
+              </a:spcAft>
+              <a:buClr>
+                <a:schemeClr val="bg2">
+                  <a:lumMod val="40000"/>
+                  <a:lumOff val="60000"/>
+                </a:schemeClr>
+              </a:buClr>
+              <a:buSzPct val="80000"/>
+              <a:buFont typeface="Wingdings 3" charset="2"/>
+              <a:buChar char=""/>
+              <a:defRPr sz="1400" b="0" i="0" kern="1200">
+                <a:solidFill>
+                  <a:schemeClr val="tx1"/>
+                </a:solidFill>
+                <a:latin typeface="+mj-lt"/>
+                <a:ea typeface="+mj-ea"/>
+                <a:cs typeface="+mj-cs"/>
+              </a:defRPr>
+            </a:lvl5pPr>
+            <a:lvl6pPr marL="2506000" indent="-228600" algn="l" defTabSz="457200" rtl="0" eaLnBrk="1" latinLnBrk="0" hangingPunct="1">
+              <a:spcBef>
+                <a:spcPts val="1000"/>
+              </a:spcBef>
+              <a:spcAft>
+                <a:spcPts val="0"/>
+              </a:spcAft>
+              <a:buClr>
+                <a:schemeClr val="bg2">
+                  <a:lumMod val="40000"/>
+                  <a:lumOff val="60000"/>
+                </a:schemeClr>
+              </a:buClr>
+              <a:buSzPct val="80000"/>
+              <a:buFont typeface="Wingdings 3" charset="2"/>
+              <a:buChar char=""/>
+              <a:defRPr sz="1400" b="0" i="0" kern="1200">
+                <a:solidFill>
+                  <a:schemeClr val="tx1"/>
+                </a:solidFill>
+                <a:latin typeface="+mj-lt"/>
+                <a:ea typeface="+mj-ea"/>
+                <a:cs typeface="+mj-cs"/>
+              </a:defRPr>
+            </a:lvl6pPr>
+            <a:lvl7pPr marL="2971800" indent="-228600" algn="l" defTabSz="457200" rtl="0" eaLnBrk="1" latinLnBrk="0" hangingPunct="1">
+              <a:spcBef>
+                <a:spcPts val="1000"/>
+              </a:spcBef>
+              <a:spcAft>
+                <a:spcPts val="0"/>
+              </a:spcAft>
+              <a:buClr>
+                <a:schemeClr val="bg2">
+                  <a:lumMod val="40000"/>
+                  <a:lumOff val="60000"/>
+                </a:schemeClr>
+              </a:buClr>
+              <a:buSzPct val="80000"/>
+              <a:buFont typeface="Wingdings 3" charset="2"/>
+              <a:buChar char=""/>
+              <a:defRPr sz="1400" b="0" i="0" kern="1200">
+                <a:solidFill>
+                  <a:schemeClr val="tx1"/>
+                </a:solidFill>
+                <a:latin typeface="+mj-lt"/>
+                <a:ea typeface="+mj-ea"/>
+                <a:cs typeface="+mj-cs"/>
+              </a:defRPr>
+            </a:lvl7pPr>
+            <a:lvl8pPr marL="3429000" indent="-228600" algn="l" defTabSz="457200" rtl="0" eaLnBrk="1" latinLnBrk="0" hangingPunct="1">
+              <a:spcBef>
+                <a:spcPts val="1000"/>
+              </a:spcBef>
+              <a:spcAft>
+                <a:spcPts val="0"/>
+              </a:spcAft>
+              <a:buClr>
+                <a:schemeClr val="bg2">
+                  <a:lumMod val="40000"/>
+                  <a:lumOff val="60000"/>
+                </a:schemeClr>
+              </a:buClr>
+              <a:buSzPct val="80000"/>
+              <a:buFont typeface="Wingdings 3" charset="2"/>
+              <a:buChar char=""/>
+              <a:defRPr sz="1400" b="0" i="0" kern="1200">
+                <a:solidFill>
+                  <a:schemeClr val="tx1"/>
+                </a:solidFill>
+                <a:latin typeface="+mj-lt"/>
+                <a:ea typeface="+mj-ea"/>
+                <a:cs typeface="+mj-cs"/>
+              </a:defRPr>
+            </a:lvl8pPr>
+            <a:lvl9pPr marL="3886200" indent="-228600" algn="l" defTabSz="457200" rtl="0" eaLnBrk="1" latinLnBrk="0" hangingPunct="1">
+              <a:spcBef>
+                <a:spcPts val="1000"/>
+              </a:spcBef>
+              <a:spcAft>
+                <a:spcPts val="0"/>
+              </a:spcAft>
+              <a:buClr>
+                <a:schemeClr val="bg2">
+                  <a:lumMod val="40000"/>
+                  <a:lumOff val="60000"/>
+                </a:schemeClr>
+              </a:buClr>
+              <a:buSzPct val="80000"/>
+              <a:buFont typeface="Wingdings 3" charset="2"/>
+              <a:buChar char=""/>
+              <a:defRPr sz="1400" b="0" i="0" kern="1200">
+                <a:solidFill>
+                  <a:schemeClr val="tx1"/>
+                </a:solidFill>
+                <a:latin typeface="+mj-lt"/>
+                <a:ea typeface="+mj-ea"/>
+                <a:cs typeface="+mj-cs"/>
+              </a:defRPr>
+            </a:lvl9pPr>
+          </a:lstStyle>
+          <a:p>
+            <a:pPr marL="0" indent="0">
+              <a:buFont typeface="Wingdings 3" charset="2"/>
+              <a:buNone/>
+            </a:pPr>
             <a:r>
               <a:rPr lang="en-US" sz="1600" dirty="0">
                 <a:latin typeface="Calibri Light" panose="020F0302020204030204" pitchFamily="34" charset="0"/>
                 <a:cs typeface="Calibri Light" panose="020F0302020204030204" pitchFamily="34" charset="0"/>
               </a:rPr>
-              <a:t>The breach compilation dataset had more than 200 Fortune 500 companies </a:t>
-            </a:r>
-            <a:r>
-              <a:rPr lang="en-US" sz="1600" dirty="0" err="1">
-                <a:latin typeface="Calibri Light" panose="020F0302020204030204" pitchFamily="34" charset="0"/>
-                <a:cs typeface="Calibri Light" panose="020F0302020204030204" pitchFamily="34" charset="0"/>
-              </a:rPr>
-              <a:t>Emaildomain</a:t>
-            </a:r>
-            <a:r>
-              <a:rPr lang="en-US" sz="1600" dirty="0">
-                <a:latin typeface="Calibri Light" panose="020F0302020204030204" pitchFamily="34" charset="0"/>
-                <a:cs typeface="Calibri Light" panose="020F0302020204030204" pitchFamily="34" charset="0"/>
-              </a:rPr>
-              <a:t> were present with more than 20 sectors.</a:t>
-            </a:r>
-          </a:p>
-          <a:p>
-            <a:r>
-              <a:rPr lang="en-US" sz="1600" dirty="0">
-                <a:latin typeface="Calibri Light" panose="020F0302020204030204" pitchFamily="34" charset="0"/>
-                <a:cs typeface="Calibri Light" panose="020F0302020204030204" pitchFamily="34" charset="0"/>
-              </a:rPr>
-              <a:t>Password length of the entire dataset varied from 6 to 16 char length where as avg password length per sector was between 8 to 9.</a:t>
-            </a:r>
-          </a:p>
-          <a:p>
-            <a:r>
-              <a:rPr lang="en-US" sz="1600" dirty="0">
-                <a:latin typeface="Calibri Light" panose="020F0302020204030204" pitchFamily="34" charset="0"/>
-                <a:cs typeface="Calibri Light" panose="020F0302020204030204" pitchFamily="34" charset="0"/>
-              </a:rPr>
-              <a:t>By training this dataset, one can try to predict the regions (UK/RU) based on given password with 68% accuracy.</a:t>
-            </a:r>
-          </a:p>
-          <a:p>
-            <a:r>
-              <a:rPr lang="en-US" sz="1600" dirty="0">
-                <a:latin typeface="Calibri Light" panose="020F0302020204030204" pitchFamily="34" charset="0"/>
-                <a:cs typeface="Calibri Light" panose="020F0302020204030204" pitchFamily="34" charset="0"/>
-              </a:rPr>
-              <a:t>Project Code Repo : </a:t>
-            </a:r>
-          </a:p>
-          <a:p>
-            <a:pPr marL="0" indent="0">
-              <a:buNone/>
-            </a:pPr>
-            <a:r>
-              <a:rPr lang="en-US" sz="1600" dirty="0">
-                <a:latin typeface="Calibri Light" panose="020F0302020204030204" pitchFamily="34" charset="0"/>
-                <a:cs typeface="Calibri Light" panose="020F0302020204030204" pitchFamily="34" charset="0"/>
-                <a:hlinkClick r:id="rId2"/>
-              </a:rPr>
-              <a:t>https://github.com/ashwin-patil/springboard-intro-to-datascience/tree/master/capstone_project</a:t>
-            </a:r>
-            <a:endParaRPr lang="en-US" sz="1600" dirty="0">
-              <a:latin typeface="Calibri Light" panose="020F0302020204030204" pitchFamily="34" charset="0"/>
-              <a:cs typeface="Calibri Light" panose="020F0302020204030204" pitchFamily="34" charset="0"/>
-            </a:endParaRPr>
-          </a:p>
-          <a:p>
-            <a:r>
-              <a:rPr lang="en-US" sz="1600" dirty="0">
-                <a:latin typeface="Calibri Light" panose="020F0302020204030204" pitchFamily="34" charset="0"/>
-                <a:cs typeface="Calibri Light" panose="020F0302020204030204" pitchFamily="34" charset="0"/>
-              </a:rPr>
-              <a:t>Detailed Technical Report : </a:t>
-            </a:r>
-          </a:p>
-          <a:p>
-            <a:pPr marL="0" indent="0">
-              <a:buNone/>
-            </a:pPr>
-            <a:r>
-              <a:rPr lang="en-US" sz="1600" dirty="0">
-                <a:latin typeface="Calibri Light" panose="020F0302020204030204" pitchFamily="34" charset="0"/>
-                <a:cs typeface="Calibri Light" panose="020F0302020204030204" pitchFamily="34" charset="0"/>
-                <a:hlinkClick r:id="rId3"/>
-              </a:rPr>
-              <a:t>Analysis of Passwords from </a:t>
-            </a:r>
-            <a:r>
-              <a:rPr lang="en-US" sz="1600" dirty="0" err="1">
-                <a:latin typeface="Calibri Light" panose="020F0302020204030204" pitchFamily="34" charset="0"/>
-                <a:cs typeface="Calibri Light" panose="020F0302020204030204" pitchFamily="34" charset="0"/>
-                <a:hlinkClick r:id="rId3"/>
-              </a:rPr>
-              <a:t>BreachCompilation</a:t>
-            </a:r>
-            <a:r>
-              <a:rPr lang="en-US" sz="1600" dirty="0">
-                <a:latin typeface="Calibri Light" panose="020F0302020204030204" pitchFamily="34" charset="0"/>
-                <a:cs typeface="Calibri Light" panose="020F0302020204030204" pitchFamily="34" charset="0"/>
-                <a:hlinkClick r:id="rId3"/>
-              </a:rPr>
-              <a:t> Dataset</a:t>
-            </a:r>
-            <a:endParaRPr lang="en-US" sz="1600" dirty="0">
-              <a:latin typeface="Calibri Light" panose="020F0302020204030204" pitchFamily="34" charset="0"/>
-              <a:cs typeface="Calibri Light" panose="020F0302020204030204" pitchFamily="34" charset="0"/>
-            </a:endParaRPr>
-          </a:p>
-          <a:p>
-            <a:pPr marL="0" indent="0">
-              <a:buNone/>
-            </a:pPr>
-            <a:endParaRPr lang="en-US" sz="1600" dirty="0">
-              <a:latin typeface="Calibri Light" panose="020F0302020204030204" pitchFamily="34" charset="0"/>
-              <a:cs typeface="Calibri Light" panose="020F0302020204030204" pitchFamily="34" charset="0"/>
-            </a:endParaRPr>
+              <a:t>Higher value of ‘x’ variable means.</a:t>
+            </a:r>
           </a:p>
         </p:txBody>
       </p:sp>
     </p:spTree>
     <p:extLst>
       <p:ext uri="{BB962C8B-B14F-4D97-AF65-F5344CB8AC3E}">
-        <p14:creationId xmlns:p14="http://schemas.microsoft.com/office/powerpoint/2010/main" val="690386882"/>
+        <p14:creationId xmlns:p14="http://schemas.microsoft.com/office/powerpoint/2010/main" val="3496860891"/>
       </p:ext>
     </p:extLst>
   </p:cSld>
